--- a/Documentation/TamBox guide.pptx
+++ b/Documentation/TamBox guide.pptx
@@ -106,7 +106,7 @@
   </p:defaultTextStyle>
   <p:extLst>
     <p:ext uri="{EFAFB233-063F-42B5-8137-9DF3F51BA10A}">
-      <p15:sldGuideLst xmlns="" xmlns:p15="http://schemas.microsoft.com/office/powerpoint/2012/main">
+      <p15:sldGuideLst xmlns:p15="http://schemas.microsoft.com/office/powerpoint/2012/main" xmlns="">
         <p15:guide id="1" orient="horz" pos="2160" userDrawn="1">
           <p15:clr>
             <a:srgbClr val="A4A3A4"/>
@@ -1184,7 +1184,7 @@
     </p:spTree>
     <p:extLst>
       <p:ext uri="{BB962C8B-B14F-4D97-AF65-F5344CB8AC3E}">
-        <p14:creationId xmlns="" xmlns:p14="http://schemas.microsoft.com/office/powerpoint/2010/main" val="3035453172"/>
+        <p14:creationId xmlns:p14="http://schemas.microsoft.com/office/powerpoint/2010/main" xmlns="" val="3035453172"/>
       </p:ext>
     </p:extLst>
   </p:cSld>
@@ -1356,7 +1356,7 @@
     </p:spTree>
     <p:extLst>
       <p:ext uri="{BB962C8B-B14F-4D97-AF65-F5344CB8AC3E}">
-        <p14:creationId xmlns="" xmlns:p14="http://schemas.microsoft.com/office/powerpoint/2010/main" val="2436592710"/>
+        <p14:creationId xmlns:p14="http://schemas.microsoft.com/office/powerpoint/2010/main" xmlns="" val="2436592710"/>
       </p:ext>
     </p:extLst>
   </p:cSld>
@@ -1538,7 +1538,7 @@
     </p:spTree>
     <p:extLst>
       <p:ext uri="{BB962C8B-B14F-4D97-AF65-F5344CB8AC3E}">
-        <p14:creationId xmlns="" xmlns:p14="http://schemas.microsoft.com/office/powerpoint/2010/main" val="3299582785"/>
+        <p14:creationId xmlns:p14="http://schemas.microsoft.com/office/powerpoint/2010/main" xmlns="" val="3299582785"/>
       </p:ext>
     </p:extLst>
   </p:cSld>
@@ -1710,7 +1710,7 @@
     </p:spTree>
     <p:extLst>
       <p:ext uri="{BB962C8B-B14F-4D97-AF65-F5344CB8AC3E}">
-        <p14:creationId xmlns="" xmlns:p14="http://schemas.microsoft.com/office/powerpoint/2010/main" val="2928361182"/>
+        <p14:creationId xmlns:p14="http://schemas.microsoft.com/office/powerpoint/2010/main" xmlns="" val="2928361182"/>
       </p:ext>
     </p:extLst>
   </p:cSld>
@@ -1956,7 +1956,7 @@
     </p:spTree>
     <p:extLst>
       <p:ext uri="{BB962C8B-B14F-4D97-AF65-F5344CB8AC3E}">
-        <p14:creationId xmlns="" xmlns:p14="http://schemas.microsoft.com/office/powerpoint/2010/main" val="3232366584"/>
+        <p14:creationId xmlns:p14="http://schemas.microsoft.com/office/powerpoint/2010/main" xmlns="" val="3232366584"/>
       </p:ext>
     </p:extLst>
   </p:cSld>
@@ -2190,7 +2190,7 @@
     </p:spTree>
     <p:extLst>
       <p:ext uri="{BB962C8B-B14F-4D97-AF65-F5344CB8AC3E}">
-        <p14:creationId xmlns="" xmlns:p14="http://schemas.microsoft.com/office/powerpoint/2010/main" val="577270912"/>
+        <p14:creationId xmlns:p14="http://schemas.microsoft.com/office/powerpoint/2010/main" xmlns="" val="577270912"/>
       </p:ext>
     </p:extLst>
   </p:cSld>
@@ -2559,7 +2559,7 @@
     </p:spTree>
     <p:extLst>
       <p:ext uri="{BB962C8B-B14F-4D97-AF65-F5344CB8AC3E}">
-        <p14:creationId xmlns="" xmlns:p14="http://schemas.microsoft.com/office/powerpoint/2010/main" val="2790669894"/>
+        <p14:creationId xmlns:p14="http://schemas.microsoft.com/office/powerpoint/2010/main" xmlns="" val="2790669894"/>
       </p:ext>
     </p:extLst>
   </p:cSld>
@@ -2679,7 +2679,7 @@
     </p:spTree>
     <p:extLst>
       <p:ext uri="{BB962C8B-B14F-4D97-AF65-F5344CB8AC3E}">
-        <p14:creationId xmlns="" xmlns:p14="http://schemas.microsoft.com/office/powerpoint/2010/main" val="2312626886"/>
+        <p14:creationId xmlns:p14="http://schemas.microsoft.com/office/powerpoint/2010/main" xmlns="" val="2312626886"/>
       </p:ext>
     </p:extLst>
   </p:cSld>
@@ -2776,7 +2776,7 @@
     </p:spTree>
     <p:extLst>
       <p:ext uri="{BB962C8B-B14F-4D97-AF65-F5344CB8AC3E}">
-        <p14:creationId xmlns="" xmlns:p14="http://schemas.microsoft.com/office/powerpoint/2010/main" val="2712691369"/>
+        <p14:creationId xmlns:p14="http://schemas.microsoft.com/office/powerpoint/2010/main" xmlns="" val="2712691369"/>
       </p:ext>
     </p:extLst>
   </p:cSld>
@@ -3055,7 +3055,7 @@
     </p:spTree>
     <p:extLst>
       <p:ext uri="{BB962C8B-B14F-4D97-AF65-F5344CB8AC3E}">
-        <p14:creationId xmlns="" xmlns:p14="http://schemas.microsoft.com/office/powerpoint/2010/main" val="2126478264"/>
+        <p14:creationId xmlns:p14="http://schemas.microsoft.com/office/powerpoint/2010/main" xmlns="" val="2126478264"/>
       </p:ext>
     </p:extLst>
   </p:cSld>
@@ -3314,7 +3314,7 @@
     </p:spTree>
     <p:extLst>
       <p:ext uri="{BB962C8B-B14F-4D97-AF65-F5344CB8AC3E}">
-        <p14:creationId xmlns="" xmlns:p14="http://schemas.microsoft.com/office/powerpoint/2010/main" val="3108392140"/>
+        <p14:creationId xmlns:p14="http://schemas.microsoft.com/office/powerpoint/2010/main" xmlns="" val="3108392140"/>
       </p:ext>
     </p:extLst>
   </p:cSld>
@@ -3565,7 +3565,7 @@
     </p:spTree>
     <p:extLst>
       <p:ext uri="{BB962C8B-B14F-4D97-AF65-F5344CB8AC3E}">
-        <p14:creationId xmlns="" xmlns:p14="http://schemas.microsoft.com/office/powerpoint/2010/main" val="1245975534"/>
+        <p14:creationId xmlns:p14="http://schemas.microsoft.com/office/powerpoint/2010/main" xmlns="" val="1245975534"/>
       </p:ext>
     </p:extLst>
   </p:cSld>
@@ -3888,7 +3888,7 @@
           <p:cNvPr id="92" name="Rectangle: Rounded Corners 91">
             <a:extLst>
               <a:ext uri="{FF2B5EF4-FFF2-40B4-BE49-F238E27FC236}">
-                <a16:creationId xmlns="" xmlns:a16="http://schemas.microsoft.com/office/drawing/2014/main" id="{5C4C618A-62BA-D756-786C-0DE1931CB718}"/>
+                <a16:creationId xmlns:a16="http://schemas.microsoft.com/office/drawing/2014/main" xmlns="" id="{5C4C618A-62BA-D756-786C-0DE1931CB718}"/>
               </a:ext>
             </a:extLst>
           </p:cNvPr>
@@ -3937,7 +3937,7 @@
           <p:cNvPr id="91" name="Rectangle: Rounded Corners 90">
             <a:extLst>
               <a:ext uri="{FF2B5EF4-FFF2-40B4-BE49-F238E27FC236}">
-                <a16:creationId xmlns="" xmlns:a16="http://schemas.microsoft.com/office/drawing/2014/main" id="{75204B79-717C-8D06-F350-4DE80E0A7422}"/>
+                <a16:creationId xmlns:a16="http://schemas.microsoft.com/office/drawing/2014/main" xmlns="" id="{75204B79-717C-8D06-F350-4DE80E0A7422}"/>
               </a:ext>
             </a:extLst>
           </p:cNvPr>
@@ -3986,7 +3986,7 @@
           <p:cNvPr id="6" name="Table 6">
             <a:extLst>
               <a:ext uri="{FF2B5EF4-FFF2-40B4-BE49-F238E27FC236}">
-                <a16:creationId xmlns="" xmlns:a16="http://schemas.microsoft.com/office/drawing/2014/main" id="{12F22EEE-B21B-A45C-969D-8F87B68693D7}"/>
+                <a16:creationId xmlns:a16="http://schemas.microsoft.com/office/drawing/2014/main" xmlns="" id="{12F22EEE-B21B-A45C-969D-8F87B68693D7}"/>
               </a:ext>
             </a:extLst>
           </p:cNvPr>
@@ -3996,7 +3996,7 @@
           <p:nvPr>
             <p:extLst>
               <p:ext uri="{D42A27DB-BD31-4B8C-83A1-F6EECF244321}">
-                <p14:modId xmlns="" xmlns:p14="http://schemas.microsoft.com/office/powerpoint/2010/main" val="3575952044"/>
+                <p14:modId xmlns:p14="http://schemas.microsoft.com/office/powerpoint/2010/main" xmlns="" val="3575952044"/>
               </p:ext>
             </p:extLst>
           </p:nvPr>
@@ -4015,112 +4015,112 @@
                 <a:gridCol w="146471">
                   <a:extLst>
                     <a:ext uri="{9D8B030D-6E8A-4147-A177-3AD203B41FA5}">
-                      <a16:colId xmlns="" xmlns:a16="http://schemas.microsoft.com/office/drawing/2014/main" val="1596807211"/>
+                      <a16:colId xmlns:a16="http://schemas.microsoft.com/office/drawing/2014/main" xmlns="" val="1596807211"/>
                     </a:ext>
                   </a:extLst>
                 </a:gridCol>
                 <a:gridCol w="146471">
                   <a:extLst>
                     <a:ext uri="{9D8B030D-6E8A-4147-A177-3AD203B41FA5}">
-                      <a16:colId xmlns="" xmlns:a16="http://schemas.microsoft.com/office/drawing/2014/main" val="2333902748"/>
+                      <a16:colId xmlns:a16="http://schemas.microsoft.com/office/drawing/2014/main" xmlns="" val="2333902748"/>
                     </a:ext>
                   </a:extLst>
                 </a:gridCol>
                 <a:gridCol w="146471">
                   <a:extLst>
                     <a:ext uri="{9D8B030D-6E8A-4147-A177-3AD203B41FA5}">
-                      <a16:colId xmlns="" xmlns:a16="http://schemas.microsoft.com/office/drawing/2014/main" val="4158973136"/>
+                      <a16:colId xmlns:a16="http://schemas.microsoft.com/office/drawing/2014/main" xmlns="" val="4158973136"/>
                     </a:ext>
                   </a:extLst>
                 </a:gridCol>
                 <a:gridCol w="146471">
                   <a:extLst>
                     <a:ext uri="{9D8B030D-6E8A-4147-A177-3AD203B41FA5}">
-                      <a16:colId xmlns="" xmlns:a16="http://schemas.microsoft.com/office/drawing/2014/main" val="2956168261"/>
+                      <a16:colId xmlns:a16="http://schemas.microsoft.com/office/drawing/2014/main" xmlns="" val="2956168261"/>
                     </a:ext>
                   </a:extLst>
                 </a:gridCol>
                 <a:gridCol w="146471">
                   <a:extLst>
                     <a:ext uri="{9D8B030D-6E8A-4147-A177-3AD203B41FA5}">
-                      <a16:colId xmlns="" xmlns:a16="http://schemas.microsoft.com/office/drawing/2014/main" val="3020465944"/>
+                      <a16:colId xmlns:a16="http://schemas.microsoft.com/office/drawing/2014/main" xmlns="" val="3020465944"/>
                     </a:ext>
                   </a:extLst>
                 </a:gridCol>
                 <a:gridCol w="146471">
                   <a:extLst>
                     <a:ext uri="{9D8B030D-6E8A-4147-A177-3AD203B41FA5}">
-                      <a16:colId xmlns="" xmlns:a16="http://schemas.microsoft.com/office/drawing/2014/main" val="2708855996"/>
+                      <a16:colId xmlns:a16="http://schemas.microsoft.com/office/drawing/2014/main" xmlns="" val="2708855996"/>
                     </a:ext>
                   </a:extLst>
                 </a:gridCol>
                 <a:gridCol w="146471">
                   <a:extLst>
                     <a:ext uri="{9D8B030D-6E8A-4147-A177-3AD203B41FA5}">
-                      <a16:colId xmlns="" xmlns:a16="http://schemas.microsoft.com/office/drawing/2014/main" val="414118707"/>
+                      <a16:colId xmlns:a16="http://schemas.microsoft.com/office/drawing/2014/main" xmlns="" val="414118707"/>
                     </a:ext>
                   </a:extLst>
                 </a:gridCol>
                 <a:gridCol w="146471">
                   <a:extLst>
                     <a:ext uri="{9D8B030D-6E8A-4147-A177-3AD203B41FA5}">
-                      <a16:colId xmlns="" xmlns:a16="http://schemas.microsoft.com/office/drawing/2014/main" val="698481345"/>
+                      <a16:colId xmlns:a16="http://schemas.microsoft.com/office/drawing/2014/main" xmlns="" val="698481345"/>
                     </a:ext>
                   </a:extLst>
                 </a:gridCol>
                 <a:gridCol w="146471">
                   <a:extLst>
                     <a:ext uri="{9D8B030D-6E8A-4147-A177-3AD203B41FA5}">
-                      <a16:colId xmlns="" xmlns:a16="http://schemas.microsoft.com/office/drawing/2014/main" val="234257500"/>
+                      <a16:colId xmlns:a16="http://schemas.microsoft.com/office/drawing/2014/main" xmlns="" val="234257500"/>
                     </a:ext>
                   </a:extLst>
                 </a:gridCol>
                 <a:gridCol w="146471">
                   <a:extLst>
                     <a:ext uri="{9D8B030D-6E8A-4147-A177-3AD203B41FA5}">
-                      <a16:colId xmlns="" xmlns:a16="http://schemas.microsoft.com/office/drawing/2014/main" val="3467964161"/>
+                      <a16:colId xmlns:a16="http://schemas.microsoft.com/office/drawing/2014/main" xmlns="" val="3467964161"/>
                     </a:ext>
                   </a:extLst>
                 </a:gridCol>
                 <a:gridCol w="146471">
                   <a:extLst>
                     <a:ext uri="{9D8B030D-6E8A-4147-A177-3AD203B41FA5}">
-                      <a16:colId xmlns="" xmlns:a16="http://schemas.microsoft.com/office/drawing/2014/main" val="448163374"/>
+                      <a16:colId xmlns:a16="http://schemas.microsoft.com/office/drawing/2014/main" xmlns="" val="448163374"/>
                     </a:ext>
                   </a:extLst>
                 </a:gridCol>
                 <a:gridCol w="146471">
                   <a:extLst>
                     <a:ext uri="{9D8B030D-6E8A-4147-A177-3AD203B41FA5}">
-                      <a16:colId xmlns="" xmlns:a16="http://schemas.microsoft.com/office/drawing/2014/main" val="680087072"/>
+                      <a16:colId xmlns:a16="http://schemas.microsoft.com/office/drawing/2014/main" xmlns="" val="680087072"/>
                     </a:ext>
                   </a:extLst>
                 </a:gridCol>
                 <a:gridCol w="146471">
                   <a:extLst>
                     <a:ext uri="{9D8B030D-6E8A-4147-A177-3AD203B41FA5}">
-                      <a16:colId xmlns="" xmlns:a16="http://schemas.microsoft.com/office/drawing/2014/main" val="3331563236"/>
+                      <a16:colId xmlns:a16="http://schemas.microsoft.com/office/drawing/2014/main" xmlns="" val="3331563236"/>
                     </a:ext>
                   </a:extLst>
                 </a:gridCol>
                 <a:gridCol w="146471">
                   <a:extLst>
                     <a:ext uri="{9D8B030D-6E8A-4147-A177-3AD203B41FA5}">
-                      <a16:colId xmlns="" xmlns:a16="http://schemas.microsoft.com/office/drawing/2014/main" val="1862912922"/>
+                      <a16:colId xmlns:a16="http://schemas.microsoft.com/office/drawing/2014/main" xmlns="" val="1862912922"/>
                     </a:ext>
                   </a:extLst>
                 </a:gridCol>
                 <a:gridCol w="146471">
                   <a:extLst>
                     <a:ext uri="{9D8B030D-6E8A-4147-A177-3AD203B41FA5}">
-                      <a16:colId xmlns="" xmlns:a16="http://schemas.microsoft.com/office/drawing/2014/main" val="1803571372"/>
+                      <a16:colId xmlns:a16="http://schemas.microsoft.com/office/drawing/2014/main" xmlns="" val="1803571372"/>
                     </a:ext>
                   </a:extLst>
                 </a:gridCol>
                 <a:gridCol w="146471">
                   <a:extLst>
                     <a:ext uri="{9D8B030D-6E8A-4147-A177-3AD203B41FA5}">
-                      <a16:colId xmlns="" xmlns:a16="http://schemas.microsoft.com/office/drawing/2014/main" val="134947292"/>
+                      <a16:colId xmlns:a16="http://schemas.microsoft.com/office/drawing/2014/main" xmlns="" val="134947292"/>
                     </a:ext>
                   </a:extLst>
                 </a:gridCol>
@@ -5286,7 +5286,7 @@
                 </a:tc>
                 <a:extLst>
                   <a:ext uri="{0D108BD9-81ED-4DB2-BD59-A6C34878D82A}">
-                    <a16:rowId xmlns="" xmlns:a16="http://schemas.microsoft.com/office/drawing/2014/main" val="815588539"/>
+                    <a16:rowId xmlns:a16="http://schemas.microsoft.com/office/drawing/2014/main" xmlns="" val="815588539"/>
                   </a:ext>
                 </a:extLst>
               </a:tr>
@@ -6379,7 +6379,7 @@
                 </a:tc>
                 <a:extLst>
                   <a:ext uri="{0D108BD9-81ED-4DB2-BD59-A6C34878D82A}">
-                    <a16:rowId xmlns="" xmlns:a16="http://schemas.microsoft.com/office/drawing/2014/main" val="2900542627"/>
+                    <a16:rowId xmlns:a16="http://schemas.microsoft.com/office/drawing/2014/main" xmlns="" val="2900542627"/>
                   </a:ext>
                 </a:extLst>
               </a:tr>
@@ -6392,7 +6392,7 @@
           <p:cNvPr id="7" name="Table 7">
             <a:extLst>
               <a:ext uri="{FF2B5EF4-FFF2-40B4-BE49-F238E27FC236}">
-                <a16:creationId xmlns="" xmlns:a16="http://schemas.microsoft.com/office/drawing/2014/main" id="{F61BF20E-2A14-27E4-C0C0-2E985E1D12D4}"/>
+                <a16:creationId xmlns:a16="http://schemas.microsoft.com/office/drawing/2014/main" xmlns="" id="{F61BF20E-2A14-27E4-C0C0-2E985E1D12D4}"/>
               </a:ext>
             </a:extLst>
           </p:cNvPr>
@@ -6402,7 +6402,7 @@
           <p:nvPr>
             <p:extLst>
               <p:ext uri="{D42A27DB-BD31-4B8C-83A1-F6EECF244321}">
-                <p14:modId xmlns="" xmlns:p14="http://schemas.microsoft.com/office/powerpoint/2010/main" val="1619875562"/>
+                <p14:modId xmlns:p14="http://schemas.microsoft.com/office/powerpoint/2010/main" xmlns="" val="1619875562"/>
               </p:ext>
             </p:extLst>
           </p:nvPr>
@@ -6421,7 +6421,7 @@
                 <a:gridCol w="144000">
                   <a:extLst>
                     <a:ext uri="{9D8B030D-6E8A-4147-A177-3AD203B41FA5}">
-                      <a16:colId xmlns="" xmlns:a16="http://schemas.microsoft.com/office/drawing/2014/main" val="3021301464"/>
+                      <a16:colId xmlns:a16="http://schemas.microsoft.com/office/drawing/2014/main" xmlns="" val="3021301464"/>
                     </a:ext>
                   </a:extLst>
                 </a:gridCol>
@@ -6447,7 +6447,7 @@
                 </a:tc>
                 <a:extLst>
                   <a:ext uri="{0D108BD9-81ED-4DB2-BD59-A6C34878D82A}">
-                    <a16:rowId xmlns="" xmlns:a16="http://schemas.microsoft.com/office/drawing/2014/main" val="3351181703"/>
+                    <a16:rowId xmlns:a16="http://schemas.microsoft.com/office/drawing/2014/main" xmlns="" val="3351181703"/>
                   </a:ext>
                 </a:extLst>
               </a:tr>
@@ -6460,7 +6460,7 @@
           <p:cNvPr id="8" name="Table 7">
             <a:extLst>
               <a:ext uri="{FF2B5EF4-FFF2-40B4-BE49-F238E27FC236}">
-                <a16:creationId xmlns="" xmlns:a16="http://schemas.microsoft.com/office/drawing/2014/main" id="{EE46EAB7-A643-CFD1-31E7-3D6A7AB9E130}"/>
+                <a16:creationId xmlns:a16="http://schemas.microsoft.com/office/drawing/2014/main" xmlns="" id="{EE46EAB7-A643-CFD1-31E7-3D6A7AB9E130}"/>
               </a:ext>
             </a:extLst>
           </p:cNvPr>
@@ -6470,7 +6470,7 @@
           <p:nvPr>
             <p:extLst>
               <p:ext uri="{D42A27DB-BD31-4B8C-83A1-F6EECF244321}">
-                <p14:modId xmlns="" xmlns:p14="http://schemas.microsoft.com/office/powerpoint/2010/main" val="3264839579"/>
+                <p14:modId xmlns:p14="http://schemas.microsoft.com/office/powerpoint/2010/main" xmlns="" val="3264839579"/>
               </p:ext>
             </p:extLst>
           </p:nvPr>
@@ -6489,7 +6489,7 @@
                 <a:gridCol w="144000">
                   <a:extLst>
                     <a:ext uri="{9D8B030D-6E8A-4147-A177-3AD203B41FA5}">
-                      <a16:colId xmlns="" xmlns:a16="http://schemas.microsoft.com/office/drawing/2014/main" val="3021301464"/>
+                      <a16:colId xmlns:a16="http://schemas.microsoft.com/office/drawing/2014/main" xmlns="" val="3021301464"/>
                     </a:ext>
                   </a:extLst>
                 </a:gridCol>
@@ -6515,7 +6515,7 @@
                 </a:tc>
                 <a:extLst>
                   <a:ext uri="{0D108BD9-81ED-4DB2-BD59-A6C34878D82A}">
-                    <a16:rowId xmlns="" xmlns:a16="http://schemas.microsoft.com/office/drawing/2014/main" val="3351181703"/>
+                    <a16:rowId xmlns:a16="http://schemas.microsoft.com/office/drawing/2014/main" xmlns="" val="3351181703"/>
                   </a:ext>
                 </a:extLst>
               </a:tr>
@@ -6528,7 +6528,7 @@
           <p:cNvPr id="11" name="TextBox 10">
             <a:extLst>
               <a:ext uri="{FF2B5EF4-FFF2-40B4-BE49-F238E27FC236}">
-                <a16:creationId xmlns="" xmlns:a16="http://schemas.microsoft.com/office/drawing/2014/main" id="{915E92AD-1518-A70C-C60B-ED9B54802C0C}"/>
+                <a16:creationId xmlns:a16="http://schemas.microsoft.com/office/drawing/2014/main" xmlns="" id="{915E92AD-1518-A70C-C60B-ED9B54802C0C}"/>
               </a:ext>
             </a:extLst>
           </p:cNvPr>
@@ -6601,7 +6601,7 @@
           <p:cNvPr id="13" name="Table 7">
             <a:extLst>
               <a:ext uri="{FF2B5EF4-FFF2-40B4-BE49-F238E27FC236}">
-                <a16:creationId xmlns="" xmlns:a16="http://schemas.microsoft.com/office/drawing/2014/main" id="{8EA8433C-AD5D-41A6-F7F1-AE4CE42E09CE}"/>
+                <a16:creationId xmlns:a16="http://schemas.microsoft.com/office/drawing/2014/main" xmlns="" id="{8EA8433C-AD5D-41A6-F7F1-AE4CE42E09CE}"/>
               </a:ext>
             </a:extLst>
           </p:cNvPr>
@@ -6611,7 +6611,7 @@
           <p:nvPr>
             <p:extLst>
               <p:ext uri="{D42A27DB-BD31-4B8C-83A1-F6EECF244321}">
-                <p14:modId xmlns="" xmlns:p14="http://schemas.microsoft.com/office/powerpoint/2010/main" val="2470883384"/>
+                <p14:modId xmlns:p14="http://schemas.microsoft.com/office/powerpoint/2010/main" xmlns="" val="2470883384"/>
               </p:ext>
             </p:extLst>
           </p:nvPr>
@@ -6630,7 +6630,7 @@
                 <a:gridCol w="144000">
                   <a:extLst>
                     <a:ext uri="{9D8B030D-6E8A-4147-A177-3AD203B41FA5}">
-                      <a16:colId xmlns="" xmlns:a16="http://schemas.microsoft.com/office/drawing/2014/main" val="3021301464"/>
+                      <a16:colId xmlns:a16="http://schemas.microsoft.com/office/drawing/2014/main" xmlns="" val="3021301464"/>
                     </a:ext>
                   </a:extLst>
                 </a:gridCol>
@@ -6656,7 +6656,7 @@
                 </a:tc>
                 <a:extLst>
                   <a:ext uri="{0D108BD9-81ED-4DB2-BD59-A6C34878D82A}">
-                    <a16:rowId xmlns="" xmlns:a16="http://schemas.microsoft.com/office/drawing/2014/main" val="3351181703"/>
+                    <a16:rowId xmlns:a16="http://schemas.microsoft.com/office/drawing/2014/main" xmlns="" val="3351181703"/>
                   </a:ext>
                 </a:extLst>
               </a:tr>
@@ -6669,7 +6669,7 @@
           <p:cNvPr id="14" name="TextBox 13">
             <a:extLst>
               <a:ext uri="{FF2B5EF4-FFF2-40B4-BE49-F238E27FC236}">
-                <a16:creationId xmlns="" xmlns:a16="http://schemas.microsoft.com/office/drawing/2014/main" id="{9A8CA186-5181-2362-9D2F-2DD2A6EEB135}"/>
+                <a16:creationId xmlns:a16="http://schemas.microsoft.com/office/drawing/2014/main" xmlns="" id="{9A8CA186-5181-2362-9D2F-2DD2A6EEB135}"/>
               </a:ext>
             </a:extLst>
           </p:cNvPr>
@@ -6713,7 +6713,7 @@
           <p:cNvPr id="15" name="Table 6">
             <a:extLst>
               <a:ext uri="{FF2B5EF4-FFF2-40B4-BE49-F238E27FC236}">
-                <a16:creationId xmlns="" xmlns:a16="http://schemas.microsoft.com/office/drawing/2014/main" id="{E3C18810-956F-2EB5-ECCC-8ACEA0EDA5D7}"/>
+                <a16:creationId xmlns:a16="http://schemas.microsoft.com/office/drawing/2014/main" xmlns="" id="{E3C18810-956F-2EB5-ECCC-8ACEA0EDA5D7}"/>
               </a:ext>
             </a:extLst>
           </p:cNvPr>
@@ -6723,7 +6723,7 @@
           <p:nvPr>
             <p:extLst>
               <p:ext uri="{D42A27DB-BD31-4B8C-83A1-F6EECF244321}">
-                <p14:modId xmlns="" xmlns:p14="http://schemas.microsoft.com/office/powerpoint/2010/main" val="3065249672"/>
+                <p14:modId xmlns:p14="http://schemas.microsoft.com/office/powerpoint/2010/main" xmlns="" val="3065249672"/>
               </p:ext>
             </p:extLst>
           </p:nvPr>
@@ -6742,112 +6742,112 @@
                 <a:gridCol w="146471">
                   <a:extLst>
                     <a:ext uri="{9D8B030D-6E8A-4147-A177-3AD203B41FA5}">
-                      <a16:colId xmlns="" xmlns:a16="http://schemas.microsoft.com/office/drawing/2014/main" val="1596807211"/>
+                      <a16:colId xmlns:a16="http://schemas.microsoft.com/office/drawing/2014/main" xmlns="" val="1596807211"/>
                     </a:ext>
                   </a:extLst>
                 </a:gridCol>
                 <a:gridCol w="146471">
                   <a:extLst>
                     <a:ext uri="{9D8B030D-6E8A-4147-A177-3AD203B41FA5}">
-                      <a16:colId xmlns="" xmlns:a16="http://schemas.microsoft.com/office/drawing/2014/main" val="2333902748"/>
+                      <a16:colId xmlns:a16="http://schemas.microsoft.com/office/drawing/2014/main" xmlns="" val="2333902748"/>
                     </a:ext>
                   </a:extLst>
                 </a:gridCol>
                 <a:gridCol w="146471">
                   <a:extLst>
                     <a:ext uri="{9D8B030D-6E8A-4147-A177-3AD203B41FA5}">
-                      <a16:colId xmlns="" xmlns:a16="http://schemas.microsoft.com/office/drawing/2014/main" val="4158973136"/>
+                      <a16:colId xmlns:a16="http://schemas.microsoft.com/office/drawing/2014/main" xmlns="" val="4158973136"/>
                     </a:ext>
                   </a:extLst>
                 </a:gridCol>
                 <a:gridCol w="146471">
                   <a:extLst>
                     <a:ext uri="{9D8B030D-6E8A-4147-A177-3AD203B41FA5}">
-                      <a16:colId xmlns="" xmlns:a16="http://schemas.microsoft.com/office/drawing/2014/main" val="2956168261"/>
+                      <a16:colId xmlns:a16="http://schemas.microsoft.com/office/drawing/2014/main" xmlns="" val="2956168261"/>
                     </a:ext>
                   </a:extLst>
                 </a:gridCol>
                 <a:gridCol w="146471">
                   <a:extLst>
                     <a:ext uri="{9D8B030D-6E8A-4147-A177-3AD203B41FA5}">
-                      <a16:colId xmlns="" xmlns:a16="http://schemas.microsoft.com/office/drawing/2014/main" val="3020465944"/>
+                      <a16:colId xmlns:a16="http://schemas.microsoft.com/office/drawing/2014/main" xmlns="" val="3020465944"/>
                     </a:ext>
                   </a:extLst>
                 </a:gridCol>
                 <a:gridCol w="146471">
                   <a:extLst>
                     <a:ext uri="{9D8B030D-6E8A-4147-A177-3AD203B41FA5}">
-                      <a16:colId xmlns="" xmlns:a16="http://schemas.microsoft.com/office/drawing/2014/main" val="2708855996"/>
+                      <a16:colId xmlns:a16="http://schemas.microsoft.com/office/drawing/2014/main" xmlns="" val="2708855996"/>
                     </a:ext>
                   </a:extLst>
                 </a:gridCol>
                 <a:gridCol w="146471">
                   <a:extLst>
                     <a:ext uri="{9D8B030D-6E8A-4147-A177-3AD203B41FA5}">
-                      <a16:colId xmlns="" xmlns:a16="http://schemas.microsoft.com/office/drawing/2014/main" val="414118707"/>
+                      <a16:colId xmlns:a16="http://schemas.microsoft.com/office/drawing/2014/main" xmlns="" val="414118707"/>
                     </a:ext>
                   </a:extLst>
                 </a:gridCol>
                 <a:gridCol w="146471">
                   <a:extLst>
                     <a:ext uri="{9D8B030D-6E8A-4147-A177-3AD203B41FA5}">
-                      <a16:colId xmlns="" xmlns:a16="http://schemas.microsoft.com/office/drawing/2014/main" val="698481345"/>
+                      <a16:colId xmlns:a16="http://schemas.microsoft.com/office/drawing/2014/main" xmlns="" val="698481345"/>
                     </a:ext>
                   </a:extLst>
                 </a:gridCol>
                 <a:gridCol w="146471">
                   <a:extLst>
                     <a:ext uri="{9D8B030D-6E8A-4147-A177-3AD203B41FA5}">
-                      <a16:colId xmlns="" xmlns:a16="http://schemas.microsoft.com/office/drawing/2014/main" val="234257500"/>
+                      <a16:colId xmlns:a16="http://schemas.microsoft.com/office/drawing/2014/main" xmlns="" val="234257500"/>
                     </a:ext>
                   </a:extLst>
                 </a:gridCol>
                 <a:gridCol w="146471">
                   <a:extLst>
                     <a:ext uri="{9D8B030D-6E8A-4147-A177-3AD203B41FA5}">
-                      <a16:colId xmlns="" xmlns:a16="http://schemas.microsoft.com/office/drawing/2014/main" val="3467964161"/>
+                      <a16:colId xmlns:a16="http://schemas.microsoft.com/office/drawing/2014/main" xmlns="" val="3467964161"/>
                     </a:ext>
                   </a:extLst>
                 </a:gridCol>
                 <a:gridCol w="146471">
                   <a:extLst>
                     <a:ext uri="{9D8B030D-6E8A-4147-A177-3AD203B41FA5}">
-                      <a16:colId xmlns="" xmlns:a16="http://schemas.microsoft.com/office/drawing/2014/main" val="448163374"/>
+                      <a16:colId xmlns:a16="http://schemas.microsoft.com/office/drawing/2014/main" xmlns="" val="448163374"/>
                     </a:ext>
                   </a:extLst>
                 </a:gridCol>
                 <a:gridCol w="146471">
                   <a:extLst>
                     <a:ext uri="{9D8B030D-6E8A-4147-A177-3AD203B41FA5}">
-                      <a16:colId xmlns="" xmlns:a16="http://schemas.microsoft.com/office/drawing/2014/main" val="680087072"/>
+                      <a16:colId xmlns:a16="http://schemas.microsoft.com/office/drawing/2014/main" xmlns="" val="680087072"/>
                     </a:ext>
                   </a:extLst>
                 </a:gridCol>
                 <a:gridCol w="146471">
                   <a:extLst>
                     <a:ext uri="{9D8B030D-6E8A-4147-A177-3AD203B41FA5}">
-                      <a16:colId xmlns="" xmlns:a16="http://schemas.microsoft.com/office/drawing/2014/main" val="3331563236"/>
+                      <a16:colId xmlns:a16="http://schemas.microsoft.com/office/drawing/2014/main" xmlns="" val="3331563236"/>
                     </a:ext>
                   </a:extLst>
                 </a:gridCol>
                 <a:gridCol w="146471">
                   <a:extLst>
                     <a:ext uri="{9D8B030D-6E8A-4147-A177-3AD203B41FA5}">
-                      <a16:colId xmlns="" xmlns:a16="http://schemas.microsoft.com/office/drawing/2014/main" val="1862912922"/>
+                      <a16:colId xmlns:a16="http://schemas.microsoft.com/office/drawing/2014/main" xmlns="" val="1862912922"/>
                     </a:ext>
                   </a:extLst>
                 </a:gridCol>
                 <a:gridCol w="146471">
                   <a:extLst>
                     <a:ext uri="{9D8B030D-6E8A-4147-A177-3AD203B41FA5}">
-                      <a16:colId xmlns="" xmlns:a16="http://schemas.microsoft.com/office/drawing/2014/main" val="1803571372"/>
+                      <a16:colId xmlns:a16="http://schemas.microsoft.com/office/drawing/2014/main" xmlns="" val="1803571372"/>
                     </a:ext>
                   </a:extLst>
                 </a:gridCol>
                 <a:gridCol w="146471">
                   <a:extLst>
                     <a:ext uri="{9D8B030D-6E8A-4147-A177-3AD203B41FA5}">
-                      <a16:colId xmlns="" xmlns:a16="http://schemas.microsoft.com/office/drawing/2014/main" val="134947292"/>
+                      <a16:colId xmlns:a16="http://schemas.microsoft.com/office/drawing/2014/main" xmlns="" val="134947292"/>
                     </a:ext>
                   </a:extLst>
                 </a:gridCol>
@@ -7989,7 +7989,7 @@
                 </a:tc>
                 <a:extLst>
                   <a:ext uri="{0D108BD9-81ED-4DB2-BD59-A6C34878D82A}">
-                    <a16:rowId xmlns="" xmlns:a16="http://schemas.microsoft.com/office/drawing/2014/main" val="815588539"/>
+                    <a16:rowId xmlns:a16="http://schemas.microsoft.com/office/drawing/2014/main" xmlns="" val="815588539"/>
                   </a:ext>
                 </a:extLst>
               </a:tr>
@@ -9090,7 +9090,7 @@
                 </a:tc>
                 <a:extLst>
                   <a:ext uri="{0D108BD9-81ED-4DB2-BD59-A6C34878D82A}">
-                    <a16:rowId xmlns="" xmlns:a16="http://schemas.microsoft.com/office/drawing/2014/main" val="2900542627"/>
+                    <a16:rowId xmlns:a16="http://schemas.microsoft.com/office/drawing/2014/main" xmlns="" val="2900542627"/>
                   </a:ext>
                 </a:extLst>
               </a:tr>
@@ -9103,7 +9103,7 @@
           <p:cNvPr id="16" name="Table 7">
             <a:extLst>
               <a:ext uri="{FF2B5EF4-FFF2-40B4-BE49-F238E27FC236}">
-                <a16:creationId xmlns="" xmlns:a16="http://schemas.microsoft.com/office/drawing/2014/main" id="{2A34E1DE-ABFA-474E-0339-7744AE00B8BC}"/>
+                <a16:creationId xmlns:a16="http://schemas.microsoft.com/office/drawing/2014/main" xmlns="" id="{2A34E1DE-ABFA-474E-0339-7744AE00B8BC}"/>
               </a:ext>
             </a:extLst>
           </p:cNvPr>
@@ -9113,7 +9113,7 @@
           <p:nvPr>
             <p:extLst>
               <p:ext uri="{D42A27DB-BD31-4B8C-83A1-F6EECF244321}">
-                <p14:modId xmlns="" xmlns:p14="http://schemas.microsoft.com/office/powerpoint/2010/main" val="1634306388"/>
+                <p14:modId xmlns:p14="http://schemas.microsoft.com/office/powerpoint/2010/main" xmlns="" val="1634306388"/>
               </p:ext>
             </p:extLst>
           </p:nvPr>
@@ -9132,7 +9132,7 @@
                 <a:gridCol w="144000">
                   <a:extLst>
                     <a:ext uri="{9D8B030D-6E8A-4147-A177-3AD203B41FA5}">
-                      <a16:colId xmlns="" xmlns:a16="http://schemas.microsoft.com/office/drawing/2014/main" val="3021301464"/>
+                      <a16:colId xmlns:a16="http://schemas.microsoft.com/office/drawing/2014/main" xmlns="" val="3021301464"/>
                     </a:ext>
                   </a:extLst>
                 </a:gridCol>
@@ -9158,7 +9158,7 @@
                 </a:tc>
                 <a:extLst>
                   <a:ext uri="{0D108BD9-81ED-4DB2-BD59-A6C34878D82A}">
-                    <a16:rowId xmlns="" xmlns:a16="http://schemas.microsoft.com/office/drawing/2014/main" val="3351181703"/>
+                    <a16:rowId xmlns:a16="http://schemas.microsoft.com/office/drawing/2014/main" xmlns="" val="3351181703"/>
                   </a:ext>
                 </a:extLst>
               </a:tr>
@@ -9171,7 +9171,7 @@
           <p:cNvPr id="17" name="Table 16">
             <a:extLst>
               <a:ext uri="{FF2B5EF4-FFF2-40B4-BE49-F238E27FC236}">
-                <a16:creationId xmlns="" xmlns:a16="http://schemas.microsoft.com/office/drawing/2014/main" id="{61B31B77-F12E-A7A2-1CA4-196A1A5A5739}"/>
+                <a16:creationId xmlns:a16="http://schemas.microsoft.com/office/drawing/2014/main" xmlns="" id="{61B31B77-F12E-A7A2-1CA4-196A1A5A5739}"/>
               </a:ext>
             </a:extLst>
           </p:cNvPr>
@@ -9181,7 +9181,7 @@
           <p:nvPr>
             <p:extLst>
               <p:ext uri="{D42A27DB-BD31-4B8C-83A1-F6EECF244321}">
-                <p14:modId xmlns="" xmlns:p14="http://schemas.microsoft.com/office/powerpoint/2010/main" val="3878228341"/>
+                <p14:modId xmlns:p14="http://schemas.microsoft.com/office/powerpoint/2010/main" xmlns="" val="3878228341"/>
               </p:ext>
             </p:extLst>
           </p:nvPr>
@@ -9200,7 +9200,7 @@
                 <a:gridCol w="144000">
                   <a:extLst>
                     <a:ext uri="{9D8B030D-6E8A-4147-A177-3AD203B41FA5}">
-                      <a16:colId xmlns="" xmlns:a16="http://schemas.microsoft.com/office/drawing/2014/main" val="3021301464"/>
+                      <a16:colId xmlns:a16="http://schemas.microsoft.com/office/drawing/2014/main" xmlns="" val="3021301464"/>
                     </a:ext>
                   </a:extLst>
                 </a:gridCol>
@@ -9226,7 +9226,7 @@
                 </a:tc>
                 <a:extLst>
                   <a:ext uri="{0D108BD9-81ED-4DB2-BD59-A6C34878D82A}">
-                    <a16:rowId xmlns="" xmlns:a16="http://schemas.microsoft.com/office/drawing/2014/main" val="3351181703"/>
+                    <a16:rowId xmlns:a16="http://schemas.microsoft.com/office/drawing/2014/main" xmlns="" val="3351181703"/>
                   </a:ext>
                 </a:extLst>
               </a:tr>
@@ -9239,7 +9239,7 @@
           <p:cNvPr id="18" name="Table 7">
             <a:extLst>
               <a:ext uri="{FF2B5EF4-FFF2-40B4-BE49-F238E27FC236}">
-                <a16:creationId xmlns="" xmlns:a16="http://schemas.microsoft.com/office/drawing/2014/main" id="{9D998E74-E974-FBF7-5256-5EF9618C50CD}"/>
+                <a16:creationId xmlns:a16="http://schemas.microsoft.com/office/drawing/2014/main" xmlns="" id="{9D998E74-E974-FBF7-5256-5EF9618C50CD}"/>
               </a:ext>
             </a:extLst>
           </p:cNvPr>
@@ -9249,7 +9249,7 @@
           <p:nvPr>
             <p:extLst>
               <p:ext uri="{D42A27DB-BD31-4B8C-83A1-F6EECF244321}">
-                <p14:modId xmlns="" xmlns:p14="http://schemas.microsoft.com/office/powerpoint/2010/main" val="2488846669"/>
+                <p14:modId xmlns:p14="http://schemas.microsoft.com/office/powerpoint/2010/main" xmlns="" val="2488846669"/>
               </p:ext>
             </p:extLst>
           </p:nvPr>
@@ -9268,7 +9268,7 @@
                 <a:gridCol w="144000">
                   <a:extLst>
                     <a:ext uri="{9D8B030D-6E8A-4147-A177-3AD203B41FA5}">
-                      <a16:colId xmlns="" xmlns:a16="http://schemas.microsoft.com/office/drawing/2014/main" val="3021301464"/>
+                      <a16:colId xmlns:a16="http://schemas.microsoft.com/office/drawing/2014/main" xmlns="" val="3021301464"/>
                     </a:ext>
                   </a:extLst>
                 </a:gridCol>
@@ -9294,7 +9294,7 @@
                 </a:tc>
                 <a:extLst>
                   <a:ext uri="{0D108BD9-81ED-4DB2-BD59-A6C34878D82A}">
-                    <a16:rowId xmlns="" xmlns:a16="http://schemas.microsoft.com/office/drawing/2014/main" val="3351181703"/>
+                    <a16:rowId xmlns:a16="http://schemas.microsoft.com/office/drawing/2014/main" xmlns="" val="3351181703"/>
                   </a:ext>
                 </a:extLst>
               </a:tr>
@@ -9307,7 +9307,7 @@
           <p:cNvPr id="19" name="TextBox 18">
             <a:extLst>
               <a:ext uri="{FF2B5EF4-FFF2-40B4-BE49-F238E27FC236}">
-                <a16:creationId xmlns="" xmlns:a16="http://schemas.microsoft.com/office/drawing/2014/main" id="{14012A8F-1F8C-5E53-25E2-B0239FFF20BA}"/>
+                <a16:creationId xmlns:a16="http://schemas.microsoft.com/office/drawing/2014/main" xmlns="" id="{14012A8F-1F8C-5E53-25E2-B0239FFF20BA}"/>
               </a:ext>
             </a:extLst>
           </p:cNvPr>
@@ -9395,7 +9395,7 @@
           <p:cNvPr id="22" name="TextBox 21">
             <a:extLst>
               <a:ext uri="{FF2B5EF4-FFF2-40B4-BE49-F238E27FC236}">
-                <a16:creationId xmlns="" xmlns:a16="http://schemas.microsoft.com/office/drawing/2014/main" id="{5274C05D-49BB-B80A-7A6B-25B6FA83CC71}"/>
+                <a16:creationId xmlns:a16="http://schemas.microsoft.com/office/drawing/2014/main" xmlns="" id="{5274C05D-49BB-B80A-7A6B-25B6FA83CC71}"/>
               </a:ext>
             </a:extLst>
           </p:cNvPr>
@@ -9439,7 +9439,7 @@
           <p:cNvPr id="23" name="Table 22">
             <a:extLst>
               <a:ext uri="{FF2B5EF4-FFF2-40B4-BE49-F238E27FC236}">
-                <a16:creationId xmlns="" xmlns:a16="http://schemas.microsoft.com/office/drawing/2014/main" id="{8C6BFC66-F943-343B-2368-87D6F90C5574}"/>
+                <a16:creationId xmlns:a16="http://schemas.microsoft.com/office/drawing/2014/main" xmlns="" id="{8C6BFC66-F943-343B-2368-87D6F90C5574}"/>
               </a:ext>
             </a:extLst>
           </p:cNvPr>
@@ -9449,7 +9449,7 @@
           <p:nvPr>
             <p:extLst>
               <p:ext uri="{D42A27DB-BD31-4B8C-83A1-F6EECF244321}">
-                <p14:modId xmlns="" xmlns:p14="http://schemas.microsoft.com/office/powerpoint/2010/main" val="1002848759"/>
+                <p14:modId xmlns:p14="http://schemas.microsoft.com/office/powerpoint/2010/main" xmlns="" val="1002848759"/>
               </p:ext>
             </p:extLst>
           </p:nvPr>
@@ -9468,7 +9468,7 @@
                 <a:gridCol w="144000">
                   <a:extLst>
                     <a:ext uri="{9D8B030D-6E8A-4147-A177-3AD203B41FA5}">
-                      <a16:colId xmlns="" xmlns:a16="http://schemas.microsoft.com/office/drawing/2014/main" val="3021301464"/>
+                      <a16:colId xmlns:a16="http://schemas.microsoft.com/office/drawing/2014/main" xmlns="" val="3021301464"/>
                     </a:ext>
                   </a:extLst>
                 </a:gridCol>
@@ -9494,7 +9494,7 @@
                 </a:tc>
                 <a:extLst>
                   <a:ext uri="{0D108BD9-81ED-4DB2-BD59-A6C34878D82A}">
-                    <a16:rowId xmlns="" xmlns:a16="http://schemas.microsoft.com/office/drawing/2014/main" val="3351181703"/>
+                    <a16:rowId xmlns:a16="http://schemas.microsoft.com/office/drawing/2014/main" xmlns="" val="3351181703"/>
                   </a:ext>
                 </a:extLst>
               </a:tr>
@@ -9507,7 +9507,7 @@
           <p:cNvPr id="24" name="Table 23">
             <a:extLst>
               <a:ext uri="{FF2B5EF4-FFF2-40B4-BE49-F238E27FC236}">
-                <a16:creationId xmlns="" xmlns:a16="http://schemas.microsoft.com/office/drawing/2014/main" id="{1A0949C3-46AA-4C06-D779-9BDD960CF16C}"/>
+                <a16:creationId xmlns:a16="http://schemas.microsoft.com/office/drawing/2014/main" xmlns="" id="{1A0949C3-46AA-4C06-D779-9BDD960CF16C}"/>
               </a:ext>
             </a:extLst>
           </p:cNvPr>
@@ -9517,7 +9517,7 @@
           <p:nvPr>
             <p:extLst>
               <p:ext uri="{D42A27DB-BD31-4B8C-83A1-F6EECF244321}">
-                <p14:modId xmlns="" xmlns:p14="http://schemas.microsoft.com/office/powerpoint/2010/main" val="3515086574"/>
+                <p14:modId xmlns:p14="http://schemas.microsoft.com/office/powerpoint/2010/main" xmlns="" val="3515086574"/>
               </p:ext>
             </p:extLst>
           </p:nvPr>
@@ -9536,7 +9536,7 @@
                 <a:gridCol w="144000">
                   <a:extLst>
                     <a:ext uri="{9D8B030D-6E8A-4147-A177-3AD203B41FA5}">
-                      <a16:colId xmlns="" xmlns:a16="http://schemas.microsoft.com/office/drawing/2014/main" val="3021301464"/>
+                      <a16:colId xmlns:a16="http://schemas.microsoft.com/office/drawing/2014/main" xmlns="" val="3021301464"/>
                     </a:ext>
                   </a:extLst>
                 </a:gridCol>
@@ -9562,7 +9562,7 @@
                 </a:tc>
                 <a:extLst>
                   <a:ext uri="{0D108BD9-81ED-4DB2-BD59-A6C34878D82A}">
-                    <a16:rowId xmlns="" xmlns:a16="http://schemas.microsoft.com/office/drawing/2014/main" val="3351181703"/>
+                    <a16:rowId xmlns:a16="http://schemas.microsoft.com/office/drawing/2014/main" xmlns="" val="3351181703"/>
                   </a:ext>
                 </a:extLst>
               </a:tr>
@@ -9575,7 +9575,7 @@
           <p:cNvPr id="25" name="Table 24">
             <a:extLst>
               <a:ext uri="{FF2B5EF4-FFF2-40B4-BE49-F238E27FC236}">
-                <a16:creationId xmlns="" xmlns:a16="http://schemas.microsoft.com/office/drawing/2014/main" id="{B47B38F7-A7B1-10F2-2CFF-DA8D4BA87A23}"/>
+                <a16:creationId xmlns:a16="http://schemas.microsoft.com/office/drawing/2014/main" xmlns="" id="{B47B38F7-A7B1-10F2-2CFF-DA8D4BA87A23}"/>
               </a:ext>
             </a:extLst>
           </p:cNvPr>
@@ -9585,7 +9585,7 @@
           <p:nvPr>
             <p:extLst>
               <p:ext uri="{D42A27DB-BD31-4B8C-83A1-F6EECF244321}">
-                <p14:modId xmlns="" xmlns:p14="http://schemas.microsoft.com/office/powerpoint/2010/main" val="655765521"/>
+                <p14:modId xmlns:p14="http://schemas.microsoft.com/office/powerpoint/2010/main" xmlns="" val="655765521"/>
               </p:ext>
             </p:extLst>
           </p:nvPr>
@@ -9604,7 +9604,7 @@
                 <a:gridCol w="144000">
                   <a:extLst>
                     <a:ext uri="{9D8B030D-6E8A-4147-A177-3AD203B41FA5}">
-                      <a16:colId xmlns="" xmlns:a16="http://schemas.microsoft.com/office/drawing/2014/main" val="3021301464"/>
+                      <a16:colId xmlns:a16="http://schemas.microsoft.com/office/drawing/2014/main" xmlns="" val="3021301464"/>
                     </a:ext>
                   </a:extLst>
                 </a:gridCol>
@@ -9630,7 +9630,7 @@
                 </a:tc>
                 <a:extLst>
                   <a:ext uri="{0D108BD9-81ED-4DB2-BD59-A6C34878D82A}">
-                    <a16:rowId xmlns="" xmlns:a16="http://schemas.microsoft.com/office/drawing/2014/main" val="3351181703"/>
+                    <a16:rowId xmlns:a16="http://schemas.microsoft.com/office/drawing/2014/main" xmlns="" val="3351181703"/>
                   </a:ext>
                 </a:extLst>
               </a:tr>
@@ -9643,7 +9643,7 @@
           <p:cNvPr id="26" name="Table 25">
             <a:extLst>
               <a:ext uri="{FF2B5EF4-FFF2-40B4-BE49-F238E27FC236}">
-                <a16:creationId xmlns="" xmlns:a16="http://schemas.microsoft.com/office/drawing/2014/main" id="{63B91817-A7E7-9160-98F8-1DADD742B46A}"/>
+                <a16:creationId xmlns:a16="http://schemas.microsoft.com/office/drawing/2014/main" xmlns="" id="{63B91817-A7E7-9160-98F8-1DADD742B46A}"/>
               </a:ext>
             </a:extLst>
           </p:cNvPr>
@@ -9653,7 +9653,7 @@
           <p:nvPr>
             <p:extLst>
               <p:ext uri="{D42A27DB-BD31-4B8C-83A1-F6EECF244321}">
-                <p14:modId xmlns="" xmlns:p14="http://schemas.microsoft.com/office/powerpoint/2010/main" val="676022004"/>
+                <p14:modId xmlns:p14="http://schemas.microsoft.com/office/powerpoint/2010/main" xmlns="" val="676022004"/>
               </p:ext>
             </p:extLst>
           </p:nvPr>
@@ -9672,7 +9672,7 @@
                 <a:gridCol w="144000">
                   <a:extLst>
                     <a:ext uri="{9D8B030D-6E8A-4147-A177-3AD203B41FA5}">
-                      <a16:colId xmlns="" xmlns:a16="http://schemas.microsoft.com/office/drawing/2014/main" val="3021301464"/>
+                      <a16:colId xmlns:a16="http://schemas.microsoft.com/office/drawing/2014/main" xmlns="" val="3021301464"/>
                     </a:ext>
                   </a:extLst>
                 </a:gridCol>
@@ -9698,7 +9698,7 @@
                 </a:tc>
                 <a:extLst>
                   <a:ext uri="{0D108BD9-81ED-4DB2-BD59-A6C34878D82A}">
-                    <a16:rowId xmlns="" xmlns:a16="http://schemas.microsoft.com/office/drawing/2014/main" val="3351181703"/>
+                    <a16:rowId xmlns:a16="http://schemas.microsoft.com/office/drawing/2014/main" xmlns="" val="3351181703"/>
                   </a:ext>
                 </a:extLst>
               </a:tr>
@@ -9711,7 +9711,7 @@
           <p:cNvPr id="27" name="Table 6">
             <a:extLst>
               <a:ext uri="{FF2B5EF4-FFF2-40B4-BE49-F238E27FC236}">
-                <a16:creationId xmlns="" xmlns:a16="http://schemas.microsoft.com/office/drawing/2014/main" id="{FA93802C-C01F-1A50-2F4D-BD0CEB15F168}"/>
+                <a16:creationId xmlns:a16="http://schemas.microsoft.com/office/drawing/2014/main" xmlns="" id="{FA93802C-C01F-1A50-2F4D-BD0CEB15F168}"/>
               </a:ext>
             </a:extLst>
           </p:cNvPr>
@@ -9721,7 +9721,7 @@
           <p:nvPr>
             <p:extLst>
               <p:ext uri="{D42A27DB-BD31-4B8C-83A1-F6EECF244321}">
-                <p14:modId xmlns="" xmlns:p14="http://schemas.microsoft.com/office/powerpoint/2010/main" val="3929984585"/>
+                <p14:modId xmlns:p14="http://schemas.microsoft.com/office/powerpoint/2010/main" xmlns="" val="3929984585"/>
               </p:ext>
             </p:extLst>
           </p:nvPr>
@@ -9740,112 +9740,112 @@
                 <a:gridCol w="146471">
                   <a:extLst>
                     <a:ext uri="{9D8B030D-6E8A-4147-A177-3AD203B41FA5}">
-                      <a16:colId xmlns="" xmlns:a16="http://schemas.microsoft.com/office/drawing/2014/main" val="1596807211"/>
+                      <a16:colId xmlns:a16="http://schemas.microsoft.com/office/drawing/2014/main" xmlns="" val="1596807211"/>
                     </a:ext>
                   </a:extLst>
                 </a:gridCol>
                 <a:gridCol w="146471">
                   <a:extLst>
                     <a:ext uri="{9D8B030D-6E8A-4147-A177-3AD203B41FA5}">
-                      <a16:colId xmlns="" xmlns:a16="http://schemas.microsoft.com/office/drawing/2014/main" val="2333902748"/>
+                      <a16:colId xmlns:a16="http://schemas.microsoft.com/office/drawing/2014/main" xmlns="" val="2333902748"/>
                     </a:ext>
                   </a:extLst>
                 </a:gridCol>
                 <a:gridCol w="146471">
                   <a:extLst>
                     <a:ext uri="{9D8B030D-6E8A-4147-A177-3AD203B41FA5}">
-                      <a16:colId xmlns="" xmlns:a16="http://schemas.microsoft.com/office/drawing/2014/main" val="4158973136"/>
+                      <a16:colId xmlns:a16="http://schemas.microsoft.com/office/drawing/2014/main" xmlns="" val="4158973136"/>
                     </a:ext>
                   </a:extLst>
                 </a:gridCol>
                 <a:gridCol w="146471">
                   <a:extLst>
                     <a:ext uri="{9D8B030D-6E8A-4147-A177-3AD203B41FA5}">
-                      <a16:colId xmlns="" xmlns:a16="http://schemas.microsoft.com/office/drawing/2014/main" val="2956168261"/>
+                      <a16:colId xmlns:a16="http://schemas.microsoft.com/office/drawing/2014/main" xmlns="" val="2956168261"/>
                     </a:ext>
                   </a:extLst>
                 </a:gridCol>
                 <a:gridCol w="146471">
                   <a:extLst>
                     <a:ext uri="{9D8B030D-6E8A-4147-A177-3AD203B41FA5}">
-                      <a16:colId xmlns="" xmlns:a16="http://schemas.microsoft.com/office/drawing/2014/main" val="3020465944"/>
+                      <a16:colId xmlns:a16="http://schemas.microsoft.com/office/drawing/2014/main" xmlns="" val="3020465944"/>
                     </a:ext>
                   </a:extLst>
                 </a:gridCol>
                 <a:gridCol w="146471">
                   <a:extLst>
                     <a:ext uri="{9D8B030D-6E8A-4147-A177-3AD203B41FA5}">
-                      <a16:colId xmlns="" xmlns:a16="http://schemas.microsoft.com/office/drawing/2014/main" val="2708855996"/>
+                      <a16:colId xmlns:a16="http://schemas.microsoft.com/office/drawing/2014/main" xmlns="" val="2708855996"/>
                     </a:ext>
                   </a:extLst>
                 </a:gridCol>
                 <a:gridCol w="146471">
                   <a:extLst>
                     <a:ext uri="{9D8B030D-6E8A-4147-A177-3AD203B41FA5}">
-                      <a16:colId xmlns="" xmlns:a16="http://schemas.microsoft.com/office/drawing/2014/main" val="414118707"/>
+                      <a16:colId xmlns:a16="http://schemas.microsoft.com/office/drawing/2014/main" xmlns="" val="414118707"/>
                     </a:ext>
                   </a:extLst>
                 </a:gridCol>
                 <a:gridCol w="146471">
                   <a:extLst>
                     <a:ext uri="{9D8B030D-6E8A-4147-A177-3AD203B41FA5}">
-                      <a16:colId xmlns="" xmlns:a16="http://schemas.microsoft.com/office/drawing/2014/main" val="698481345"/>
+                      <a16:colId xmlns:a16="http://schemas.microsoft.com/office/drawing/2014/main" xmlns="" val="698481345"/>
                     </a:ext>
                   </a:extLst>
                 </a:gridCol>
                 <a:gridCol w="146471">
                   <a:extLst>
                     <a:ext uri="{9D8B030D-6E8A-4147-A177-3AD203B41FA5}">
-                      <a16:colId xmlns="" xmlns:a16="http://schemas.microsoft.com/office/drawing/2014/main" val="234257500"/>
+                      <a16:colId xmlns:a16="http://schemas.microsoft.com/office/drawing/2014/main" xmlns="" val="234257500"/>
                     </a:ext>
                   </a:extLst>
                 </a:gridCol>
                 <a:gridCol w="146471">
                   <a:extLst>
                     <a:ext uri="{9D8B030D-6E8A-4147-A177-3AD203B41FA5}">
-                      <a16:colId xmlns="" xmlns:a16="http://schemas.microsoft.com/office/drawing/2014/main" val="3467964161"/>
+                      <a16:colId xmlns:a16="http://schemas.microsoft.com/office/drawing/2014/main" xmlns="" val="3467964161"/>
                     </a:ext>
                   </a:extLst>
                 </a:gridCol>
                 <a:gridCol w="146471">
                   <a:extLst>
                     <a:ext uri="{9D8B030D-6E8A-4147-A177-3AD203B41FA5}">
-                      <a16:colId xmlns="" xmlns:a16="http://schemas.microsoft.com/office/drawing/2014/main" val="448163374"/>
+                      <a16:colId xmlns:a16="http://schemas.microsoft.com/office/drawing/2014/main" xmlns="" val="448163374"/>
                     </a:ext>
                   </a:extLst>
                 </a:gridCol>
                 <a:gridCol w="146471">
                   <a:extLst>
                     <a:ext uri="{9D8B030D-6E8A-4147-A177-3AD203B41FA5}">
-                      <a16:colId xmlns="" xmlns:a16="http://schemas.microsoft.com/office/drawing/2014/main" val="680087072"/>
+                      <a16:colId xmlns:a16="http://schemas.microsoft.com/office/drawing/2014/main" xmlns="" val="680087072"/>
                     </a:ext>
                   </a:extLst>
                 </a:gridCol>
                 <a:gridCol w="146471">
                   <a:extLst>
                     <a:ext uri="{9D8B030D-6E8A-4147-A177-3AD203B41FA5}">
-                      <a16:colId xmlns="" xmlns:a16="http://schemas.microsoft.com/office/drawing/2014/main" val="3331563236"/>
+                      <a16:colId xmlns:a16="http://schemas.microsoft.com/office/drawing/2014/main" xmlns="" val="3331563236"/>
                     </a:ext>
                   </a:extLst>
                 </a:gridCol>
                 <a:gridCol w="146471">
                   <a:extLst>
                     <a:ext uri="{9D8B030D-6E8A-4147-A177-3AD203B41FA5}">
-                      <a16:colId xmlns="" xmlns:a16="http://schemas.microsoft.com/office/drawing/2014/main" val="1862912922"/>
+                      <a16:colId xmlns:a16="http://schemas.microsoft.com/office/drawing/2014/main" xmlns="" val="1862912922"/>
                     </a:ext>
                   </a:extLst>
                 </a:gridCol>
                 <a:gridCol w="146471">
                   <a:extLst>
                     <a:ext uri="{9D8B030D-6E8A-4147-A177-3AD203B41FA5}">
-                      <a16:colId xmlns="" xmlns:a16="http://schemas.microsoft.com/office/drawing/2014/main" val="1803571372"/>
+                      <a16:colId xmlns:a16="http://schemas.microsoft.com/office/drawing/2014/main" xmlns="" val="1803571372"/>
                     </a:ext>
                   </a:extLst>
                 </a:gridCol>
                 <a:gridCol w="146471">
                   <a:extLst>
                     <a:ext uri="{9D8B030D-6E8A-4147-A177-3AD203B41FA5}">
-                      <a16:colId xmlns="" xmlns:a16="http://schemas.microsoft.com/office/drawing/2014/main" val="134947292"/>
+                      <a16:colId xmlns:a16="http://schemas.microsoft.com/office/drawing/2014/main" xmlns="" val="134947292"/>
                     </a:ext>
                   </a:extLst>
                 </a:gridCol>
@@ -10971,7 +10971,7 @@
                 </a:tc>
                 <a:extLst>
                   <a:ext uri="{0D108BD9-81ED-4DB2-BD59-A6C34878D82A}">
-                    <a16:rowId xmlns="" xmlns:a16="http://schemas.microsoft.com/office/drawing/2014/main" val="815588539"/>
+                    <a16:rowId xmlns:a16="http://schemas.microsoft.com/office/drawing/2014/main" xmlns="" val="815588539"/>
                   </a:ext>
                 </a:extLst>
               </a:tr>
@@ -12064,7 +12064,7 @@
                 </a:tc>
                 <a:extLst>
                   <a:ext uri="{0D108BD9-81ED-4DB2-BD59-A6C34878D82A}">
-                    <a16:rowId xmlns="" xmlns:a16="http://schemas.microsoft.com/office/drawing/2014/main" val="2900542627"/>
+                    <a16:rowId xmlns:a16="http://schemas.microsoft.com/office/drawing/2014/main" xmlns="" val="2900542627"/>
                   </a:ext>
                 </a:extLst>
               </a:tr>
@@ -12077,7 +12077,7 @@
           <p:cNvPr id="28" name="Table 7">
             <a:extLst>
               <a:ext uri="{FF2B5EF4-FFF2-40B4-BE49-F238E27FC236}">
-                <a16:creationId xmlns="" xmlns:a16="http://schemas.microsoft.com/office/drawing/2014/main" id="{F0529052-709A-93FC-94BE-5F56F27A20EF}"/>
+                <a16:creationId xmlns:a16="http://schemas.microsoft.com/office/drawing/2014/main" xmlns="" id="{F0529052-709A-93FC-94BE-5F56F27A20EF}"/>
               </a:ext>
             </a:extLst>
           </p:cNvPr>
@@ -12087,7 +12087,7 @@
           <p:nvPr>
             <p:extLst>
               <p:ext uri="{D42A27DB-BD31-4B8C-83A1-F6EECF244321}">
-                <p14:modId xmlns="" xmlns:p14="http://schemas.microsoft.com/office/powerpoint/2010/main" val="1652262402"/>
+                <p14:modId xmlns:p14="http://schemas.microsoft.com/office/powerpoint/2010/main" xmlns="" val="1652262402"/>
               </p:ext>
             </p:extLst>
           </p:nvPr>
@@ -12106,7 +12106,7 @@
                 <a:gridCol w="144000">
                   <a:extLst>
                     <a:ext uri="{9D8B030D-6E8A-4147-A177-3AD203B41FA5}">
-                      <a16:colId xmlns="" xmlns:a16="http://schemas.microsoft.com/office/drawing/2014/main" val="3021301464"/>
+                      <a16:colId xmlns:a16="http://schemas.microsoft.com/office/drawing/2014/main" xmlns="" val="3021301464"/>
                     </a:ext>
                   </a:extLst>
                 </a:gridCol>
@@ -12132,7 +12132,7 @@
                 </a:tc>
                 <a:extLst>
                   <a:ext uri="{0D108BD9-81ED-4DB2-BD59-A6C34878D82A}">
-                    <a16:rowId xmlns="" xmlns:a16="http://schemas.microsoft.com/office/drawing/2014/main" val="3351181703"/>
+                    <a16:rowId xmlns:a16="http://schemas.microsoft.com/office/drawing/2014/main" xmlns="" val="3351181703"/>
                   </a:ext>
                 </a:extLst>
               </a:tr>
@@ -12145,7 +12145,7 @@
           <p:cNvPr id="29" name="Table 28">
             <a:extLst>
               <a:ext uri="{FF2B5EF4-FFF2-40B4-BE49-F238E27FC236}">
-                <a16:creationId xmlns="" xmlns:a16="http://schemas.microsoft.com/office/drawing/2014/main" id="{2F8F9599-288B-4F71-6127-E31A5F7AB375}"/>
+                <a16:creationId xmlns:a16="http://schemas.microsoft.com/office/drawing/2014/main" xmlns="" id="{2F8F9599-288B-4F71-6127-E31A5F7AB375}"/>
               </a:ext>
             </a:extLst>
           </p:cNvPr>
@@ -12155,7 +12155,7 @@
           <p:nvPr>
             <p:extLst>
               <p:ext uri="{D42A27DB-BD31-4B8C-83A1-F6EECF244321}">
-                <p14:modId xmlns="" xmlns:p14="http://schemas.microsoft.com/office/powerpoint/2010/main" val="2302445739"/>
+                <p14:modId xmlns:p14="http://schemas.microsoft.com/office/powerpoint/2010/main" xmlns="" val="2302445739"/>
               </p:ext>
             </p:extLst>
           </p:nvPr>
@@ -12174,7 +12174,7 @@
                 <a:gridCol w="144000">
                   <a:extLst>
                     <a:ext uri="{9D8B030D-6E8A-4147-A177-3AD203B41FA5}">
-                      <a16:colId xmlns="" xmlns:a16="http://schemas.microsoft.com/office/drawing/2014/main" val="3021301464"/>
+                      <a16:colId xmlns:a16="http://schemas.microsoft.com/office/drawing/2014/main" xmlns="" val="3021301464"/>
                     </a:ext>
                   </a:extLst>
                 </a:gridCol>
@@ -12200,7 +12200,7 @@
                 </a:tc>
                 <a:extLst>
                   <a:ext uri="{0D108BD9-81ED-4DB2-BD59-A6C34878D82A}">
-                    <a16:rowId xmlns="" xmlns:a16="http://schemas.microsoft.com/office/drawing/2014/main" val="3351181703"/>
+                    <a16:rowId xmlns:a16="http://schemas.microsoft.com/office/drawing/2014/main" xmlns="" val="3351181703"/>
                   </a:ext>
                 </a:extLst>
               </a:tr>
@@ -12213,7 +12213,7 @@
           <p:cNvPr id="30" name="Table 7">
             <a:extLst>
               <a:ext uri="{FF2B5EF4-FFF2-40B4-BE49-F238E27FC236}">
-                <a16:creationId xmlns="" xmlns:a16="http://schemas.microsoft.com/office/drawing/2014/main" id="{36FFCDE9-77DE-F494-D52C-9897584885B8}"/>
+                <a16:creationId xmlns:a16="http://schemas.microsoft.com/office/drawing/2014/main" xmlns="" id="{36FFCDE9-77DE-F494-D52C-9897584885B8}"/>
               </a:ext>
             </a:extLst>
           </p:cNvPr>
@@ -12223,7 +12223,7 @@
           <p:nvPr>
             <p:extLst>
               <p:ext uri="{D42A27DB-BD31-4B8C-83A1-F6EECF244321}">
-                <p14:modId xmlns="" xmlns:p14="http://schemas.microsoft.com/office/powerpoint/2010/main" val="982039042"/>
+                <p14:modId xmlns:p14="http://schemas.microsoft.com/office/powerpoint/2010/main" xmlns="" val="982039042"/>
               </p:ext>
             </p:extLst>
           </p:nvPr>
@@ -12242,7 +12242,7 @@
                 <a:gridCol w="144000">
                   <a:extLst>
                     <a:ext uri="{9D8B030D-6E8A-4147-A177-3AD203B41FA5}">
-                      <a16:colId xmlns="" xmlns:a16="http://schemas.microsoft.com/office/drawing/2014/main" val="3021301464"/>
+                      <a16:colId xmlns:a16="http://schemas.microsoft.com/office/drawing/2014/main" xmlns="" val="3021301464"/>
                     </a:ext>
                   </a:extLst>
                 </a:gridCol>
@@ -12268,7 +12268,7 @@
                 </a:tc>
                 <a:extLst>
                   <a:ext uri="{0D108BD9-81ED-4DB2-BD59-A6C34878D82A}">
-                    <a16:rowId xmlns="" xmlns:a16="http://schemas.microsoft.com/office/drawing/2014/main" val="3351181703"/>
+                    <a16:rowId xmlns:a16="http://schemas.microsoft.com/office/drawing/2014/main" xmlns="" val="3351181703"/>
                   </a:ext>
                 </a:extLst>
               </a:tr>
@@ -12281,7 +12281,7 @@
           <p:cNvPr id="31" name="TextBox 30">
             <a:extLst>
               <a:ext uri="{FF2B5EF4-FFF2-40B4-BE49-F238E27FC236}">
-                <a16:creationId xmlns="" xmlns:a16="http://schemas.microsoft.com/office/drawing/2014/main" id="{B1B7B77E-1770-CA26-D4E5-68C2957101DE}"/>
+                <a16:creationId xmlns:a16="http://schemas.microsoft.com/office/drawing/2014/main" xmlns="" id="{B1B7B77E-1770-CA26-D4E5-68C2957101DE}"/>
               </a:ext>
             </a:extLst>
           </p:cNvPr>
@@ -12354,7 +12354,7 @@
           <p:cNvPr id="33" name="TextBox 32">
             <a:extLst>
               <a:ext uri="{FF2B5EF4-FFF2-40B4-BE49-F238E27FC236}">
-                <a16:creationId xmlns="" xmlns:a16="http://schemas.microsoft.com/office/drawing/2014/main" id="{CA875D7A-68DE-FBEA-E63B-6A5C6AE6C7E2}"/>
+                <a16:creationId xmlns:a16="http://schemas.microsoft.com/office/drawing/2014/main" xmlns="" id="{CA875D7A-68DE-FBEA-E63B-6A5C6AE6C7E2}"/>
               </a:ext>
             </a:extLst>
           </p:cNvPr>
@@ -12402,7 +12402,7 @@
           <p:cNvPr id="38" name="Table 6">
             <a:extLst>
               <a:ext uri="{FF2B5EF4-FFF2-40B4-BE49-F238E27FC236}">
-                <a16:creationId xmlns="" xmlns:a16="http://schemas.microsoft.com/office/drawing/2014/main" id="{1A627CA3-7C6D-8996-16EF-45802E8BEE9D}"/>
+                <a16:creationId xmlns:a16="http://schemas.microsoft.com/office/drawing/2014/main" xmlns="" id="{1A627CA3-7C6D-8996-16EF-45802E8BEE9D}"/>
               </a:ext>
             </a:extLst>
           </p:cNvPr>
@@ -12412,7 +12412,7 @@
           <p:nvPr>
             <p:extLst>
               <p:ext uri="{D42A27DB-BD31-4B8C-83A1-F6EECF244321}">
-                <p14:modId xmlns="" xmlns:p14="http://schemas.microsoft.com/office/powerpoint/2010/main" val="211056014"/>
+                <p14:modId xmlns:p14="http://schemas.microsoft.com/office/powerpoint/2010/main" xmlns="" val="211056014"/>
               </p:ext>
             </p:extLst>
           </p:nvPr>
@@ -12431,112 +12431,112 @@
                 <a:gridCol w="146471">
                   <a:extLst>
                     <a:ext uri="{9D8B030D-6E8A-4147-A177-3AD203B41FA5}">
-                      <a16:colId xmlns="" xmlns:a16="http://schemas.microsoft.com/office/drawing/2014/main" val="1596807211"/>
+                      <a16:colId xmlns:a16="http://schemas.microsoft.com/office/drawing/2014/main" xmlns="" val="1596807211"/>
                     </a:ext>
                   </a:extLst>
                 </a:gridCol>
                 <a:gridCol w="146471">
                   <a:extLst>
                     <a:ext uri="{9D8B030D-6E8A-4147-A177-3AD203B41FA5}">
-                      <a16:colId xmlns="" xmlns:a16="http://schemas.microsoft.com/office/drawing/2014/main" val="2333902748"/>
+                      <a16:colId xmlns:a16="http://schemas.microsoft.com/office/drawing/2014/main" xmlns="" val="2333902748"/>
                     </a:ext>
                   </a:extLst>
                 </a:gridCol>
                 <a:gridCol w="146471">
                   <a:extLst>
                     <a:ext uri="{9D8B030D-6E8A-4147-A177-3AD203B41FA5}">
-                      <a16:colId xmlns="" xmlns:a16="http://schemas.microsoft.com/office/drawing/2014/main" val="4158973136"/>
+                      <a16:colId xmlns:a16="http://schemas.microsoft.com/office/drawing/2014/main" xmlns="" val="4158973136"/>
                     </a:ext>
                   </a:extLst>
                 </a:gridCol>
                 <a:gridCol w="146471">
                   <a:extLst>
                     <a:ext uri="{9D8B030D-6E8A-4147-A177-3AD203B41FA5}">
-                      <a16:colId xmlns="" xmlns:a16="http://schemas.microsoft.com/office/drawing/2014/main" val="2956168261"/>
+                      <a16:colId xmlns:a16="http://schemas.microsoft.com/office/drawing/2014/main" xmlns="" val="2956168261"/>
                     </a:ext>
                   </a:extLst>
                 </a:gridCol>
                 <a:gridCol w="146471">
                   <a:extLst>
                     <a:ext uri="{9D8B030D-6E8A-4147-A177-3AD203B41FA5}">
-                      <a16:colId xmlns="" xmlns:a16="http://schemas.microsoft.com/office/drawing/2014/main" val="3020465944"/>
+                      <a16:colId xmlns:a16="http://schemas.microsoft.com/office/drawing/2014/main" xmlns="" val="3020465944"/>
                     </a:ext>
                   </a:extLst>
                 </a:gridCol>
                 <a:gridCol w="146471">
                   <a:extLst>
                     <a:ext uri="{9D8B030D-6E8A-4147-A177-3AD203B41FA5}">
-                      <a16:colId xmlns="" xmlns:a16="http://schemas.microsoft.com/office/drawing/2014/main" val="2708855996"/>
+                      <a16:colId xmlns:a16="http://schemas.microsoft.com/office/drawing/2014/main" xmlns="" val="2708855996"/>
                     </a:ext>
                   </a:extLst>
                 </a:gridCol>
                 <a:gridCol w="146471">
                   <a:extLst>
                     <a:ext uri="{9D8B030D-6E8A-4147-A177-3AD203B41FA5}">
-                      <a16:colId xmlns="" xmlns:a16="http://schemas.microsoft.com/office/drawing/2014/main" val="414118707"/>
+                      <a16:colId xmlns:a16="http://schemas.microsoft.com/office/drawing/2014/main" xmlns="" val="414118707"/>
                     </a:ext>
                   </a:extLst>
                 </a:gridCol>
                 <a:gridCol w="146471">
                   <a:extLst>
                     <a:ext uri="{9D8B030D-6E8A-4147-A177-3AD203B41FA5}">
-                      <a16:colId xmlns="" xmlns:a16="http://schemas.microsoft.com/office/drawing/2014/main" val="698481345"/>
+                      <a16:colId xmlns:a16="http://schemas.microsoft.com/office/drawing/2014/main" xmlns="" val="698481345"/>
                     </a:ext>
                   </a:extLst>
                 </a:gridCol>
                 <a:gridCol w="146471">
                   <a:extLst>
                     <a:ext uri="{9D8B030D-6E8A-4147-A177-3AD203B41FA5}">
-                      <a16:colId xmlns="" xmlns:a16="http://schemas.microsoft.com/office/drawing/2014/main" val="234257500"/>
+                      <a16:colId xmlns:a16="http://schemas.microsoft.com/office/drawing/2014/main" xmlns="" val="234257500"/>
                     </a:ext>
                   </a:extLst>
                 </a:gridCol>
                 <a:gridCol w="146471">
                   <a:extLst>
                     <a:ext uri="{9D8B030D-6E8A-4147-A177-3AD203B41FA5}">
-                      <a16:colId xmlns="" xmlns:a16="http://schemas.microsoft.com/office/drawing/2014/main" val="3467964161"/>
+                      <a16:colId xmlns:a16="http://schemas.microsoft.com/office/drawing/2014/main" xmlns="" val="3467964161"/>
                     </a:ext>
                   </a:extLst>
                 </a:gridCol>
                 <a:gridCol w="146471">
                   <a:extLst>
                     <a:ext uri="{9D8B030D-6E8A-4147-A177-3AD203B41FA5}">
-                      <a16:colId xmlns="" xmlns:a16="http://schemas.microsoft.com/office/drawing/2014/main" val="448163374"/>
+                      <a16:colId xmlns:a16="http://schemas.microsoft.com/office/drawing/2014/main" xmlns="" val="448163374"/>
                     </a:ext>
                   </a:extLst>
                 </a:gridCol>
                 <a:gridCol w="146471">
                   <a:extLst>
                     <a:ext uri="{9D8B030D-6E8A-4147-A177-3AD203B41FA5}">
-                      <a16:colId xmlns="" xmlns:a16="http://schemas.microsoft.com/office/drawing/2014/main" val="680087072"/>
+                      <a16:colId xmlns:a16="http://schemas.microsoft.com/office/drawing/2014/main" xmlns="" val="680087072"/>
                     </a:ext>
                   </a:extLst>
                 </a:gridCol>
                 <a:gridCol w="146471">
                   <a:extLst>
                     <a:ext uri="{9D8B030D-6E8A-4147-A177-3AD203B41FA5}">
-                      <a16:colId xmlns="" xmlns:a16="http://schemas.microsoft.com/office/drawing/2014/main" val="3331563236"/>
+                      <a16:colId xmlns:a16="http://schemas.microsoft.com/office/drawing/2014/main" xmlns="" val="3331563236"/>
                     </a:ext>
                   </a:extLst>
                 </a:gridCol>
                 <a:gridCol w="146471">
                   <a:extLst>
                     <a:ext uri="{9D8B030D-6E8A-4147-A177-3AD203B41FA5}">
-                      <a16:colId xmlns="" xmlns:a16="http://schemas.microsoft.com/office/drawing/2014/main" val="1862912922"/>
+                      <a16:colId xmlns:a16="http://schemas.microsoft.com/office/drawing/2014/main" xmlns="" val="1862912922"/>
                     </a:ext>
                   </a:extLst>
                 </a:gridCol>
                 <a:gridCol w="146471">
                   <a:extLst>
                     <a:ext uri="{9D8B030D-6E8A-4147-A177-3AD203B41FA5}">
-                      <a16:colId xmlns="" xmlns:a16="http://schemas.microsoft.com/office/drawing/2014/main" val="1803571372"/>
+                      <a16:colId xmlns:a16="http://schemas.microsoft.com/office/drawing/2014/main" xmlns="" val="1803571372"/>
                     </a:ext>
                   </a:extLst>
                 </a:gridCol>
                 <a:gridCol w="146471">
                   <a:extLst>
                     <a:ext uri="{9D8B030D-6E8A-4147-A177-3AD203B41FA5}">
-                      <a16:colId xmlns="" xmlns:a16="http://schemas.microsoft.com/office/drawing/2014/main" val="134947292"/>
+                      <a16:colId xmlns:a16="http://schemas.microsoft.com/office/drawing/2014/main" xmlns="" val="134947292"/>
                     </a:ext>
                   </a:extLst>
                 </a:gridCol>
@@ -13630,7 +13630,7 @@
                 </a:tc>
                 <a:extLst>
                   <a:ext uri="{0D108BD9-81ED-4DB2-BD59-A6C34878D82A}">
-                    <a16:rowId xmlns="" xmlns:a16="http://schemas.microsoft.com/office/drawing/2014/main" val="815588539"/>
+                    <a16:rowId xmlns:a16="http://schemas.microsoft.com/office/drawing/2014/main" xmlns="" val="815588539"/>
                   </a:ext>
                 </a:extLst>
               </a:tr>
@@ -14795,7 +14795,7 @@
                 </a:tc>
                 <a:extLst>
                   <a:ext uri="{0D108BD9-81ED-4DB2-BD59-A6C34878D82A}">
-                    <a16:rowId xmlns="" xmlns:a16="http://schemas.microsoft.com/office/drawing/2014/main" val="2900542627"/>
+                    <a16:rowId xmlns:a16="http://schemas.microsoft.com/office/drawing/2014/main" xmlns="" val="2900542627"/>
                   </a:ext>
                 </a:extLst>
               </a:tr>
@@ -14808,7 +14808,7 @@
           <p:cNvPr id="39" name="Table 7">
             <a:extLst>
               <a:ext uri="{FF2B5EF4-FFF2-40B4-BE49-F238E27FC236}">
-                <a16:creationId xmlns="" xmlns:a16="http://schemas.microsoft.com/office/drawing/2014/main" id="{8FFFA41F-8082-4B55-9599-27F35EA25DDD}"/>
+                <a16:creationId xmlns:a16="http://schemas.microsoft.com/office/drawing/2014/main" xmlns="" id="{8FFFA41F-8082-4B55-9599-27F35EA25DDD}"/>
               </a:ext>
             </a:extLst>
           </p:cNvPr>
@@ -14818,7 +14818,7 @@
           <p:nvPr>
             <p:extLst>
               <p:ext uri="{D42A27DB-BD31-4B8C-83A1-F6EECF244321}">
-                <p14:modId xmlns="" xmlns:p14="http://schemas.microsoft.com/office/powerpoint/2010/main" val="3251606829"/>
+                <p14:modId xmlns:p14="http://schemas.microsoft.com/office/powerpoint/2010/main" xmlns="" val="3251606829"/>
               </p:ext>
             </p:extLst>
           </p:nvPr>
@@ -14837,7 +14837,7 @@
                 <a:gridCol w="144000">
                   <a:extLst>
                     <a:ext uri="{9D8B030D-6E8A-4147-A177-3AD203B41FA5}">
-                      <a16:colId xmlns="" xmlns:a16="http://schemas.microsoft.com/office/drawing/2014/main" val="3021301464"/>
+                      <a16:colId xmlns:a16="http://schemas.microsoft.com/office/drawing/2014/main" xmlns="" val="3021301464"/>
                     </a:ext>
                   </a:extLst>
                 </a:gridCol>
@@ -14863,7 +14863,7 @@
                 </a:tc>
                 <a:extLst>
                   <a:ext uri="{0D108BD9-81ED-4DB2-BD59-A6C34878D82A}">
-                    <a16:rowId xmlns="" xmlns:a16="http://schemas.microsoft.com/office/drawing/2014/main" val="3351181703"/>
+                    <a16:rowId xmlns:a16="http://schemas.microsoft.com/office/drawing/2014/main" xmlns="" val="3351181703"/>
                   </a:ext>
                 </a:extLst>
               </a:tr>
@@ -14876,7 +14876,7 @@
           <p:cNvPr id="40" name="Table 39">
             <a:extLst>
               <a:ext uri="{FF2B5EF4-FFF2-40B4-BE49-F238E27FC236}">
-                <a16:creationId xmlns="" xmlns:a16="http://schemas.microsoft.com/office/drawing/2014/main" id="{49D7A15A-BD42-8E40-1DC6-32CA6B77DCCD}"/>
+                <a16:creationId xmlns:a16="http://schemas.microsoft.com/office/drawing/2014/main" xmlns="" id="{49D7A15A-BD42-8E40-1DC6-32CA6B77DCCD}"/>
               </a:ext>
             </a:extLst>
           </p:cNvPr>
@@ -14886,7 +14886,7 @@
           <p:nvPr>
             <p:extLst>
               <p:ext uri="{D42A27DB-BD31-4B8C-83A1-F6EECF244321}">
-                <p14:modId xmlns="" xmlns:p14="http://schemas.microsoft.com/office/powerpoint/2010/main" val="3903003517"/>
+                <p14:modId xmlns:p14="http://schemas.microsoft.com/office/powerpoint/2010/main" xmlns="" val="3903003517"/>
               </p:ext>
             </p:extLst>
           </p:nvPr>
@@ -14905,7 +14905,7 @@
                 <a:gridCol w="144000">
                   <a:extLst>
                     <a:ext uri="{9D8B030D-6E8A-4147-A177-3AD203B41FA5}">
-                      <a16:colId xmlns="" xmlns:a16="http://schemas.microsoft.com/office/drawing/2014/main" val="3021301464"/>
+                      <a16:colId xmlns:a16="http://schemas.microsoft.com/office/drawing/2014/main" xmlns="" val="3021301464"/>
                     </a:ext>
                   </a:extLst>
                 </a:gridCol>
@@ -14931,7 +14931,7 @@
                 </a:tc>
                 <a:extLst>
                   <a:ext uri="{0D108BD9-81ED-4DB2-BD59-A6C34878D82A}">
-                    <a16:rowId xmlns="" xmlns:a16="http://schemas.microsoft.com/office/drawing/2014/main" val="3351181703"/>
+                    <a16:rowId xmlns:a16="http://schemas.microsoft.com/office/drawing/2014/main" xmlns="" val="3351181703"/>
                   </a:ext>
                 </a:extLst>
               </a:tr>
@@ -14944,7 +14944,7 @@
           <p:cNvPr id="42" name="TextBox 41">
             <a:extLst>
               <a:ext uri="{FF2B5EF4-FFF2-40B4-BE49-F238E27FC236}">
-                <a16:creationId xmlns="" xmlns:a16="http://schemas.microsoft.com/office/drawing/2014/main" id="{D95A7F1C-4BA0-238B-AE13-C861980F5BB7}"/>
+                <a16:creationId xmlns:a16="http://schemas.microsoft.com/office/drawing/2014/main" xmlns="" id="{D95A7F1C-4BA0-238B-AE13-C861980F5BB7}"/>
               </a:ext>
             </a:extLst>
           </p:cNvPr>
@@ -15017,7 +15017,7 @@
           <p:cNvPr id="44" name="Table 7">
             <a:extLst>
               <a:ext uri="{FF2B5EF4-FFF2-40B4-BE49-F238E27FC236}">
-                <a16:creationId xmlns="" xmlns:a16="http://schemas.microsoft.com/office/drawing/2014/main" id="{B35A0489-A001-8742-7DCC-234F0EC5A931}"/>
+                <a16:creationId xmlns:a16="http://schemas.microsoft.com/office/drawing/2014/main" xmlns="" id="{B35A0489-A001-8742-7DCC-234F0EC5A931}"/>
               </a:ext>
             </a:extLst>
           </p:cNvPr>
@@ -15027,7 +15027,7 @@
           <p:nvPr>
             <p:extLst>
               <p:ext uri="{D42A27DB-BD31-4B8C-83A1-F6EECF244321}">
-                <p14:modId xmlns="" xmlns:p14="http://schemas.microsoft.com/office/powerpoint/2010/main" val="398062533"/>
+                <p14:modId xmlns:p14="http://schemas.microsoft.com/office/powerpoint/2010/main" xmlns="" val="398062533"/>
               </p:ext>
             </p:extLst>
           </p:nvPr>
@@ -15046,7 +15046,7 @@
                 <a:gridCol w="144000">
                   <a:extLst>
                     <a:ext uri="{9D8B030D-6E8A-4147-A177-3AD203B41FA5}">
-                      <a16:colId xmlns="" xmlns:a16="http://schemas.microsoft.com/office/drawing/2014/main" val="3021301464"/>
+                      <a16:colId xmlns:a16="http://schemas.microsoft.com/office/drawing/2014/main" xmlns="" val="3021301464"/>
                     </a:ext>
                   </a:extLst>
                 </a:gridCol>
@@ -15072,7 +15072,7 @@
                 </a:tc>
                 <a:extLst>
                   <a:ext uri="{0D108BD9-81ED-4DB2-BD59-A6C34878D82A}">
-                    <a16:rowId xmlns="" xmlns:a16="http://schemas.microsoft.com/office/drawing/2014/main" val="3351181703"/>
+                    <a16:rowId xmlns:a16="http://schemas.microsoft.com/office/drawing/2014/main" xmlns="" val="3351181703"/>
                   </a:ext>
                 </a:extLst>
               </a:tr>
@@ -15085,7 +15085,7 @@
           <p:cNvPr id="45" name="TextBox 44">
             <a:extLst>
               <a:ext uri="{FF2B5EF4-FFF2-40B4-BE49-F238E27FC236}">
-                <a16:creationId xmlns="" xmlns:a16="http://schemas.microsoft.com/office/drawing/2014/main" id="{65EF6270-323B-873F-1EFD-07902ED55A63}"/>
+                <a16:creationId xmlns:a16="http://schemas.microsoft.com/office/drawing/2014/main" xmlns="" id="{65EF6270-323B-873F-1EFD-07902ED55A63}"/>
               </a:ext>
             </a:extLst>
           </p:cNvPr>
@@ -15129,7 +15129,7 @@
           <p:cNvPr id="46" name="Table 6">
             <a:extLst>
               <a:ext uri="{FF2B5EF4-FFF2-40B4-BE49-F238E27FC236}">
-                <a16:creationId xmlns="" xmlns:a16="http://schemas.microsoft.com/office/drawing/2014/main" id="{EA00C9B7-76D7-47FE-9C3E-C87D0DCF44D7}"/>
+                <a16:creationId xmlns:a16="http://schemas.microsoft.com/office/drawing/2014/main" xmlns="" id="{EA00C9B7-76D7-47FE-9C3E-C87D0DCF44D7}"/>
               </a:ext>
             </a:extLst>
           </p:cNvPr>
@@ -15139,7 +15139,7 @@
           <p:nvPr>
             <p:extLst>
               <p:ext uri="{D42A27DB-BD31-4B8C-83A1-F6EECF244321}">
-                <p14:modId xmlns="" xmlns:p14="http://schemas.microsoft.com/office/powerpoint/2010/main" val="3190924692"/>
+                <p14:modId xmlns:p14="http://schemas.microsoft.com/office/powerpoint/2010/main" xmlns="" val="3190924692"/>
               </p:ext>
             </p:extLst>
           </p:nvPr>
@@ -15158,112 +15158,112 @@
                 <a:gridCol w="146471">
                   <a:extLst>
                     <a:ext uri="{9D8B030D-6E8A-4147-A177-3AD203B41FA5}">
-                      <a16:colId xmlns="" xmlns:a16="http://schemas.microsoft.com/office/drawing/2014/main" val="1596807211"/>
+                      <a16:colId xmlns:a16="http://schemas.microsoft.com/office/drawing/2014/main" xmlns="" val="1596807211"/>
                     </a:ext>
                   </a:extLst>
                 </a:gridCol>
                 <a:gridCol w="146471">
                   <a:extLst>
                     <a:ext uri="{9D8B030D-6E8A-4147-A177-3AD203B41FA5}">
-                      <a16:colId xmlns="" xmlns:a16="http://schemas.microsoft.com/office/drawing/2014/main" val="2333902748"/>
+                      <a16:colId xmlns:a16="http://schemas.microsoft.com/office/drawing/2014/main" xmlns="" val="2333902748"/>
                     </a:ext>
                   </a:extLst>
                 </a:gridCol>
                 <a:gridCol w="146471">
                   <a:extLst>
                     <a:ext uri="{9D8B030D-6E8A-4147-A177-3AD203B41FA5}">
-                      <a16:colId xmlns="" xmlns:a16="http://schemas.microsoft.com/office/drawing/2014/main" val="4158973136"/>
+                      <a16:colId xmlns:a16="http://schemas.microsoft.com/office/drawing/2014/main" xmlns="" val="4158973136"/>
                     </a:ext>
                   </a:extLst>
                 </a:gridCol>
                 <a:gridCol w="146471">
                   <a:extLst>
                     <a:ext uri="{9D8B030D-6E8A-4147-A177-3AD203B41FA5}">
-                      <a16:colId xmlns="" xmlns:a16="http://schemas.microsoft.com/office/drawing/2014/main" val="2956168261"/>
+                      <a16:colId xmlns:a16="http://schemas.microsoft.com/office/drawing/2014/main" xmlns="" val="2956168261"/>
                     </a:ext>
                   </a:extLst>
                 </a:gridCol>
                 <a:gridCol w="146471">
                   <a:extLst>
                     <a:ext uri="{9D8B030D-6E8A-4147-A177-3AD203B41FA5}">
-                      <a16:colId xmlns="" xmlns:a16="http://schemas.microsoft.com/office/drawing/2014/main" val="3020465944"/>
+                      <a16:colId xmlns:a16="http://schemas.microsoft.com/office/drawing/2014/main" xmlns="" val="3020465944"/>
                     </a:ext>
                   </a:extLst>
                 </a:gridCol>
                 <a:gridCol w="146471">
                   <a:extLst>
                     <a:ext uri="{9D8B030D-6E8A-4147-A177-3AD203B41FA5}">
-                      <a16:colId xmlns="" xmlns:a16="http://schemas.microsoft.com/office/drawing/2014/main" val="2708855996"/>
+                      <a16:colId xmlns:a16="http://schemas.microsoft.com/office/drawing/2014/main" xmlns="" val="2708855996"/>
                     </a:ext>
                   </a:extLst>
                 </a:gridCol>
                 <a:gridCol w="146471">
                   <a:extLst>
                     <a:ext uri="{9D8B030D-6E8A-4147-A177-3AD203B41FA5}">
-                      <a16:colId xmlns="" xmlns:a16="http://schemas.microsoft.com/office/drawing/2014/main" val="414118707"/>
+                      <a16:colId xmlns:a16="http://schemas.microsoft.com/office/drawing/2014/main" xmlns="" val="414118707"/>
                     </a:ext>
                   </a:extLst>
                 </a:gridCol>
                 <a:gridCol w="146471">
                   <a:extLst>
                     <a:ext uri="{9D8B030D-6E8A-4147-A177-3AD203B41FA5}">
-                      <a16:colId xmlns="" xmlns:a16="http://schemas.microsoft.com/office/drawing/2014/main" val="698481345"/>
+                      <a16:colId xmlns:a16="http://schemas.microsoft.com/office/drawing/2014/main" xmlns="" val="698481345"/>
                     </a:ext>
                   </a:extLst>
                 </a:gridCol>
                 <a:gridCol w="146471">
                   <a:extLst>
                     <a:ext uri="{9D8B030D-6E8A-4147-A177-3AD203B41FA5}">
-                      <a16:colId xmlns="" xmlns:a16="http://schemas.microsoft.com/office/drawing/2014/main" val="234257500"/>
+                      <a16:colId xmlns:a16="http://schemas.microsoft.com/office/drawing/2014/main" xmlns="" val="234257500"/>
                     </a:ext>
                   </a:extLst>
                 </a:gridCol>
                 <a:gridCol w="146471">
                   <a:extLst>
                     <a:ext uri="{9D8B030D-6E8A-4147-A177-3AD203B41FA5}">
-                      <a16:colId xmlns="" xmlns:a16="http://schemas.microsoft.com/office/drawing/2014/main" val="3467964161"/>
+                      <a16:colId xmlns:a16="http://schemas.microsoft.com/office/drawing/2014/main" xmlns="" val="3467964161"/>
                     </a:ext>
                   </a:extLst>
                 </a:gridCol>
                 <a:gridCol w="146471">
                   <a:extLst>
                     <a:ext uri="{9D8B030D-6E8A-4147-A177-3AD203B41FA5}">
-                      <a16:colId xmlns="" xmlns:a16="http://schemas.microsoft.com/office/drawing/2014/main" val="448163374"/>
+                      <a16:colId xmlns:a16="http://schemas.microsoft.com/office/drawing/2014/main" xmlns="" val="448163374"/>
                     </a:ext>
                   </a:extLst>
                 </a:gridCol>
                 <a:gridCol w="146471">
                   <a:extLst>
                     <a:ext uri="{9D8B030D-6E8A-4147-A177-3AD203B41FA5}">
-                      <a16:colId xmlns="" xmlns:a16="http://schemas.microsoft.com/office/drawing/2014/main" val="680087072"/>
+                      <a16:colId xmlns:a16="http://schemas.microsoft.com/office/drawing/2014/main" xmlns="" val="680087072"/>
                     </a:ext>
                   </a:extLst>
                 </a:gridCol>
                 <a:gridCol w="146471">
                   <a:extLst>
                     <a:ext uri="{9D8B030D-6E8A-4147-A177-3AD203B41FA5}">
-                      <a16:colId xmlns="" xmlns:a16="http://schemas.microsoft.com/office/drawing/2014/main" val="3331563236"/>
+                      <a16:colId xmlns:a16="http://schemas.microsoft.com/office/drawing/2014/main" xmlns="" val="3331563236"/>
                     </a:ext>
                   </a:extLst>
                 </a:gridCol>
                 <a:gridCol w="146471">
                   <a:extLst>
                     <a:ext uri="{9D8B030D-6E8A-4147-A177-3AD203B41FA5}">
-                      <a16:colId xmlns="" xmlns:a16="http://schemas.microsoft.com/office/drawing/2014/main" val="1862912922"/>
+                      <a16:colId xmlns:a16="http://schemas.microsoft.com/office/drawing/2014/main" xmlns="" val="1862912922"/>
                     </a:ext>
                   </a:extLst>
                 </a:gridCol>
                 <a:gridCol w="146471">
                   <a:extLst>
                     <a:ext uri="{9D8B030D-6E8A-4147-A177-3AD203B41FA5}">
-                      <a16:colId xmlns="" xmlns:a16="http://schemas.microsoft.com/office/drawing/2014/main" val="1803571372"/>
+                      <a16:colId xmlns:a16="http://schemas.microsoft.com/office/drawing/2014/main" xmlns="" val="1803571372"/>
                     </a:ext>
                   </a:extLst>
                 </a:gridCol>
                 <a:gridCol w="146471">
                   <a:extLst>
                     <a:ext uri="{9D8B030D-6E8A-4147-A177-3AD203B41FA5}">
-                      <a16:colId xmlns="" xmlns:a16="http://schemas.microsoft.com/office/drawing/2014/main" val="134947292"/>
+                      <a16:colId xmlns:a16="http://schemas.microsoft.com/office/drawing/2014/main" xmlns="" val="134947292"/>
                     </a:ext>
                   </a:extLst>
                 </a:gridCol>
@@ -16365,7 +16365,7 @@
                 </a:tc>
                 <a:extLst>
                   <a:ext uri="{0D108BD9-81ED-4DB2-BD59-A6C34878D82A}">
-                    <a16:rowId xmlns="" xmlns:a16="http://schemas.microsoft.com/office/drawing/2014/main" val="815588539"/>
+                    <a16:rowId xmlns:a16="http://schemas.microsoft.com/office/drawing/2014/main" xmlns="" val="815588539"/>
                   </a:ext>
                 </a:extLst>
               </a:tr>
@@ -17506,7 +17506,7 @@
                 </a:tc>
                 <a:extLst>
                   <a:ext uri="{0D108BD9-81ED-4DB2-BD59-A6C34878D82A}">
-                    <a16:rowId xmlns="" xmlns:a16="http://schemas.microsoft.com/office/drawing/2014/main" val="2900542627"/>
+                    <a16:rowId xmlns:a16="http://schemas.microsoft.com/office/drawing/2014/main" xmlns="" val="2900542627"/>
                   </a:ext>
                 </a:extLst>
               </a:tr>
@@ -17519,7 +17519,7 @@
           <p:cNvPr id="47" name="Table 7">
             <a:extLst>
               <a:ext uri="{FF2B5EF4-FFF2-40B4-BE49-F238E27FC236}">
-                <a16:creationId xmlns="" xmlns:a16="http://schemas.microsoft.com/office/drawing/2014/main" id="{E2733EC1-EB88-C648-87E0-76CEB6B22F5F}"/>
+                <a16:creationId xmlns:a16="http://schemas.microsoft.com/office/drawing/2014/main" xmlns="" id="{E2733EC1-EB88-C648-87E0-76CEB6B22F5F}"/>
               </a:ext>
             </a:extLst>
           </p:cNvPr>
@@ -17529,7 +17529,7 @@
           <p:nvPr>
             <p:extLst>
               <p:ext uri="{D42A27DB-BD31-4B8C-83A1-F6EECF244321}">
-                <p14:modId xmlns="" xmlns:p14="http://schemas.microsoft.com/office/powerpoint/2010/main" val="2620340027"/>
+                <p14:modId xmlns:p14="http://schemas.microsoft.com/office/powerpoint/2010/main" xmlns="" val="2620340027"/>
               </p:ext>
             </p:extLst>
           </p:nvPr>
@@ -17548,7 +17548,7 @@
                 <a:gridCol w="144000">
                   <a:extLst>
                     <a:ext uri="{9D8B030D-6E8A-4147-A177-3AD203B41FA5}">
-                      <a16:colId xmlns="" xmlns:a16="http://schemas.microsoft.com/office/drawing/2014/main" val="3021301464"/>
+                      <a16:colId xmlns:a16="http://schemas.microsoft.com/office/drawing/2014/main" xmlns="" val="3021301464"/>
                     </a:ext>
                   </a:extLst>
                 </a:gridCol>
@@ -17574,7 +17574,7 @@
                 </a:tc>
                 <a:extLst>
                   <a:ext uri="{0D108BD9-81ED-4DB2-BD59-A6C34878D82A}">
-                    <a16:rowId xmlns="" xmlns:a16="http://schemas.microsoft.com/office/drawing/2014/main" val="3351181703"/>
+                    <a16:rowId xmlns:a16="http://schemas.microsoft.com/office/drawing/2014/main" xmlns="" val="3351181703"/>
                   </a:ext>
                 </a:extLst>
               </a:tr>
@@ -17587,7 +17587,7 @@
           <p:cNvPr id="48" name="Table 47">
             <a:extLst>
               <a:ext uri="{FF2B5EF4-FFF2-40B4-BE49-F238E27FC236}">
-                <a16:creationId xmlns="" xmlns:a16="http://schemas.microsoft.com/office/drawing/2014/main" id="{2D3EE498-E93D-8BA1-618E-BB5CB9E0DAA0}"/>
+                <a16:creationId xmlns:a16="http://schemas.microsoft.com/office/drawing/2014/main" xmlns="" id="{2D3EE498-E93D-8BA1-618E-BB5CB9E0DAA0}"/>
               </a:ext>
             </a:extLst>
           </p:cNvPr>
@@ -17597,7 +17597,7 @@
           <p:nvPr>
             <p:extLst>
               <p:ext uri="{D42A27DB-BD31-4B8C-83A1-F6EECF244321}">
-                <p14:modId xmlns="" xmlns:p14="http://schemas.microsoft.com/office/powerpoint/2010/main" val="4059037764"/>
+                <p14:modId xmlns:p14="http://schemas.microsoft.com/office/powerpoint/2010/main" xmlns="" val="4059037764"/>
               </p:ext>
             </p:extLst>
           </p:nvPr>
@@ -17616,7 +17616,7 @@
                 <a:gridCol w="144000">
                   <a:extLst>
                     <a:ext uri="{9D8B030D-6E8A-4147-A177-3AD203B41FA5}">
-                      <a16:colId xmlns="" xmlns:a16="http://schemas.microsoft.com/office/drawing/2014/main" val="3021301464"/>
+                      <a16:colId xmlns:a16="http://schemas.microsoft.com/office/drawing/2014/main" xmlns="" val="3021301464"/>
                     </a:ext>
                   </a:extLst>
                 </a:gridCol>
@@ -17642,7 +17642,7 @@
                 </a:tc>
                 <a:extLst>
                   <a:ext uri="{0D108BD9-81ED-4DB2-BD59-A6C34878D82A}">
-                    <a16:rowId xmlns="" xmlns:a16="http://schemas.microsoft.com/office/drawing/2014/main" val="3351181703"/>
+                    <a16:rowId xmlns:a16="http://schemas.microsoft.com/office/drawing/2014/main" xmlns="" val="3351181703"/>
                   </a:ext>
                 </a:extLst>
               </a:tr>
@@ -17655,7 +17655,7 @@
           <p:cNvPr id="49" name="Table 7">
             <a:extLst>
               <a:ext uri="{FF2B5EF4-FFF2-40B4-BE49-F238E27FC236}">
-                <a16:creationId xmlns="" xmlns:a16="http://schemas.microsoft.com/office/drawing/2014/main" id="{0487D9E0-DDE5-1463-F55C-A0D2FBA2464B}"/>
+                <a16:creationId xmlns:a16="http://schemas.microsoft.com/office/drawing/2014/main" xmlns="" id="{0487D9E0-DDE5-1463-F55C-A0D2FBA2464B}"/>
               </a:ext>
             </a:extLst>
           </p:cNvPr>
@@ -17665,7 +17665,7 @@
           <p:nvPr>
             <p:extLst>
               <p:ext uri="{D42A27DB-BD31-4B8C-83A1-F6EECF244321}">
-                <p14:modId xmlns="" xmlns:p14="http://schemas.microsoft.com/office/powerpoint/2010/main" val="3524508128"/>
+                <p14:modId xmlns:p14="http://schemas.microsoft.com/office/powerpoint/2010/main" xmlns="" val="3524508128"/>
               </p:ext>
             </p:extLst>
           </p:nvPr>
@@ -17684,7 +17684,7 @@
                 <a:gridCol w="144000">
                   <a:extLst>
                     <a:ext uri="{9D8B030D-6E8A-4147-A177-3AD203B41FA5}">
-                      <a16:colId xmlns="" xmlns:a16="http://schemas.microsoft.com/office/drawing/2014/main" val="3021301464"/>
+                      <a16:colId xmlns:a16="http://schemas.microsoft.com/office/drawing/2014/main" xmlns="" val="3021301464"/>
                     </a:ext>
                   </a:extLst>
                 </a:gridCol>
@@ -17710,7 +17710,7 @@
                 </a:tc>
                 <a:extLst>
                   <a:ext uri="{0D108BD9-81ED-4DB2-BD59-A6C34878D82A}">
-                    <a16:rowId xmlns="" xmlns:a16="http://schemas.microsoft.com/office/drawing/2014/main" val="3351181703"/>
+                    <a16:rowId xmlns:a16="http://schemas.microsoft.com/office/drawing/2014/main" xmlns="" val="3351181703"/>
                   </a:ext>
                 </a:extLst>
               </a:tr>
@@ -17723,7 +17723,7 @@
           <p:cNvPr id="50" name="TextBox 49">
             <a:extLst>
               <a:ext uri="{FF2B5EF4-FFF2-40B4-BE49-F238E27FC236}">
-                <a16:creationId xmlns="" xmlns:a16="http://schemas.microsoft.com/office/drawing/2014/main" id="{12963693-AECD-25B5-86CA-0E543E60CDD9}"/>
+                <a16:creationId xmlns:a16="http://schemas.microsoft.com/office/drawing/2014/main" xmlns="" id="{12963693-AECD-25B5-86CA-0E543E60CDD9}"/>
               </a:ext>
             </a:extLst>
           </p:cNvPr>
@@ -17811,7 +17811,7 @@
           <p:cNvPr id="52" name="TextBox 51">
             <a:extLst>
               <a:ext uri="{FF2B5EF4-FFF2-40B4-BE49-F238E27FC236}">
-                <a16:creationId xmlns="" xmlns:a16="http://schemas.microsoft.com/office/drawing/2014/main" id="{7B1DDA02-C372-055B-F0F1-71FB8630A952}"/>
+                <a16:creationId xmlns:a16="http://schemas.microsoft.com/office/drawing/2014/main" xmlns="" id="{7B1DDA02-C372-055B-F0F1-71FB8630A952}"/>
               </a:ext>
             </a:extLst>
           </p:cNvPr>
@@ -17855,7 +17855,7 @@
           <p:cNvPr id="53" name="Table 52">
             <a:extLst>
               <a:ext uri="{FF2B5EF4-FFF2-40B4-BE49-F238E27FC236}">
-                <a16:creationId xmlns="" xmlns:a16="http://schemas.microsoft.com/office/drawing/2014/main" id="{77E5138C-DE02-143D-58E3-EDB0EBAF5C7D}"/>
+                <a16:creationId xmlns:a16="http://schemas.microsoft.com/office/drawing/2014/main" xmlns="" id="{77E5138C-DE02-143D-58E3-EDB0EBAF5C7D}"/>
               </a:ext>
             </a:extLst>
           </p:cNvPr>
@@ -17865,7 +17865,7 @@
           <p:nvPr>
             <p:extLst>
               <p:ext uri="{D42A27DB-BD31-4B8C-83A1-F6EECF244321}">
-                <p14:modId xmlns="" xmlns:p14="http://schemas.microsoft.com/office/powerpoint/2010/main" val="1549567788"/>
+                <p14:modId xmlns:p14="http://schemas.microsoft.com/office/powerpoint/2010/main" xmlns="" val="1549567788"/>
               </p:ext>
             </p:extLst>
           </p:nvPr>
@@ -17884,7 +17884,7 @@
                 <a:gridCol w="144000">
                   <a:extLst>
                     <a:ext uri="{9D8B030D-6E8A-4147-A177-3AD203B41FA5}">
-                      <a16:colId xmlns="" xmlns:a16="http://schemas.microsoft.com/office/drawing/2014/main" val="3021301464"/>
+                      <a16:colId xmlns:a16="http://schemas.microsoft.com/office/drawing/2014/main" xmlns="" val="3021301464"/>
                     </a:ext>
                   </a:extLst>
                 </a:gridCol>
@@ -17910,7 +17910,7 @@
                 </a:tc>
                 <a:extLst>
                   <a:ext uri="{0D108BD9-81ED-4DB2-BD59-A6C34878D82A}">
-                    <a16:rowId xmlns="" xmlns:a16="http://schemas.microsoft.com/office/drawing/2014/main" val="3351181703"/>
+                    <a16:rowId xmlns:a16="http://schemas.microsoft.com/office/drawing/2014/main" xmlns="" val="3351181703"/>
                   </a:ext>
                 </a:extLst>
               </a:tr>
@@ -17923,7 +17923,7 @@
           <p:cNvPr id="54" name="Table 53">
             <a:extLst>
               <a:ext uri="{FF2B5EF4-FFF2-40B4-BE49-F238E27FC236}">
-                <a16:creationId xmlns="" xmlns:a16="http://schemas.microsoft.com/office/drawing/2014/main" id="{BE02DCAC-A1B4-8F6B-4F26-B2FDBCD63770}"/>
+                <a16:creationId xmlns:a16="http://schemas.microsoft.com/office/drawing/2014/main" xmlns="" id="{BE02DCAC-A1B4-8F6B-4F26-B2FDBCD63770}"/>
               </a:ext>
             </a:extLst>
           </p:cNvPr>
@@ -17933,7 +17933,7 @@
           <p:nvPr>
             <p:extLst>
               <p:ext uri="{D42A27DB-BD31-4B8C-83A1-F6EECF244321}">
-                <p14:modId xmlns="" xmlns:p14="http://schemas.microsoft.com/office/powerpoint/2010/main" val="1307239101"/>
+                <p14:modId xmlns:p14="http://schemas.microsoft.com/office/powerpoint/2010/main" xmlns="" val="1307239101"/>
               </p:ext>
             </p:extLst>
           </p:nvPr>
@@ -17952,7 +17952,7 @@
                 <a:gridCol w="144000">
                   <a:extLst>
                     <a:ext uri="{9D8B030D-6E8A-4147-A177-3AD203B41FA5}">
-                      <a16:colId xmlns="" xmlns:a16="http://schemas.microsoft.com/office/drawing/2014/main" val="3021301464"/>
+                      <a16:colId xmlns:a16="http://schemas.microsoft.com/office/drawing/2014/main" xmlns="" val="3021301464"/>
                     </a:ext>
                   </a:extLst>
                 </a:gridCol>
@@ -17978,7 +17978,7 @@
                 </a:tc>
                 <a:extLst>
                   <a:ext uri="{0D108BD9-81ED-4DB2-BD59-A6C34878D82A}">
-                    <a16:rowId xmlns="" xmlns:a16="http://schemas.microsoft.com/office/drawing/2014/main" val="3351181703"/>
+                    <a16:rowId xmlns:a16="http://schemas.microsoft.com/office/drawing/2014/main" xmlns="" val="3351181703"/>
                   </a:ext>
                 </a:extLst>
               </a:tr>
@@ -17991,7 +17991,7 @@
           <p:cNvPr id="55" name="Table 54">
             <a:extLst>
               <a:ext uri="{FF2B5EF4-FFF2-40B4-BE49-F238E27FC236}">
-                <a16:creationId xmlns="" xmlns:a16="http://schemas.microsoft.com/office/drawing/2014/main" id="{B37E1A4F-9807-C19F-C67C-2880B7E34AF6}"/>
+                <a16:creationId xmlns:a16="http://schemas.microsoft.com/office/drawing/2014/main" xmlns="" id="{B37E1A4F-9807-C19F-C67C-2880B7E34AF6}"/>
               </a:ext>
             </a:extLst>
           </p:cNvPr>
@@ -18001,7 +18001,7 @@
           <p:nvPr>
             <p:extLst>
               <p:ext uri="{D42A27DB-BD31-4B8C-83A1-F6EECF244321}">
-                <p14:modId xmlns="" xmlns:p14="http://schemas.microsoft.com/office/powerpoint/2010/main" val="2060388588"/>
+                <p14:modId xmlns:p14="http://schemas.microsoft.com/office/powerpoint/2010/main" xmlns="" val="2060388588"/>
               </p:ext>
             </p:extLst>
           </p:nvPr>
@@ -18020,7 +18020,7 @@
                 <a:gridCol w="144000">
                   <a:extLst>
                     <a:ext uri="{9D8B030D-6E8A-4147-A177-3AD203B41FA5}">
-                      <a16:colId xmlns="" xmlns:a16="http://schemas.microsoft.com/office/drawing/2014/main" val="3021301464"/>
+                      <a16:colId xmlns:a16="http://schemas.microsoft.com/office/drawing/2014/main" xmlns="" val="3021301464"/>
                     </a:ext>
                   </a:extLst>
                 </a:gridCol>
@@ -18046,7 +18046,7 @@
                 </a:tc>
                 <a:extLst>
                   <a:ext uri="{0D108BD9-81ED-4DB2-BD59-A6C34878D82A}">
-                    <a16:rowId xmlns="" xmlns:a16="http://schemas.microsoft.com/office/drawing/2014/main" val="3351181703"/>
+                    <a16:rowId xmlns:a16="http://schemas.microsoft.com/office/drawing/2014/main" xmlns="" val="3351181703"/>
                   </a:ext>
                 </a:extLst>
               </a:tr>
@@ -18059,7 +18059,7 @@
           <p:cNvPr id="56" name="Table 55">
             <a:extLst>
               <a:ext uri="{FF2B5EF4-FFF2-40B4-BE49-F238E27FC236}">
-                <a16:creationId xmlns="" xmlns:a16="http://schemas.microsoft.com/office/drawing/2014/main" id="{DC1006D5-0C49-7A69-BB3F-69A774C55008}"/>
+                <a16:creationId xmlns:a16="http://schemas.microsoft.com/office/drawing/2014/main" xmlns="" id="{DC1006D5-0C49-7A69-BB3F-69A774C55008}"/>
               </a:ext>
             </a:extLst>
           </p:cNvPr>
@@ -18069,7 +18069,7 @@
           <p:nvPr>
             <p:extLst>
               <p:ext uri="{D42A27DB-BD31-4B8C-83A1-F6EECF244321}">
-                <p14:modId xmlns="" xmlns:p14="http://schemas.microsoft.com/office/powerpoint/2010/main" val="3283940"/>
+                <p14:modId xmlns:p14="http://schemas.microsoft.com/office/powerpoint/2010/main" xmlns="" val="3283940"/>
               </p:ext>
             </p:extLst>
           </p:nvPr>
@@ -18088,7 +18088,7 @@
                 <a:gridCol w="144000">
                   <a:extLst>
                     <a:ext uri="{9D8B030D-6E8A-4147-A177-3AD203B41FA5}">
-                      <a16:colId xmlns="" xmlns:a16="http://schemas.microsoft.com/office/drawing/2014/main" val="3021301464"/>
+                      <a16:colId xmlns:a16="http://schemas.microsoft.com/office/drawing/2014/main" xmlns="" val="3021301464"/>
                     </a:ext>
                   </a:extLst>
                 </a:gridCol>
@@ -18114,7 +18114,7 @@
                 </a:tc>
                 <a:extLst>
                   <a:ext uri="{0D108BD9-81ED-4DB2-BD59-A6C34878D82A}">
-                    <a16:rowId xmlns="" xmlns:a16="http://schemas.microsoft.com/office/drawing/2014/main" val="3351181703"/>
+                    <a16:rowId xmlns:a16="http://schemas.microsoft.com/office/drawing/2014/main" xmlns="" val="3351181703"/>
                   </a:ext>
                 </a:extLst>
               </a:tr>
@@ -18127,7 +18127,7 @@
           <p:cNvPr id="57" name="Table 6">
             <a:extLst>
               <a:ext uri="{FF2B5EF4-FFF2-40B4-BE49-F238E27FC236}">
-                <a16:creationId xmlns="" xmlns:a16="http://schemas.microsoft.com/office/drawing/2014/main" id="{0E5D5544-48FE-943F-E56D-268AC57A55FA}"/>
+                <a16:creationId xmlns:a16="http://schemas.microsoft.com/office/drawing/2014/main" xmlns="" id="{0E5D5544-48FE-943F-E56D-268AC57A55FA}"/>
               </a:ext>
             </a:extLst>
           </p:cNvPr>
@@ -18137,7 +18137,7 @@
           <p:nvPr>
             <p:extLst>
               <p:ext uri="{D42A27DB-BD31-4B8C-83A1-F6EECF244321}">
-                <p14:modId xmlns="" xmlns:p14="http://schemas.microsoft.com/office/powerpoint/2010/main" val="1508394262"/>
+                <p14:modId xmlns:p14="http://schemas.microsoft.com/office/powerpoint/2010/main" xmlns="" val="1508394262"/>
               </p:ext>
             </p:extLst>
           </p:nvPr>
@@ -18156,112 +18156,112 @@
                 <a:gridCol w="146471">
                   <a:extLst>
                     <a:ext uri="{9D8B030D-6E8A-4147-A177-3AD203B41FA5}">
-                      <a16:colId xmlns="" xmlns:a16="http://schemas.microsoft.com/office/drawing/2014/main" val="1596807211"/>
+                      <a16:colId xmlns:a16="http://schemas.microsoft.com/office/drawing/2014/main" xmlns="" val="1596807211"/>
                     </a:ext>
                   </a:extLst>
                 </a:gridCol>
                 <a:gridCol w="146471">
                   <a:extLst>
                     <a:ext uri="{9D8B030D-6E8A-4147-A177-3AD203B41FA5}">
-                      <a16:colId xmlns="" xmlns:a16="http://schemas.microsoft.com/office/drawing/2014/main" val="2333902748"/>
+                      <a16:colId xmlns:a16="http://schemas.microsoft.com/office/drawing/2014/main" xmlns="" val="2333902748"/>
                     </a:ext>
                   </a:extLst>
                 </a:gridCol>
                 <a:gridCol w="146471">
                   <a:extLst>
                     <a:ext uri="{9D8B030D-6E8A-4147-A177-3AD203B41FA5}">
-                      <a16:colId xmlns="" xmlns:a16="http://schemas.microsoft.com/office/drawing/2014/main" val="4158973136"/>
+                      <a16:colId xmlns:a16="http://schemas.microsoft.com/office/drawing/2014/main" xmlns="" val="4158973136"/>
                     </a:ext>
                   </a:extLst>
                 </a:gridCol>
                 <a:gridCol w="146471">
                   <a:extLst>
                     <a:ext uri="{9D8B030D-6E8A-4147-A177-3AD203B41FA5}">
-                      <a16:colId xmlns="" xmlns:a16="http://schemas.microsoft.com/office/drawing/2014/main" val="2956168261"/>
+                      <a16:colId xmlns:a16="http://schemas.microsoft.com/office/drawing/2014/main" xmlns="" val="2956168261"/>
                     </a:ext>
                   </a:extLst>
                 </a:gridCol>
                 <a:gridCol w="146471">
                   <a:extLst>
                     <a:ext uri="{9D8B030D-6E8A-4147-A177-3AD203B41FA5}">
-                      <a16:colId xmlns="" xmlns:a16="http://schemas.microsoft.com/office/drawing/2014/main" val="3020465944"/>
+                      <a16:colId xmlns:a16="http://schemas.microsoft.com/office/drawing/2014/main" xmlns="" val="3020465944"/>
                     </a:ext>
                   </a:extLst>
                 </a:gridCol>
                 <a:gridCol w="146471">
                   <a:extLst>
                     <a:ext uri="{9D8B030D-6E8A-4147-A177-3AD203B41FA5}">
-                      <a16:colId xmlns="" xmlns:a16="http://schemas.microsoft.com/office/drawing/2014/main" val="2708855996"/>
+                      <a16:colId xmlns:a16="http://schemas.microsoft.com/office/drawing/2014/main" xmlns="" val="2708855996"/>
                     </a:ext>
                   </a:extLst>
                 </a:gridCol>
                 <a:gridCol w="146471">
                   <a:extLst>
                     <a:ext uri="{9D8B030D-6E8A-4147-A177-3AD203B41FA5}">
-                      <a16:colId xmlns="" xmlns:a16="http://schemas.microsoft.com/office/drawing/2014/main" val="414118707"/>
+                      <a16:colId xmlns:a16="http://schemas.microsoft.com/office/drawing/2014/main" xmlns="" val="414118707"/>
                     </a:ext>
                   </a:extLst>
                 </a:gridCol>
                 <a:gridCol w="146471">
                   <a:extLst>
                     <a:ext uri="{9D8B030D-6E8A-4147-A177-3AD203B41FA5}">
-                      <a16:colId xmlns="" xmlns:a16="http://schemas.microsoft.com/office/drawing/2014/main" val="698481345"/>
+                      <a16:colId xmlns:a16="http://schemas.microsoft.com/office/drawing/2014/main" xmlns="" val="698481345"/>
                     </a:ext>
                   </a:extLst>
                 </a:gridCol>
                 <a:gridCol w="146471">
                   <a:extLst>
                     <a:ext uri="{9D8B030D-6E8A-4147-A177-3AD203B41FA5}">
-                      <a16:colId xmlns="" xmlns:a16="http://schemas.microsoft.com/office/drawing/2014/main" val="234257500"/>
+                      <a16:colId xmlns:a16="http://schemas.microsoft.com/office/drawing/2014/main" xmlns="" val="234257500"/>
                     </a:ext>
                   </a:extLst>
                 </a:gridCol>
                 <a:gridCol w="146471">
                   <a:extLst>
                     <a:ext uri="{9D8B030D-6E8A-4147-A177-3AD203B41FA5}">
-                      <a16:colId xmlns="" xmlns:a16="http://schemas.microsoft.com/office/drawing/2014/main" val="3467964161"/>
+                      <a16:colId xmlns:a16="http://schemas.microsoft.com/office/drawing/2014/main" xmlns="" val="3467964161"/>
                     </a:ext>
                   </a:extLst>
                 </a:gridCol>
                 <a:gridCol w="146471">
                   <a:extLst>
                     <a:ext uri="{9D8B030D-6E8A-4147-A177-3AD203B41FA5}">
-                      <a16:colId xmlns="" xmlns:a16="http://schemas.microsoft.com/office/drawing/2014/main" val="448163374"/>
+                      <a16:colId xmlns:a16="http://schemas.microsoft.com/office/drawing/2014/main" xmlns="" val="448163374"/>
                     </a:ext>
                   </a:extLst>
                 </a:gridCol>
                 <a:gridCol w="146471">
                   <a:extLst>
                     <a:ext uri="{9D8B030D-6E8A-4147-A177-3AD203B41FA5}">
-                      <a16:colId xmlns="" xmlns:a16="http://schemas.microsoft.com/office/drawing/2014/main" val="680087072"/>
+                      <a16:colId xmlns:a16="http://schemas.microsoft.com/office/drawing/2014/main" xmlns="" val="680087072"/>
                     </a:ext>
                   </a:extLst>
                 </a:gridCol>
                 <a:gridCol w="146471">
                   <a:extLst>
                     <a:ext uri="{9D8B030D-6E8A-4147-A177-3AD203B41FA5}">
-                      <a16:colId xmlns="" xmlns:a16="http://schemas.microsoft.com/office/drawing/2014/main" val="3331563236"/>
+                      <a16:colId xmlns:a16="http://schemas.microsoft.com/office/drawing/2014/main" xmlns="" val="3331563236"/>
                     </a:ext>
                   </a:extLst>
                 </a:gridCol>
                 <a:gridCol w="146471">
                   <a:extLst>
                     <a:ext uri="{9D8B030D-6E8A-4147-A177-3AD203B41FA5}">
-                      <a16:colId xmlns="" xmlns:a16="http://schemas.microsoft.com/office/drawing/2014/main" val="1862912922"/>
+                      <a16:colId xmlns:a16="http://schemas.microsoft.com/office/drawing/2014/main" xmlns="" val="1862912922"/>
                     </a:ext>
                   </a:extLst>
                 </a:gridCol>
                 <a:gridCol w="146471">
                   <a:extLst>
                     <a:ext uri="{9D8B030D-6E8A-4147-A177-3AD203B41FA5}">
-                      <a16:colId xmlns="" xmlns:a16="http://schemas.microsoft.com/office/drawing/2014/main" val="1803571372"/>
+                      <a16:colId xmlns:a16="http://schemas.microsoft.com/office/drawing/2014/main" xmlns="" val="1803571372"/>
                     </a:ext>
                   </a:extLst>
                 </a:gridCol>
                 <a:gridCol w="146471">
                   <a:extLst>
                     <a:ext uri="{9D8B030D-6E8A-4147-A177-3AD203B41FA5}">
-                      <a16:colId xmlns="" xmlns:a16="http://schemas.microsoft.com/office/drawing/2014/main" val="134947292"/>
+                      <a16:colId xmlns:a16="http://schemas.microsoft.com/office/drawing/2014/main" xmlns="" val="134947292"/>
                     </a:ext>
                   </a:extLst>
                 </a:gridCol>
@@ -19355,7 +19355,7 @@
                 </a:tc>
                 <a:extLst>
                   <a:ext uri="{0D108BD9-81ED-4DB2-BD59-A6C34878D82A}">
-                    <a16:rowId xmlns="" xmlns:a16="http://schemas.microsoft.com/office/drawing/2014/main" val="815588539"/>
+                    <a16:rowId xmlns:a16="http://schemas.microsoft.com/office/drawing/2014/main" xmlns="" val="815588539"/>
                   </a:ext>
                 </a:extLst>
               </a:tr>
@@ -20480,7 +20480,7 @@
                 </a:tc>
                 <a:extLst>
                   <a:ext uri="{0D108BD9-81ED-4DB2-BD59-A6C34878D82A}">
-                    <a16:rowId xmlns="" xmlns:a16="http://schemas.microsoft.com/office/drawing/2014/main" val="2900542627"/>
+                    <a16:rowId xmlns:a16="http://schemas.microsoft.com/office/drawing/2014/main" xmlns="" val="2900542627"/>
                   </a:ext>
                 </a:extLst>
               </a:tr>
@@ -20493,7 +20493,7 @@
           <p:cNvPr id="58" name="Table 7">
             <a:extLst>
               <a:ext uri="{FF2B5EF4-FFF2-40B4-BE49-F238E27FC236}">
-                <a16:creationId xmlns="" xmlns:a16="http://schemas.microsoft.com/office/drawing/2014/main" id="{90907064-ED4A-FC83-3F8F-D2150A6832CD}"/>
+                <a16:creationId xmlns:a16="http://schemas.microsoft.com/office/drawing/2014/main" xmlns="" id="{90907064-ED4A-FC83-3F8F-D2150A6832CD}"/>
               </a:ext>
             </a:extLst>
           </p:cNvPr>
@@ -20503,7 +20503,7 @@
           <p:nvPr>
             <p:extLst>
               <p:ext uri="{D42A27DB-BD31-4B8C-83A1-F6EECF244321}">
-                <p14:modId xmlns="" xmlns:p14="http://schemas.microsoft.com/office/powerpoint/2010/main" val="2307109495"/>
+                <p14:modId xmlns:p14="http://schemas.microsoft.com/office/powerpoint/2010/main" xmlns="" val="2307109495"/>
               </p:ext>
             </p:extLst>
           </p:nvPr>
@@ -20522,7 +20522,7 @@
                 <a:gridCol w="144000">
                   <a:extLst>
                     <a:ext uri="{9D8B030D-6E8A-4147-A177-3AD203B41FA5}">
-                      <a16:colId xmlns="" xmlns:a16="http://schemas.microsoft.com/office/drawing/2014/main" val="3021301464"/>
+                      <a16:colId xmlns:a16="http://schemas.microsoft.com/office/drawing/2014/main" xmlns="" val="3021301464"/>
                     </a:ext>
                   </a:extLst>
                 </a:gridCol>
@@ -20548,7 +20548,7 @@
                 </a:tc>
                 <a:extLst>
                   <a:ext uri="{0D108BD9-81ED-4DB2-BD59-A6C34878D82A}">
-                    <a16:rowId xmlns="" xmlns:a16="http://schemas.microsoft.com/office/drawing/2014/main" val="3351181703"/>
+                    <a16:rowId xmlns:a16="http://schemas.microsoft.com/office/drawing/2014/main" xmlns="" val="3351181703"/>
                   </a:ext>
                 </a:extLst>
               </a:tr>
@@ -20561,7 +20561,7 @@
           <p:cNvPr id="59" name="Table 58">
             <a:extLst>
               <a:ext uri="{FF2B5EF4-FFF2-40B4-BE49-F238E27FC236}">
-                <a16:creationId xmlns="" xmlns:a16="http://schemas.microsoft.com/office/drawing/2014/main" id="{1B46D03A-0F0B-4EE5-D157-D51D998C4067}"/>
+                <a16:creationId xmlns:a16="http://schemas.microsoft.com/office/drawing/2014/main" xmlns="" id="{1B46D03A-0F0B-4EE5-D157-D51D998C4067}"/>
               </a:ext>
             </a:extLst>
           </p:cNvPr>
@@ -20571,7 +20571,7 @@
           <p:nvPr>
             <p:extLst>
               <p:ext uri="{D42A27DB-BD31-4B8C-83A1-F6EECF244321}">
-                <p14:modId xmlns="" xmlns:p14="http://schemas.microsoft.com/office/powerpoint/2010/main" val="457388603"/>
+                <p14:modId xmlns:p14="http://schemas.microsoft.com/office/powerpoint/2010/main" xmlns="" val="457388603"/>
               </p:ext>
             </p:extLst>
           </p:nvPr>
@@ -20590,7 +20590,7 @@
                 <a:gridCol w="144000">
                   <a:extLst>
                     <a:ext uri="{9D8B030D-6E8A-4147-A177-3AD203B41FA5}">
-                      <a16:colId xmlns="" xmlns:a16="http://schemas.microsoft.com/office/drawing/2014/main" val="3021301464"/>
+                      <a16:colId xmlns:a16="http://schemas.microsoft.com/office/drawing/2014/main" xmlns="" val="3021301464"/>
                     </a:ext>
                   </a:extLst>
                 </a:gridCol>
@@ -20616,7 +20616,7 @@
                 </a:tc>
                 <a:extLst>
                   <a:ext uri="{0D108BD9-81ED-4DB2-BD59-A6C34878D82A}">
-                    <a16:rowId xmlns="" xmlns:a16="http://schemas.microsoft.com/office/drawing/2014/main" val="3351181703"/>
+                    <a16:rowId xmlns:a16="http://schemas.microsoft.com/office/drawing/2014/main" xmlns="" val="3351181703"/>
                   </a:ext>
                 </a:extLst>
               </a:tr>
@@ -20629,7 +20629,7 @@
           <p:cNvPr id="60" name="Table 7">
             <a:extLst>
               <a:ext uri="{FF2B5EF4-FFF2-40B4-BE49-F238E27FC236}">
-                <a16:creationId xmlns="" xmlns:a16="http://schemas.microsoft.com/office/drawing/2014/main" id="{1581FAF3-A6DF-DAFC-F523-6B2F45430182}"/>
+                <a16:creationId xmlns:a16="http://schemas.microsoft.com/office/drawing/2014/main" xmlns="" id="{1581FAF3-A6DF-DAFC-F523-6B2F45430182}"/>
               </a:ext>
             </a:extLst>
           </p:cNvPr>
@@ -20639,7 +20639,7 @@
           <p:nvPr>
             <p:extLst>
               <p:ext uri="{D42A27DB-BD31-4B8C-83A1-F6EECF244321}">
-                <p14:modId xmlns="" xmlns:p14="http://schemas.microsoft.com/office/powerpoint/2010/main" val="403581187"/>
+                <p14:modId xmlns:p14="http://schemas.microsoft.com/office/powerpoint/2010/main" xmlns="" val="403581187"/>
               </p:ext>
             </p:extLst>
           </p:nvPr>
@@ -20658,7 +20658,7 @@
                 <a:gridCol w="144000">
                   <a:extLst>
                     <a:ext uri="{9D8B030D-6E8A-4147-A177-3AD203B41FA5}">
-                      <a16:colId xmlns="" xmlns:a16="http://schemas.microsoft.com/office/drawing/2014/main" val="3021301464"/>
+                      <a16:colId xmlns:a16="http://schemas.microsoft.com/office/drawing/2014/main" xmlns="" val="3021301464"/>
                     </a:ext>
                   </a:extLst>
                 </a:gridCol>
@@ -20684,7 +20684,7 @@
                 </a:tc>
                 <a:extLst>
                   <a:ext uri="{0D108BD9-81ED-4DB2-BD59-A6C34878D82A}">
-                    <a16:rowId xmlns="" xmlns:a16="http://schemas.microsoft.com/office/drawing/2014/main" val="3351181703"/>
+                    <a16:rowId xmlns:a16="http://schemas.microsoft.com/office/drawing/2014/main" xmlns="" val="3351181703"/>
                   </a:ext>
                 </a:extLst>
               </a:tr>
@@ -20697,7 +20697,7 @@
           <p:cNvPr id="61" name="TextBox 60">
             <a:extLst>
               <a:ext uri="{FF2B5EF4-FFF2-40B4-BE49-F238E27FC236}">
-                <a16:creationId xmlns="" xmlns:a16="http://schemas.microsoft.com/office/drawing/2014/main" id="{ECA53F84-9AC9-48DD-104B-F854DA8D42CB}"/>
+                <a16:creationId xmlns:a16="http://schemas.microsoft.com/office/drawing/2014/main" xmlns="" id="{ECA53F84-9AC9-48DD-104B-F854DA8D42CB}"/>
               </a:ext>
             </a:extLst>
           </p:cNvPr>
@@ -20770,7 +20770,7 @@
           <p:cNvPr id="63" name="TextBox 62">
             <a:extLst>
               <a:ext uri="{FF2B5EF4-FFF2-40B4-BE49-F238E27FC236}">
-                <a16:creationId xmlns="" xmlns:a16="http://schemas.microsoft.com/office/drawing/2014/main" id="{E4A524B2-0DF3-C9E0-631D-5F0EF8958E09}"/>
+                <a16:creationId xmlns:a16="http://schemas.microsoft.com/office/drawing/2014/main" xmlns="" id="{E4A524B2-0DF3-C9E0-631D-5F0EF8958E09}"/>
               </a:ext>
             </a:extLst>
           </p:cNvPr>
@@ -20814,7 +20814,7 @@
           <p:cNvPr id="64" name="TextBox 63">
             <a:extLst>
               <a:ext uri="{FF2B5EF4-FFF2-40B4-BE49-F238E27FC236}">
-                <a16:creationId xmlns="" xmlns:a16="http://schemas.microsoft.com/office/drawing/2014/main" id="{79BE31BD-5D40-94D9-3663-99ABF3888D83}"/>
+                <a16:creationId xmlns:a16="http://schemas.microsoft.com/office/drawing/2014/main" xmlns="" id="{79BE31BD-5D40-94D9-3663-99ABF3888D83}"/>
               </a:ext>
             </a:extLst>
           </p:cNvPr>
@@ -20850,7 +20850,7 @@
           <p:cNvPr id="65" name="TextBox 64">
             <a:extLst>
               <a:ext uri="{FF2B5EF4-FFF2-40B4-BE49-F238E27FC236}">
-                <a16:creationId xmlns="" xmlns:a16="http://schemas.microsoft.com/office/drawing/2014/main" id="{47FA0F92-AF85-D5CE-2A54-494FDA5F02BF}"/>
+                <a16:creationId xmlns:a16="http://schemas.microsoft.com/office/drawing/2014/main" xmlns="" id="{47FA0F92-AF85-D5CE-2A54-494FDA5F02BF}"/>
               </a:ext>
             </a:extLst>
           </p:cNvPr>
@@ -20886,7 +20886,7 @@
           <p:cNvPr id="66" name="Table 6">
             <a:extLst>
               <a:ext uri="{FF2B5EF4-FFF2-40B4-BE49-F238E27FC236}">
-                <a16:creationId xmlns="" xmlns:a16="http://schemas.microsoft.com/office/drawing/2014/main" id="{2BABFB37-A1BE-0B3D-F223-E0B33C7C3113}"/>
+                <a16:creationId xmlns:a16="http://schemas.microsoft.com/office/drawing/2014/main" xmlns="" id="{2BABFB37-A1BE-0B3D-F223-E0B33C7C3113}"/>
               </a:ext>
             </a:extLst>
           </p:cNvPr>
@@ -20896,7 +20896,7 @@
           <p:nvPr>
             <p:extLst>
               <p:ext uri="{D42A27DB-BD31-4B8C-83A1-F6EECF244321}">
-                <p14:modId xmlns="" xmlns:p14="http://schemas.microsoft.com/office/powerpoint/2010/main" val="709775875"/>
+                <p14:modId xmlns:p14="http://schemas.microsoft.com/office/powerpoint/2010/main" xmlns="" val="709775875"/>
               </p:ext>
             </p:extLst>
           </p:nvPr>
@@ -20915,112 +20915,112 @@
                 <a:gridCol w="146471">
                   <a:extLst>
                     <a:ext uri="{9D8B030D-6E8A-4147-A177-3AD203B41FA5}">
-                      <a16:colId xmlns="" xmlns:a16="http://schemas.microsoft.com/office/drawing/2014/main" val="1596807211"/>
+                      <a16:colId xmlns:a16="http://schemas.microsoft.com/office/drawing/2014/main" xmlns="" val="1596807211"/>
                     </a:ext>
                   </a:extLst>
                 </a:gridCol>
                 <a:gridCol w="146471">
                   <a:extLst>
                     <a:ext uri="{9D8B030D-6E8A-4147-A177-3AD203B41FA5}">
-                      <a16:colId xmlns="" xmlns:a16="http://schemas.microsoft.com/office/drawing/2014/main" val="2333902748"/>
+                      <a16:colId xmlns:a16="http://schemas.microsoft.com/office/drawing/2014/main" xmlns="" val="2333902748"/>
                     </a:ext>
                   </a:extLst>
                 </a:gridCol>
                 <a:gridCol w="146471">
                   <a:extLst>
                     <a:ext uri="{9D8B030D-6E8A-4147-A177-3AD203B41FA5}">
-                      <a16:colId xmlns="" xmlns:a16="http://schemas.microsoft.com/office/drawing/2014/main" val="4158973136"/>
+                      <a16:colId xmlns:a16="http://schemas.microsoft.com/office/drawing/2014/main" xmlns="" val="4158973136"/>
                     </a:ext>
                   </a:extLst>
                 </a:gridCol>
                 <a:gridCol w="146471">
                   <a:extLst>
                     <a:ext uri="{9D8B030D-6E8A-4147-A177-3AD203B41FA5}">
-                      <a16:colId xmlns="" xmlns:a16="http://schemas.microsoft.com/office/drawing/2014/main" val="2956168261"/>
+                      <a16:colId xmlns:a16="http://schemas.microsoft.com/office/drawing/2014/main" xmlns="" val="2956168261"/>
                     </a:ext>
                   </a:extLst>
                 </a:gridCol>
                 <a:gridCol w="146471">
                   <a:extLst>
                     <a:ext uri="{9D8B030D-6E8A-4147-A177-3AD203B41FA5}">
-                      <a16:colId xmlns="" xmlns:a16="http://schemas.microsoft.com/office/drawing/2014/main" val="3020465944"/>
+                      <a16:colId xmlns:a16="http://schemas.microsoft.com/office/drawing/2014/main" xmlns="" val="3020465944"/>
                     </a:ext>
                   </a:extLst>
                 </a:gridCol>
                 <a:gridCol w="146471">
                   <a:extLst>
                     <a:ext uri="{9D8B030D-6E8A-4147-A177-3AD203B41FA5}">
-                      <a16:colId xmlns="" xmlns:a16="http://schemas.microsoft.com/office/drawing/2014/main" val="2708855996"/>
+                      <a16:colId xmlns:a16="http://schemas.microsoft.com/office/drawing/2014/main" xmlns="" val="2708855996"/>
                     </a:ext>
                   </a:extLst>
                 </a:gridCol>
                 <a:gridCol w="146471">
                   <a:extLst>
                     <a:ext uri="{9D8B030D-6E8A-4147-A177-3AD203B41FA5}">
-                      <a16:colId xmlns="" xmlns:a16="http://schemas.microsoft.com/office/drawing/2014/main" val="414118707"/>
+                      <a16:colId xmlns:a16="http://schemas.microsoft.com/office/drawing/2014/main" xmlns="" val="414118707"/>
                     </a:ext>
                   </a:extLst>
                 </a:gridCol>
                 <a:gridCol w="146471">
                   <a:extLst>
                     <a:ext uri="{9D8B030D-6E8A-4147-A177-3AD203B41FA5}">
-                      <a16:colId xmlns="" xmlns:a16="http://schemas.microsoft.com/office/drawing/2014/main" val="698481345"/>
+                      <a16:colId xmlns:a16="http://schemas.microsoft.com/office/drawing/2014/main" xmlns="" val="698481345"/>
                     </a:ext>
                   </a:extLst>
                 </a:gridCol>
                 <a:gridCol w="146471">
                   <a:extLst>
                     <a:ext uri="{9D8B030D-6E8A-4147-A177-3AD203B41FA5}">
-                      <a16:colId xmlns="" xmlns:a16="http://schemas.microsoft.com/office/drawing/2014/main" val="234257500"/>
+                      <a16:colId xmlns:a16="http://schemas.microsoft.com/office/drawing/2014/main" xmlns="" val="234257500"/>
                     </a:ext>
                   </a:extLst>
                 </a:gridCol>
                 <a:gridCol w="146471">
                   <a:extLst>
                     <a:ext uri="{9D8B030D-6E8A-4147-A177-3AD203B41FA5}">
-                      <a16:colId xmlns="" xmlns:a16="http://schemas.microsoft.com/office/drawing/2014/main" val="3467964161"/>
+                      <a16:colId xmlns:a16="http://schemas.microsoft.com/office/drawing/2014/main" xmlns="" val="3467964161"/>
                     </a:ext>
                   </a:extLst>
                 </a:gridCol>
                 <a:gridCol w="146471">
                   <a:extLst>
                     <a:ext uri="{9D8B030D-6E8A-4147-A177-3AD203B41FA5}">
-                      <a16:colId xmlns="" xmlns:a16="http://schemas.microsoft.com/office/drawing/2014/main" val="448163374"/>
+                      <a16:colId xmlns:a16="http://schemas.microsoft.com/office/drawing/2014/main" xmlns="" val="448163374"/>
                     </a:ext>
                   </a:extLst>
                 </a:gridCol>
                 <a:gridCol w="146471">
                   <a:extLst>
                     <a:ext uri="{9D8B030D-6E8A-4147-A177-3AD203B41FA5}">
-                      <a16:colId xmlns="" xmlns:a16="http://schemas.microsoft.com/office/drawing/2014/main" val="680087072"/>
+                      <a16:colId xmlns:a16="http://schemas.microsoft.com/office/drawing/2014/main" xmlns="" val="680087072"/>
                     </a:ext>
                   </a:extLst>
                 </a:gridCol>
                 <a:gridCol w="146471">
                   <a:extLst>
                     <a:ext uri="{9D8B030D-6E8A-4147-A177-3AD203B41FA5}">
-                      <a16:colId xmlns="" xmlns:a16="http://schemas.microsoft.com/office/drawing/2014/main" val="3331563236"/>
+                      <a16:colId xmlns:a16="http://schemas.microsoft.com/office/drawing/2014/main" xmlns="" val="3331563236"/>
                     </a:ext>
                   </a:extLst>
                 </a:gridCol>
                 <a:gridCol w="146471">
                   <a:extLst>
                     <a:ext uri="{9D8B030D-6E8A-4147-A177-3AD203B41FA5}">
-                      <a16:colId xmlns="" xmlns:a16="http://schemas.microsoft.com/office/drawing/2014/main" val="1862912922"/>
+                      <a16:colId xmlns:a16="http://schemas.microsoft.com/office/drawing/2014/main" xmlns="" val="1862912922"/>
                     </a:ext>
                   </a:extLst>
                 </a:gridCol>
                 <a:gridCol w="146471">
                   <a:extLst>
                     <a:ext uri="{9D8B030D-6E8A-4147-A177-3AD203B41FA5}">
-                      <a16:colId xmlns="" xmlns:a16="http://schemas.microsoft.com/office/drawing/2014/main" val="1803571372"/>
+                      <a16:colId xmlns:a16="http://schemas.microsoft.com/office/drawing/2014/main" xmlns="" val="1803571372"/>
                     </a:ext>
                   </a:extLst>
                 </a:gridCol>
                 <a:gridCol w="146471">
                   <a:extLst>
                     <a:ext uri="{9D8B030D-6E8A-4147-A177-3AD203B41FA5}">
-                      <a16:colId xmlns="" xmlns:a16="http://schemas.microsoft.com/office/drawing/2014/main" val="134947292"/>
+                      <a16:colId xmlns:a16="http://schemas.microsoft.com/office/drawing/2014/main" xmlns="" val="134947292"/>
                     </a:ext>
                   </a:extLst>
                 </a:gridCol>
@@ -22122,7 +22122,7 @@
                 </a:tc>
                 <a:extLst>
                   <a:ext uri="{0D108BD9-81ED-4DB2-BD59-A6C34878D82A}">
-                    <a16:rowId xmlns="" xmlns:a16="http://schemas.microsoft.com/office/drawing/2014/main" val="815588539"/>
+                    <a16:rowId xmlns:a16="http://schemas.microsoft.com/office/drawing/2014/main" xmlns="" val="815588539"/>
                   </a:ext>
                 </a:extLst>
               </a:tr>
@@ -23263,7 +23263,7 @@
                 </a:tc>
                 <a:extLst>
                   <a:ext uri="{0D108BD9-81ED-4DB2-BD59-A6C34878D82A}">
-                    <a16:rowId xmlns="" xmlns:a16="http://schemas.microsoft.com/office/drawing/2014/main" val="2900542627"/>
+                    <a16:rowId xmlns:a16="http://schemas.microsoft.com/office/drawing/2014/main" xmlns="" val="2900542627"/>
                   </a:ext>
                 </a:extLst>
               </a:tr>
@@ -23276,7 +23276,7 @@
           <p:cNvPr id="67" name="Table 7">
             <a:extLst>
               <a:ext uri="{FF2B5EF4-FFF2-40B4-BE49-F238E27FC236}">
-                <a16:creationId xmlns="" xmlns:a16="http://schemas.microsoft.com/office/drawing/2014/main" id="{D8BFE17A-41B5-AFD9-8070-1620630B8CFD}"/>
+                <a16:creationId xmlns:a16="http://schemas.microsoft.com/office/drawing/2014/main" xmlns="" id="{D8BFE17A-41B5-AFD9-8070-1620630B8CFD}"/>
               </a:ext>
             </a:extLst>
           </p:cNvPr>
@@ -23286,7 +23286,7 @@
           <p:nvPr>
             <p:extLst>
               <p:ext uri="{D42A27DB-BD31-4B8C-83A1-F6EECF244321}">
-                <p14:modId xmlns="" xmlns:p14="http://schemas.microsoft.com/office/powerpoint/2010/main" val="1858899364"/>
+                <p14:modId xmlns:p14="http://schemas.microsoft.com/office/powerpoint/2010/main" xmlns="" val="1858899364"/>
               </p:ext>
             </p:extLst>
           </p:nvPr>
@@ -23305,7 +23305,7 @@
                 <a:gridCol w="144000">
                   <a:extLst>
                     <a:ext uri="{9D8B030D-6E8A-4147-A177-3AD203B41FA5}">
-                      <a16:colId xmlns="" xmlns:a16="http://schemas.microsoft.com/office/drawing/2014/main" val="3021301464"/>
+                      <a16:colId xmlns:a16="http://schemas.microsoft.com/office/drawing/2014/main" xmlns="" val="3021301464"/>
                     </a:ext>
                   </a:extLst>
                 </a:gridCol>
@@ -23331,7 +23331,7 @@
                 </a:tc>
                 <a:extLst>
                   <a:ext uri="{0D108BD9-81ED-4DB2-BD59-A6C34878D82A}">
-                    <a16:rowId xmlns="" xmlns:a16="http://schemas.microsoft.com/office/drawing/2014/main" val="3351181703"/>
+                    <a16:rowId xmlns:a16="http://schemas.microsoft.com/office/drawing/2014/main" xmlns="" val="3351181703"/>
                   </a:ext>
                 </a:extLst>
               </a:tr>
@@ -23344,7 +23344,7 @@
           <p:cNvPr id="68" name="Table 67">
             <a:extLst>
               <a:ext uri="{FF2B5EF4-FFF2-40B4-BE49-F238E27FC236}">
-                <a16:creationId xmlns="" xmlns:a16="http://schemas.microsoft.com/office/drawing/2014/main" id="{26432F8F-99DF-638A-7E7D-3F9F59925DB5}"/>
+                <a16:creationId xmlns:a16="http://schemas.microsoft.com/office/drawing/2014/main" xmlns="" id="{26432F8F-99DF-638A-7E7D-3F9F59925DB5}"/>
               </a:ext>
             </a:extLst>
           </p:cNvPr>
@@ -23354,7 +23354,7 @@
           <p:nvPr>
             <p:extLst>
               <p:ext uri="{D42A27DB-BD31-4B8C-83A1-F6EECF244321}">
-                <p14:modId xmlns="" xmlns:p14="http://schemas.microsoft.com/office/powerpoint/2010/main" val="3488375744"/>
+                <p14:modId xmlns:p14="http://schemas.microsoft.com/office/powerpoint/2010/main" xmlns="" val="3488375744"/>
               </p:ext>
             </p:extLst>
           </p:nvPr>
@@ -23373,7 +23373,7 @@
                 <a:gridCol w="144000">
                   <a:extLst>
                     <a:ext uri="{9D8B030D-6E8A-4147-A177-3AD203B41FA5}">
-                      <a16:colId xmlns="" xmlns:a16="http://schemas.microsoft.com/office/drawing/2014/main" val="3021301464"/>
+                      <a16:colId xmlns:a16="http://schemas.microsoft.com/office/drawing/2014/main" xmlns="" val="3021301464"/>
                     </a:ext>
                   </a:extLst>
                 </a:gridCol>
@@ -23399,7 +23399,7 @@
                 </a:tc>
                 <a:extLst>
                   <a:ext uri="{0D108BD9-81ED-4DB2-BD59-A6C34878D82A}">
-                    <a16:rowId xmlns="" xmlns:a16="http://schemas.microsoft.com/office/drawing/2014/main" val="3351181703"/>
+                    <a16:rowId xmlns:a16="http://schemas.microsoft.com/office/drawing/2014/main" xmlns="" val="3351181703"/>
                   </a:ext>
                 </a:extLst>
               </a:tr>
@@ -23412,7 +23412,7 @@
           <p:cNvPr id="69" name="Table 7">
             <a:extLst>
               <a:ext uri="{FF2B5EF4-FFF2-40B4-BE49-F238E27FC236}">
-                <a16:creationId xmlns="" xmlns:a16="http://schemas.microsoft.com/office/drawing/2014/main" id="{6AA82D04-1A9E-FD0F-5F63-CA9F4197EE45}"/>
+                <a16:creationId xmlns:a16="http://schemas.microsoft.com/office/drawing/2014/main" xmlns="" id="{6AA82D04-1A9E-FD0F-5F63-CA9F4197EE45}"/>
               </a:ext>
             </a:extLst>
           </p:cNvPr>
@@ -23422,7 +23422,7 @@
           <p:nvPr>
             <p:extLst>
               <p:ext uri="{D42A27DB-BD31-4B8C-83A1-F6EECF244321}">
-                <p14:modId xmlns="" xmlns:p14="http://schemas.microsoft.com/office/powerpoint/2010/main" val="2612321385"/>
+                <p14:modId xmlns:p14="http://schemas.microsoft.com/office/powerpoint/2010/main" xmlns="" val="2612321385"/>
               </p:ext>
             </p:extLst>
           </p:nvPr>
@@ -23441,7 +23441,7 @@
                 <a:gridCol w="144000">
                   <a:extLst>
                     <a:ext uri="{9D8B030D-6E8A-4147-A177-3AD203B41FA5}">
-                      <a16:colId xmlns="" xmlns:a16="http://schemas.microsoft.com/office/drawing/2014/main" val="3021301464"/>
+                      <a16:colId xmlns:a16="http://schemas.microsoft.com/office/drawing/2014/main" xmlns="" val="3021301464"/>
                     </a:ext>
                   </a:extLst>
                 </a:gridCol>
@@ -23467,7 +23467,7 @@
                 </a:tc>
                 <a:extLst>
                   <a:ext uri="{0D108BD9-81ED-4DB2-BD59-A6C34878D82A}">
-                    <a16:rowId xmlns="" xmlns:a16="http://schemas.microsoft.com/office/drawing/2014/main" val="3351181703"/>
+                    <a16:rowId xmlns:a16="http://schemas.microsoft.com/office/drawing/2014/main" xmlns="" val="3351181703"/>
                   </a:ext>
                 </a:extLst>
               </a:tr>
@@ -23480,7 +23480,7 @@
           <p:cNvPr id="70" name="TextBox 69">
             <a:extLst>
               <a:ext uri="{FF2B5EF4-FFF2-40B4-BE49-F238E27FC236}">
-                <a16:creationId xmlns="" xmlns:a16="http://schemas.microsoft.com/office/drawing/2014/main" id="{32E0E898-E8BF-8786-99CD-791D322F800F}"/>
+                <a16:creationId xmlns:a16="http://schemas.microsoft.com/office/drawing/2014/main" xmlns="" id="{32E0E898-E8BF-8786-99CD-791D322F800F}"/>
               </a:ext>
             </a:extLst>
           </p:cNvPr>
@@ -23572,7 +23572,7 @@
           <p:cNvPr id="72" name="TextBox 71">
             <a:extLst>
               <a:ext uri="{FF2B5EF4-FFF2-40B4-BE49-F238E27FC236}">
-                <a16:creationId xmlns="" xmlns:a16="http://schemas.microsoft.com/office/drawing/2014/main" id="{ADA893FC-1789-90DA-A40D-06DF7891EA7D}"/>
+                <a16:creationId xmlns:a16="http://schemas.microsoft.com/office/drawing/2014/main" xmlns="" id="{ADA893FC-1789-90DA-A40D-06DF7891EA7D}"/>
               </a:ext>
             </a:extLst>
           </p:cNvPr>
@@ -23656,7 +23656,7 @@
           <p:cNvPr id="73" name="Table 72">
             <a:extLst>
               <a:ext uri="{FF2B5EF4-FFF2-40B4-BE49-F238E27FC236}">
-                <a16:creationId xmlns="" xmlns:a16="http://schemas.microsoft.com/office/drawing/2014/main" id="{10B46F8A-7093-205D-7139-62304972BA89}"/>
+                <a16:creationId xmlns:a16="http://schemas.microsoft.com/office/drawing/2014/main" xmlns="" id="{10B46F8A-7093-205D-7139-62304972BA89}"/>
               </a:ext>
             </a:extLst>
           </p:cNvPr>
@@ -23666,7 +23666,7 @@
           <p:nvPr>
             <p:extLst>
               <p:ext uri="{D42A27DB-BD31-4B8C-83A1-F6EECF244321}">
-                <p14:modId xmlns="" xmlns:p14="http://schemas.microsoft.com/office/powerpoint/2010/main" val="2091909874"/>
+                <p14:modId xmlns:p14="http://schemas.microsoft.com/office/powerpoint/2010/main" xmlns="" val="2091909874"/>
               </p:ext>
             </p:extLst>
           </p:nvPr>
@@ -23685,7 +23685,7 @@
                 <a:gridCol w="144000">
                   <a:extLst>
                     <a:ext uri="{9D8B030D-6E8A-4147-A177-3AD203B41FA5}">
-                      <a16:colId xmlns="" xmlns:a16="http://schemas.microsoft.com/office/drawing/2014/main" val="3021301464"/>
+                      <a16:colId xmlns:a16="http://schemas.microsoft.com/office/drawing/2014/main" xmlns="" val="3021301464"/>
                     </a:ext>
                   </a:extLst>
                 </a:gridCol>
@@ -23711,7 +23711,7 @@
                 </a:tc>
                 <a:extLst>
                   <a:ext uri="{0D108BD9-81ED-4DB2-BD59-A6C34878D82A}">
-                    <a16:rowId xmlns="" xmlns:a16="http://schemas.microsoft.com/office/drawing/2014/main" val="3351181703"/>
+                    <a16:rowId xmlns:a16="http://schemas.microsoft.com/office/drawing/2014/main" xmlns="" val="3351181703"/>
                   </a:ext>
                 </a:extLst>
               </a:tr>
@@ -23724,7 +23724,7 @@
           <p:cNvPr id="74" name="Table 73">
             <a:extLst>
               <a:ext uri="{FF2B5EF4-FFF2-40B4-BE49-F238E27FC236}">
-                <a16:creationId xmlns="" xmlns:a16="http://schemas.microsoft.com/office/drawing/2014/main" id="{3268CA7A-196D-7DFD-0F50-F6059AB48D90}"/>
+                <a16:creationId xmlns:a16="http://schemas.microsoft.com/office/drawing/2014/main" xmlns="" id="{3268CA7A-196D-7DFD-0F50-F6059AB48D90}"/>
               </a:ext>
             </a:extLst>
           </p:cNvPr>
@@ -23734,7 +23734,7 @@
           <p:nvPr>
             <p:extLst>
               <p:ext uri="{D42A27DB-BD31-4B8C-83A1-F6EECF244321}">
-                <p14:modId xmlns="" xmlns:p14="http://schemas.microsoft.com/office/powerpoint/2010/main" val="668024024"/>
+                <p14:modId xmlns:p14="http://schemas.microsoft.com/office/powerpoint/2010/main" xmlns="" val="668024024"/>
               </p:ext>
             </p:extLst>
           </p:nvPr>
@@ -23753,7 +23753,7 @@
                 <a:gridCol w="144000">
                   <a:extLst>
                     <a:ext uri="{9D8B030D-6E8A-4147-A177-3AD203B41FA5}">
-                      <a16:colId xmlns="" xmlns:a16="http://schemas.microsoft.com/office/drawing/2014/main" val="3021301464"/>
+                      <a16:colId xmlns:a16="http://schemas.microsoft.com/office/drawing/2014/main" xmlns="" val="3021301464"/>
                     </a:ext>
                   </a:extLst>
                 </a:gridCol>
@@ -23779,7 +23779,7 @@
                 </a:tc>
                 <a:extLst>
                   <a:ext uri="{0D108BD9-81ED-4DB2-BD59-A6C34878D82A}">
-                    <a16:rowId xmlns="" xmlns:a16="http://schemas.microsoft.com/office/drawing/2014/main" val="3351181703"/>
+                    <a16:rowId xmlns:a16="http://schemas.microsoft.com/office/drawing/2014/main" xmlns="" val="3351181703"/>
                   </a:ext>
                 </a:extLst>
               </a:tr>
@@ -23792,7 +23792,7 @@
           <p:cNvPr id="75" name="Table 74">
             <a:extLst>
               <a:ext uri="{FF2B5EF4-FFF2-40B4-BE49-F238E27FC236}">
-                <a16:creationId xmlns="" xmlns:a16="http://schemas.microsoft.com/office/drawing/2014/main" id="{173CE51F-1D39-59BD-CE73-F776398AE846}"/>
+                <a16:creationId xmlns:a16="http://schemas.microsoft.com/office/drawing/2014/main" xmlns="" id="{173CE51F-1D39-59BD-CE73-F776398AE846}"/>
               </a:ext>
             </a:extLst>
           </p:cNvPr>
@@ -23802,7 +23802,7 @@
           <p:nvPr>
             <p:extLst>
               <p:ext uri="{D42A27DB-BD31-4B8C-83A1-F6EECF244321}">
-                <p14:modId xmlns="" xmlns:p14="http://schemas.microsoft.com/office/powerpoint/2010/main" val="2928625772"/>
+                <p14:modId xmlns:p14="http://schemas.microsoft.com/office/powerpoint/2010/main" xmlns="" val="2928625772"/>
               </p:ext>
             </p:extLst>
           </p:nvPr>
@@ -23821,7 +23821,7 @@
                 <a:gridCol w="144000">
                   <a:extLst>
                     <a:ext uri="{9D8B030D-6E8A-4147-A177-3AD203B41FA5}">
-                      <a16:colId xmlns="" xmlns:a16="http://schemas.microsoft.com/office/drawing/2014/main" val="3021301464"/>
+                      <a16:colId xmlns:a16="http://schemas.microsoft.com/office/drawing/2014/main" xmlns="" val="3021301464"/>
                     </a:ext>
                   </a:extLst>
                 </a:gridCol>
@@ -23847,7 +23847,7 @@
                 </a:tc>
                 <a:extLst>
                   <a:ext uri="{0D108BD9-81ED-4DB2-BD59-A6C34878D82A}">
-                    <a16:rowId xmlns="" xmlns:a16="http://schemas.microsoft.com/office/drawing/2014/main" val="3351181703"/>
+                    <a16:rowId xmlns:a16="http://schemas.microsoft.com/office/drawing/2014/main" xmlns="" val="3351181703"/>
                   </a:ext>
                 </a:extLst>
               </a:tr>
@@ -23860,7 +23860,7 @@
           <p:cNvPr id="76" name="Table 75">
             <a:extLst>
               <a:ext uri="{FF2B5EF4-FFF2-40B4-BE49-F238E27FC236}">
-                <a16:creationId xmlns="" xmlns:a16="http://schemas.microsoft.com/office/drawing/2014/main" id="{C6F6AF49-747A-7B80-3DCE-7F1BEBABF09A}"/>
+                <a16:creationId xmlns:a16="http://schemas.microsoft.com/office/drawing/2014/main" xmlns="" id="{C6F6AF49-747A-7B80-3DCE-7F1BEBABF09A}"/>
               </a:ext>
             </a:extLst>
           </p:cNvPr>
@@ -23870,7 +23870,7 @@
           <p:nvPr>
             <p:extLst>
               <p:ext uri="{D42A27DB-BD31-4B8C-83A1-F6EECF244321}">
-                <p14:modId xmlns="" xmlns:p14="http://schemas.microsoft.com/office/powerpoint/2010/main" val="1311594023"/>
+                <p14:modId xmlns:p14="http://schemas.microsoft.com/office/powerpoint/2010/main" xmlns="" val="1311594023"/>
               </p:ext>
             </p:extLst>
           </p:nvPr>
@@ -23889,7 +23889,7 @@
                 <a:gridCol w="144000">
                   <a:extLst>
                     <a:ext uri="{9D8B030D-6E8A-4147-A177-3AD203B41FA5}">
-                      <a16:colId xmlns="" xmlns:a16="http://schemas.microsoft.com/office/drawing/2014/main" val="3021301464"/>
+                      <a16:colId xmlns:a16="http://schemas.microsoft.com/office/drawing/2014/main" xmlns="" val="3021301464"/>
                     </a:ext>
                   </a:extLst>
                 </a:gridCol>
@@ -23915,7 +23915,7 @@
                 </a:tc>
                 <a:extLst>
                   <a:ext uri="{0D108BD9-81ED-4DB2-BD59-A6C34878D82A}">
-                    <a16:rowId xmlns="" xmlns:a16="http://schemas.microsoft.com/office/drawing/2014/main" val="3351181703"/>
+                    <a16:rowId xmlns:a16="http://schemas.microsoft.com/office/drawing/2014/main" xmlns="" val="3351181703"/>
                   </a:ext>
                 </a:extLst>
               </a:tr>
@@ -23928,7 +23928,7 @@
           <p:cNvPr id="77" name="Table 7">
             <a:extLst>
               <a:ext uri="{FF2B5EF4-FFF2-40B4-BE49-F238E27FC236}">
-                <a16:creationId xmlns="" xmlns:a16="http://schemas.microsoft.com/office/drawing/2014/main" id="{B0939A91-8C6C-DAC6-E6E9-17AAEEB952FA}"/>
+                <a16:creationId xmlns:a16="http://schemas.microsoft.com/office/drawing/2014/main" xmlns="" id="{B0939A91-8C6C-DAC6-E6E9-17AAEEB952FA}"/>
               </a:ext>
             </a:extLst>
           </p:cNvPr>
@@ -23938,7 +23938,7 @@
           <p:nvPr>
             <p:extLst>
               <p:ext uri="{D42A27DB-BD31-4B8C-83A1-F6EECF244321}">
-                <p14:modId xmlns="" xmlns:p14="http://schemas.microsoft.com/office/powerpoint/2010/main" val="2743982427"/>
+                <p14:modId xmlns:p14="http://schemas.microsoft.com/office/powerpoint/2010/main" xmlns="" val="2743982427"/>
               </p:ext>
             </p:extLst>
           </p:nvPr>
@@ -23957,7 +23957,7 @@
                 <a:gridCol w="144000">
                   <a:extLst>
                     <a:ext uri="{9D8B030D-6E8A-4147-A177-3AD203B41FA5}">
-                      <a16:colId xmlns="" xmlns:a16="http://schemas.microsoft.com/office/drawing/2014/main" val="3021301464"/>
+                      <a16:colId xmlns:a16="http://schemas.microsoft.com/office/drawing/2014/main" xmlns="" val="3021301464"/>
                     </a:ext>
                   </a:extLst>
                 </a:gridCol>
@@ -23983,7 +23983,7 @@
                 </a:tc>
                 <a:extLst>
                   <a:ext uri="{0D108BD9-81ED-4DB2-BD59-A6C34878D82A}">
-                    <a16:rowId xmlns="" xmlns:a16="http://schemas.microsoft.com/office/drawing/2014/main" val="3351181703"/>
+                    <a16:rowId xmlns:a16="http://schemas.microsoft.com/office/drawing/2014/main" xmlns="" val="3351181703"/>
                   </a:ext>
                 </a:extLst>
               </a:tr>
@@ -23996,7 +23996,7 @@
           <p:cNvPr id="79" name="Table 6">
             <a:extLst>
               <a:ext uri="{FF2B5EF4-FFF2-40B4-BE49-F238E27FC236}">
-                <a16:creationId xmlns="" xmlns:a16="http://schemas.microsoft.com/office/drawing/2014/main" id="{9444C2D6-B8E5-F74A-3694-8AD13A56C55F}"/>
+                <a16:creationId xmlns:a16="http://schemas.microsoft.com/office/drawing/2014/main" xmlns="" id="{9444C2D6-B8E5-F74A-3694-8AD13A56C55F}"/>
               </a:ext>
             </a:extLst>
           </p:cNvPr>
@@ -24006,7 +24006,7 @@
           <p:nvPr>
             <p:extLst>
               <p:ext uri="{D42A27DB-BD31-4B8C-83A1-F6EECF244321}">
-                <p14:modId xmlns="" xmlns:p14="http://schemas.microsoft.com/office/powerpoint/2010/main" val="156287466"/>
+                <p14:modId xmlns:p14="http://schemas.microsoft.com/office/powerpoint/2010/main" xmlns="" val="156287466"/>
               </p:ext>
             </p:extLst>
           </p:nvPr>
@@ -24025,112 +24025,112 @@
                 <a:gridCol w="146471">
                   <a:extLst>
                     <a:ext uri="{9D8B030D-6E8A-4147-A177-3AD203B41FA5}">
-                      <a16:colId xmlns="" xmlns:a16="http://schemas.microsoft.com/office/drawing/2014/main" val="1596807211"/>
+                      <a16:colId xmlns:a16="http://schemas.microsoft.com/office/drawing/2014/main" xmlns="" val="1596807211"/>
                     </a:ext>
                   </a:extLst>
                 </a:gridCol>
                 <a:gridCol w="146471">
                   <a:extLst>
                     <a:ext uri="{9D8B030D-6E8A-4147-A177-3AD203B41FA5}">
-                      <a16:colId xmlns="" xmlns:a16="http://schemas.microsoft.com/office/drawing/2014/main" val="2333902748"/>
+                      <a16:colId xmlns:a16="http://schemas.microsoft.com/office/drawing/2014/main" xmlns="" val="2333902748"/>
                     </a:ext>
                   </a:extLst>
                 </a:gridCol>
                 <a:gridCol w="146471">
                   <a:extLst>
                     <a:ext uri="{9D8B030D-6E8A-4147-A177-3AD203B41FA5}">
-                      <a16:colId xmlns="" xmlns:a16="http://schemas.microsoft.com/office/drawing/2014/main" val="4158973136"/>
+                      <a16:colId xmlns:a16="http://schemas.microsoft.com/office/drawing/2014/main" xmlns="" val="4158973136"/>
                     </a:ext>
                   </a:extLst>
                 </a:gridCol>
                 <a:gridCol w="146471">
                   <a:extLst>
                     <a:ext uri="{9D8B030D-6E8A-4147-A177-3AD203B41FA5}">
-                      <a16:colId xmlns="" xmlns:a16="http://schemas.microsoft.com/office/drawing/2014/main" val="2956168261"/>
+                      <a16:colId xmlns:a16="http://schemas.microsoft.com/office/drawing/2014/main" xmlns="" val="2956168261"/>
                     </a:ext>
                   </a:extLst>
                 </a:gridCol>
                 <a:gridCol w="146471">
                   <a:extLst>
                     <a:ext uri="{9D8B030D-6E8A-4147-A177-3AD203B41FA5}">
-                      <a16:colId xmlns="" xmlns:a16="http://schemas.microsoft.com/office/drawing/2014/main" val="3020465944"/>
+                      <a16:colId xmlns:a16="http://schemas.microsoft.com/office/drawing/2014/main" xmlns="" val="3020465944"/>
                     </a:ext>
                   </a:extLst>
                 </a:gridCol>
                 <a:gridCol w="146471">
                   <a:extLst>
                     <a:ext uri="{9D8B030D-6E8A-4147-A177-3AD203B41FA5}">
-                      <a16:colId xmlns="" xmlns:a16="http://schemas.microsoft.com/office/drawing/2014/main" val="2708855996"/>
+                      <a16:colId xmlns:a16="http://schemas.microsoft.com/office/drawing/2014/main" xmlns="" val="2708855996"/>
                     </a:ext>
                   </a:extLst>
                 </a:gridCol>
                 <a:gridCol w="146471">
                   <a:extLst>
                     <a:ext uri="{9D8B030D-6E8A-4147-A177-3AD203B41FA5}">
-                      <a16:colId xmlns="" xmlns:a16="http://schemas.microsoft.com/office/drawing/2014/main" val="414118707"/>
+                      <a16:colId xmlns:a16="http://schemas.microsoft.com/office/drawing/2014/main" xmlns="" val="414118707"/>
                     </a:ext>
                   </a:extLst>
                 </a:gridCol>
                 <a:gridCol w="146471">
                   <a:extLst>
                     <a:ext uri="{9D8B030D-6E8A-4147-A177-3AD203B41FA5}">
-                      <a16:colId xmlns="" xmlns:a16="http://schemas.microsoft.com/office/drawing/2014/main" val="698481345"/>
+                      <a16:colId xmlns:a16="http://schemas.microsoft.com/office/drawing/2014/main" xmlns="" val="698481345"/>
                     </a:ext>
                   </a:extLst>
                 </a:gridCol>
                 <a:gridCol w="146471">
                   <a:extLst>
                     <a:ext uri="{9D8B030D-6E8A-4147-A177-3AD203B41FA5}">
-                      <a16:colId xmlns="" xmlns:a16="http://schemas.microsoft.com/office/drawing/2014/main" val="234257500"/>
+                      <a16:colId xmlns:a16="http://schemas.microsoft.com/office/drawing/2014/main" xmlns="" val="234257500"/>
                     </a:ext>
                   </a:extLst>
                 </a:gridCol>
                 <a:gridCol w="146471">
                   <a:extLst>
                     <a:ext uri="{9D8B030D-6E8A-4147-A177-3AD203B41FA5}">
-                      <a16:colId xmlns="" xmlns:a16="http://schemas.microsoft.com/office/drawing/2014/main" val="3467964161"/>
+                      <a16:colId xmlns:a16="http://schemas.microsoft.com/office/drawing/2014/main" xmlns="" val="3467964161"/>
                     </a:ext>
                   </a:extLst>
                 </a:gridCol>
                 <a:gridCol w="146471">
                   <a:extLst>
                     <a:ext uri="{9D8B030D-6E8A-4147-A177-3AD203B41FA5}">
-                      <a16:colId xmlns="" xmlns:a16="http://schemas.microsoft.com/office/drawing/2014/main" val="448163374"/>
+                      <a16:colId xmlns:a16="http://schemas.microsoft.com/office/drawing/2014/main" xmlns="" val="448163374"/>
                     </a:ext>
                   </a:extLst>
                 </a:gridCol>
                 <a:gridCol w="146471">
                   <a:extLst>
                     <a:ext uri="{9D8B030D-6E8A-4147-A177-3AD203B41FA5}">
-                      <a16:colId xmlns="" xmlns:a16="http://schemas.microsoft.com/office/drawing/2014/main" val="680087072"/>
+                      <a16:colId xmlns:a16="http://schemas.microsoft.com/office/drawing/2014/main" xmlns="" val="680087072"/>
                     </a:ext>
                   </a:extLst>
                 </a:gridCol>
                 <a:gridCol w="146471">
                   <a:extLst>
                     <a:ext uri="{9D8B030D-6E8A-4147-A177-3AD203B41FA5}">
-                      <a16:colId xmlns="" xmlns:a16="http://schemas.microsoft.com/office/drawing/2014/main" val="3331563236"/>
+                      <a16:colId xmlns:a16="http://schemas.microsoft.com/office/drawing/2014/main" xmlns="" val="3331563236"/>
                     </a:ext>
                   </a:extLst>
                 </a:gridCol>
                 <a:gridCol w="146471">
                   <a:extLst>
                     <a:ext uri="{9D8B030D-6E8A-4147-A177-3AD203B41FA5}">
-                      <a16:colId xmlns="" xmlns:a16="http://schemas.microsoft.com/office/drawing/2014/main" val="1862912922"/>
+                      <a16:colId xmlns:a16="http://schemas.microsoft.com/office/drawing/2014/main" xmlns="" val="1862912922"/>
                     </a:ext>
                   </a:extLst>
                 </a:gridCol>
                 <a:gridCol w="146471">
                   <a:extLst>
                     <a:ext uri="{9D8B030D-6E8A-4147-A177-3AD203B41FA5}">
-                      <a16:colId xmlns="" xmlns:a16="http://schemas.microsoft.com/office/drawing/2014/main" val="1803571372"/>
+                      <a16:colId xmlns:a16="http://schemas.microsoft.com/office/drawing/2014/main" xmlns="" val="1803571372"/>
                     </a:ext>
                   </a:extLst>
                 </a:gridCol>
                 <a:gridCol w="146471">
                   <a:extLst>
                     <a:ext uri="{9D8B030D-6E8A-4147-A177-3AD203B41FA5}">
-                      <a16:colId xmlns="" xmlns:a16="http://schemas.microsoft.com/office/drawing/2014/main" val="134947292"/>
+                      <a16:colId xmlns:a16="http://schemas.microsoft.com/office/drawing/2014/main" xmlns="" val="134947292"/>
                     </a:ext>
                   </a:extLst>
                 </a:gridCol>
@@ -25384,7 +25384,7 @@
                 </a:tc>
                 <a:extLst>
                   <a:ext uri="{0D108BD9-81ED-4DB2-BD59-A6C34878D82A}">
-                    <a16:rowId xmlns="" xmlns:a16="http://schemas.microsoft.com/office/drawing/2014/main" val="815588539"/>
+                    <a16:rowId xmlns:a16="http://schemas.microsoft.com/office/drawing/2014/main" xmlns="" val="815588539"/>
                   </a:ext>
                 </a:extLst>
               </a:tr>
@@ -26517,7 +26517,7 @@
                 </a:tc>
                 <a:extLst>
                   <a:ext uri="{0D108BD9-81ED-4DB2-BD59-A6C34878D82A}">
-                    <a16:rowId xmlns="" xmlns:a16="http://schemas.microsoft.com/office/drawing/2014/main" val="2900542627"/>
+                    <a16:rowId xmlns:a16="http://schemas.microsoft.com/office/drawing/2014/main" xmlns="" val="2900542627"/>
                   </a:ext>
                 </a:extLst>
               </a:tr>
@@ -26530,7 +26530,7 @@
           <p:cNvPr id="81" name="TextBox 80">
             <a:extLst>
               <a:ext uri="{FF2B5EF4-FFF2-40B4-BE49-F238E27FC236}">
-                <a16:creationId xmlns="" xmlns:a16="http://schemas.microsoft.com/office/drawing/2014/main" id="{C5DBAC91-E2ED-DF61-11F0-12CF22EF108B}"/>
+                <a16:creationId xmlns:a16="http://schemas.microsoft.com/office/drawing/2014/main" xmlns="" id="{C5DBAC91-E2ED-DF61-11F0-12CF22EF108B}"/>
               </a:ext>
             </a:extLst>
           </p:cNvPr>
@@ -26598,7 +26598,7 @@
           <p:cNvPr id="82" name="Table 6">
             <a:extLst>
               <a:ext uri="{FF2B5EF4-FFF2-40B4-BE49-F238E27FC236}">
-                <a16:creationId xmlns="" xmlns:a16="http://schemas.microsoft.com/office/drawing/2014/main" id="{AC116E75-52A1-E397-3D1E-11795711208A}"/>
+                <a16:creationId xmlns:a16="http://schemas.microsoft.com/office/drawing/2014/main" xmlns="" id="{AC116E75-52A1-E397-3D1E-11795711208A}"/>
               </a:ext>
             </a:extLst>
           </p:cNvPr>
@@ -26608,7 +26608,7 @@
           <p:nvPr>
             <p:extLst>
               <p:ext uri="{D42A27DB-BD31-4B8C-83A1-F6EECF244321}">
-                <p14:modId xmlns="" xmlns:p14="http://schemas.microsoft.com/office/powerpoint/2010/main" val="1381475708"/>
+                <p14:modId xmlns:p14="http://schemas.microsoft.com/office/powerpoint/2010/main" xmlns="" val="1381475708"/>
               </p:ext>
             </p:extLst>
           </p:nvPr>
@@ -26627,112 +26627,112 @@
                 <a:gridCol w="146471">
                   <a:extLst>
                     <a:ext uri="{9D8B030D-6E8A-4147-A177-3AD203B41FA5}">
-                      <a16:colId xmlns="" xmlns:a16="http://schemas.microsoft.com/office/drawing/2014/main" val="1596807211"/>
+                      <a16:colId xmlns:a16="http://schemas.microsoft.com/office/drawing/2014/main" xmlns="" val="1596807211"/>
                     </a:ext>
                   </a:extLst>
                 </a:gridCol>
                 <a:gridCol w="146471">
                   <a:extLst>
                     <a:ext uri="{9D8B030D-6E8A-4147-A177-3AD203B41FA5}">
-                      <a16:colId xmlns="" xmlns:a16="http://schemas.microsoft.com/office/drawing/2014/main" val="2333902748"/>
+                      <a16:colId xmlns:a16="http://schemas.microsoft.com/office/drawing/2014/main" xmlns="" val="2333902748"/>
                     </a:ext>
                   </a:extLst>
                 </a:gridCol>
                 <a:gridCol w="146471">
                   <a:extLst>
                     <a:ext uri="{9D8B030D-6E8A-4147-A177-3AD203B41FA5}">
-                      <a16:colId xmlns="" xmlns:a16="http://schemas.microsoft.com/office/drawing/2014/main" val="4158973136"/>
+                      <a16:colId xmlns:a16="http://schemas.microsoft.com/office/drawing/2014/main" xmlns="" val="4158973136"/>
                     </a:ext>
                   </a:extLst>
                 </a:gridCol>
                 <a:gridCol w="146471">
                   <a:extLst>
                     <a:ext uri="{9D8B030D-6E8A-4147-A177-3AD203B41FA5}">
-                      <a16:colId xmlns="" xmlns:a16="http://schemas.microsoft.com/office/drawing/2014/main" val="2956168261"/>
+                      <a16:colId xmlns:a16="http://schemas.microsoft.com/office/drawing/2014/main" xmlns="" val="2956168261"/>
                     </a:ext>
                   </a:extLst>
                 </a:gridCol>
                 <a:gridCol w="146471">
                   <a:extLst>
                     <a:ext uri="{9D8B030D-6E8A-4147-A177-3AD203B41FA5}">
-                      <a16:colId xmlns="" xmlns:a16="http://schemas.microsoft.com/office/drawing/2014/main" val="3020465944"/>
+                      <a16:colId xmlns:a16="http://schemas.microsoft.com/office/drawing/2014/main" xmlns="" val="3020465944"/>
                     </a:ext>
                   </a:extLst>
                 </a:gridCol>
                 <a:gridCol w="146471">
                   <a:extLst>
                     <a:ext uri="{9D8B030D-6E8A-4147-A177-3AD203B41FA5}">
-                      <a16:colId xmlns="" xmlns:a16="http://schemas.microsoft.com/office/drawing/2014/main" val="2708855996"/>
+                      <a16:colId xmlns:a16="http://schemas.microsoft.com/office/drawing/2014/main" xmlns="" val="2708855996"/>
                     </a:ext>
                   </a:extLst>
                 </a:gridCol>
                 <a:gridCol w="146471">
                   <a:extLst>
                     <a:ext uri="{9D8B030D-6E8A-4147-A177-3AD203B41FA5}">
-                      <a16:colId xmlns="" xmlns:a16="http://schemas.microsoft.com/office/drawing/2014/main" val="414118707"/>
+                      <a16:colId xmlns:a16="http://schemas.microsoft.com/office/drawing/2014/main" xmlns="" val="414118707"/>
                     </a:ext>
                   </a:extLst>
                 </a:gridCol>
                 <a:gridCol w="146471">
                   <a:extLst>
                     <a:ext uri="{9D8B030D-6E8A-4147-A177-3AD203B41FA5}">
-                      <a16:colId xmlns="" xmlns:a16="http://schemas.microsoft.com/office/drawing/2014/main" val="698481345"/>
+                      <a16:colId xmlns:a16="http://schemas.microsoft.com/office/drawing/2014/main" xmlns="" val="698481345"/>
                     </a:ext>
                   </a:extLst>
                 </a:gridCol>
                 <a:gridCol w="146471">
                   <a:extLst>
                     <a:ext uri="{9D8B030D-6E8A-4147-A177-3AD203B41FA5}">
-                      <a16:colId xmlns="" xmlns:a16="http://schemas.microsoft.com/office/drawing/2014/main" val="234257500"/>
+                      <a16:colId xmlns:a16="http://schemas.microsoft.com/office/drawing/2014/main" xmlns="" val="234257500"/>
                     </a:ext>
                   </a:extLst>
                 </a:gridCol>
                 <a:gridCol w="146471">
                   <a:extLst>
                     <a:ext uri="{9D8B030D-6E8A-4147-A177-3AD203B41FA5}">
-                      <a16:colId xmlns="" xmlns:a16="http://schemas.microsoft.com/office/drawing/2014/main" val="3467964161"/>
+                      <a16:colId xmlns:a16="http://schemas.microsoft.com/office/drawing/2014/main" xmlns="" val="3467964161"/>
                     </a:ext>
                   </a:extLst>
                 </a:gridCol>
                 <a:gridCol w="146471">
                   <a:extLst>
                     <a:ext uri="{9D8B030D-6E8A-4147-A177-3AD203B41FA5}">
-                      <a16:colId xmlns="" xmlns:a16="http://schemas.microsoft.com/office/drawing/2014/main" val="448163374"/>
+                      <a16:colId xmlns:a16="http://schemas.microsoft.com/office/drawing/2014/main" xmlns="" val="448163374"/>
                     </a:ext>
                   </a:extLst>
                 </a:gridCol>
                 <a:gridCol w="146471">
                   <a:extLst>
                     <a:ext uri="{9D8B030D-6E8A-4147-A177-3AD203B41FA5}">
-                      <a16:colId xmlns="" xmlns:a16="http://schemas.microsoft.com/office/drawing/2014/main" val="680087072"/>
+                      <a16:colId xmlns:a16="http://schemas.microsoft.com/office/drawing/2014/main" xmlns="" val="680087072"/>
                     </a:ext>
                   </a:extLst>
                 </a:gridCol>
                 <a:gridCol w="146471">
                   <a:extLst>
                     <a:ext uri="{9D8B030D-6E8A-4147-A177-3AD203B41FA5}">
-                      <a16:colId xmlns="" xmlns:a16="http://schemas.microsoft.com/office/drawing/2014/main" val="3331563236"/>
+                      <a16:colId xmlns:a16="http://schemas.microsoft.com/office/drawing/2014/main" xmlns="" val="3331563236"/>
                     </a:ext>
                   </a:extLst>
                 </a:gridCol>
                 <a:gridCol w="146471">
                   <a:extLst>
                     <a:ext uri="{9D8B030D-6E8A-4147-A177-3AD203B41FA5}">
-                      <a16:colId xmlns="" xmlns:a16="http://schemas.microsoft.com/office/drawing/2014/main" val="1862912922"/>
+                      <a16:colId xmlns:a16="http://schemas.microsoft.com/office/drawing/2014/main" xmlns="" val="1862912922"/>
                     </a:ext>
                   </a:extLst>
                 </a:gridCol>
                 <a:gridCol w="146471">
                   <a:extLst>
                     <a:ext uri="{9D8B030D-6E8A-4147-A177-3AD203B41FA5}">
-                      <a16:colId xmlns="" xmlns:a16="http://schemas.microsoft.com/office/drawing/2014/main" val="1803571372"/>
+                      <a16:colId xmlns:a16="http://schemas.microsoft.com/office/drawing/2014/main" xmlns="" val="1803571372"/>
                     </a:ext>
                   </a:extLst>
                 </a:gridCol>
                 <a:gridCol w="146471">
                   <a:extLst>
                     <a:ext uri="{9D8B030D-6E8A-4147-A177-3AD203B41FA5}">
-                      <a16:colId xmlns="" xmlns:a16="http://schemas.microsoft.com/office/drawing/2014/main" val="134947292"/>
+                      <a16:colId xmlns:a16="http://schemas.microsoft.com/office/drawing/2014/main" xmlns="" val="134947292"/>
                     </a:ext>
                   </a:extLst>
                 </a:gridCol>
@@ -27866,7 +27866,7 @@
                 </a:tc>
                 <a:extLst>
                   <a:ext uri="{0D108BD9-81ED-4DB2-BD59-A6C34878D82A}">
-                    <a16:rowId xmlns="" xmlns:a16="http://schemas.microsoft.com/office/drawing/2014/main" val="815588539"/>
+                    <a16:rowId xmlns:a16="http://schemas.microsoft.com/office/drawing/2014/main" xmlns="" val="815588539"/>
                   </a:ext>
                 </a:extLst>
               </a:tr>
@@ -28927,7 +28927,7 @@
                 </a:tc>
                 <a:extLst>
                   <a:ext uri="{0D108BD9-81ED-4DB2-BD59-A6C34878D82A}">
-                    <a16:rowId xmlns="" xmlns:a16="http://schemas.microsoft.com/office/drawing/2014/main" val="2900542627"/>
+                    <a16:rowId xmlns:a16="http://schemas.microsoft.com/office/drawing/2014/main" xmlns="" val="2900542627"/>
                   </a:ext>
                 </a:extLst>
               </a:tr>
@@ -28940,7 +28940,7 @@
           <p:cNvPr id="83" name="TextBox 82">
             <a:extLst>
               <a:ext uri="{FF2B5EF4-FFF2-40B4-BE49-F238E27FC236}">
-                <a16:creationId xmlns="" xmlns:a16="http://schemas.microsoft.com/office/drawing/2014/main" id="{A4AA04F8-1A3D-33A4-D4B7-D924C382BDD5}"/>
+                <a16:creationId xmlns:a16="http://schemas.microsoft.com/office/drawing/2014/main" xmlns="" id="{A4AA04F8-1A3D-33A4-D4B7-D924C382BDD5}"/>
               </a:ext>
             </a:extLst>
           </p:cNvPr>
@@ -28992,7 +28992,7 @@
           <p:cNvPr id="84" name="Table 6">
             <a:extLst>
               <a:ext uri="{FF2B5EF4-FFF2-40B4-BE49-F238E27FC236}">
-                <a16:creationId xmlns="" xmlns:a16="http://schemas.microsoft.com/office/drawing/2014/main" id="{1C791E29-7D80-8DC2-70AE-9B71CD6AA6EE}"/>
+                <a16:creationId xmlns:a16="http://schemas.microsoft.com/office/drawing/2014/main" xmlns="" id="{1C791E29-7D80-8DC2-70AE-9B71CD6AA6EE}"/>
               </a:ext>
             </a:extLst>
           </p:cNvPr>
@@ -29002,7 +29002,7 @@
           <p:nvPr>
             <p:extLst>
               <p:ext uri="{D42A27DB-BD31-4B8C-83A1-F6EECF244321}">
-                <p14:modId xmlns="" xmlns:p14="http://schemas.microsoft.com/office/powerpoint/2010/main" val="4190117969"/>
+                <p14:modId xmlns:p14="http://schemas.microsoft.com/office/powerpoint/2010/main" xmlns="" val="4190117969"/>
               </p:ext>
             </p:extLst>
           </p:nvPr>
@@ -29021,112 +29021,112 @@
                 <a:gridCol w="146471">
                   <a:extLst>
                     <a:ext uri="{9D8B030D-6E8A-4147-A177-3AD203B41FA5}">
-                      <a16:colId xmlns="" xmlns:a16="http://schemas.microsoft.com/office/drawing/2014/main" val="1596807211"/>
+                      <a16:colId xmlns:a16="http://schemas.microsoft.com/office/drawing/2014/main" xmlns="" val="1596807211"/>
                     </a:ext>
                   </a:extLst>
                 </a:gridCol>
                 <a:gridCol w="146471">
                   <a:extLst>
                     <a:ext uri="{9D8B030D-6E8A-4147-A177-3AD203B41FA5}">
-                      <a16:colId xmlns="" xmlns:a16="http://schemas.microsoft.com/office/drawing/2014/main" val="2333902748"/>
+                      <a16:colId xmlns:a16="http://schemas.microsoft.com/office/drawing/2014/main" xmlns="" val="2333902748"/>
                     </a:ext>
                   </a:extLst>
                 </a:gridCol>
                 <a:gridCol w="146471">
                   <a:extLst>
                     <a:ext uri="{9D8B030D-6E8A-4147-A177-3AD203B41FA5}">
-                      <a16:colId xmlns="" xmlns:a16="http://schemas.microsoft.com/office/drawing/2014/main" val="4158973136"/>
+                      <a16:colId xmlns:a16="http://schemas.microsoft.com/office/drawing/2014/main" xmlns="" val="4158973136"/>
                     </a:ext>
                   </a:extLst>
                 </a:gridCol>
                 <a:gridCol w="146471">
                   <a:extLst>
                     <a:ext uri="{9D8B030D-6E8A-4147-A177-3AD203B41FA5}">
-                      <a16:colId xmlns="" xmlns:a16="http://schemas.microsoft.com/office/drawing/2014/main" val="2956168261"/>
+                      <a16:colId xmlns:a16="http://schemas.microsoft.com/office/drawing/2014/main" xmlns="" val="2956168261"/>
                     </a:ext>
                   </a:extLst>
                 </a:gridCol>
                 <a:gridCol w="146471">
                   <a:extLst>
                     <a:ext uri="{9D8B030D-6E8A-4147-A177-3AD203B41FA5}">
-                      <a16:colId xmlns="" xmlns:a16="http://schemas.microsoft.com/office/drawing/2014/main" val="3020465944"/>
+                      <a16:colId xmlns:a16="http://schemas.microsoft.com/office/drawing/2014/main" xmlns="" val="3020465944"/>
                     </a:ext>
                   </a:extLst>
                 </a:gridCol>
                 <a:gridCol w="146471">
                   <a:extLst>
                     <a:ext uri="{9D8B030D-6E8A-4147-A177-3AD203B41FA5}">
-                      <a16:colId xmlns="" xmlns:a16="http://schemas.microsoft.com/office/drawing/2014/main" val="2708855996"/>
+                      <a16:colId xmlns:a16="http://schemas.microsoft.com/office/drawing/2014/main" xmlns="" val="2708855996"/>
                     </a:ext>
                   </a:extLst>
                 </a:gridCol>
                 <a:gridCol w="146471">
                   <a:extLst>
                     <a:ext uri="{9D8B030D-6E8A-4147-A177-3AD203B41FA5}">
-                      <a16:colId xmlns="" xmlns:a16="http://schemas.microsoft.com/office/drawing/2014/main" val="414118707"/>
+                      <a16:colId xmlns:a16="http://schemas.microsoft.com/office/drawing/2014/main" xmlns="" val="414118707"/>
                     </a:ext>
                   </a:extLst>
                 </a:gridCol>
                 <a:gridCol w="146471">
                   <a:extLst>
                     <a:ext uri="{9D8B030D-6E8A-4147-A177-3AD203B41FA5}">
-                      <a16:colId xmlns="" xmlns:a16="http://schemas.microsoft.com/office/drawing/2014/main" val="698481345"/>
+                      <a16:colId xmlns:a16="http://schemas.microsoft.com/office/drawing/2014/main" xmlns="" val="698481345"/>
                     </a:ext>
                   </a:extLst>
                 </a:gridCol>
                 <a:gridCol w="146471">
                   <a:extLst>
                     <a:ext uri="{9D8B030D-6E8A-4147-A177-3AD203B41FA5}">
-                      <a16:colId xmlns="" xmlns:a16="http://schemas.microsoft.com/office/drawing/2014/main" val="234257500"/>
+                      <a16:colId xmlns:a16="http://schemas.microsoft.com/office/drawing/2014/main" xmlns="" val="234257500"/>
                     </a:ext>
                   </a:extLst>
                 </a:gridCol>
                 <a:gridCol w="146471">
                   <a:extLst>
                     <a:ext uri="{9D8B030D-6E8A-4147-A177-3AD203B41FA5}">
-                      <a16:colId xmlns="" xmlns:a16="http://schemas.microsoft.com/office/drawing/2014/main" val="3467964161"/>
+                      <a16:colId xmlns:a16="http://schemas.microsoft.com/office/drawing/2014/main" xmlns="" val="3467964161"/>
                     </a:ext>
                   </a:extLst>
                 </a:gridCol>
                 <a:gridCol w="146471">
                   <a:extLst>
                     <a:ext uri="{9D8B030D-6E8A-4147-A177-3AD203B41FA5}">
-                      <a16:colId xmlns="" xmlns:a16="http://schemas.microsoft.com/office/drawing/2014/main" val="448163374"/>
+                      <a16:colId xmlns:a16="http://schemas.microsoft.com/office/drawing/2014/main" xmlns="" val="448163374"/>
                     </a:ext>
                   </a:extLst>
                 </a:gridCol>
                 <a:gridCol w="146471">
                   <a:extLst>
                     <a:ext uri="{9D8B030D-6E8A-4147-A177-3AD203B41FA5}">
-                      <a16:colId xmlns="" xmlns:a16="http://schemas.microsoft.com/office/drawing/2014/main" val="680087072"/>
+                      <a16:colId xmlns:a16="http://schemas.microsoft.com/office/drawing/2014/main" xmlns="" val="680087072"/>
                     </a:ext>
                   </a:extLst>
                 </a:gridCol>
                 <a:gridCol w="146471">
                   <a:extLst>
                     <a:ext uri="{9D8B030D-6E8A-4147-A177-3AD203B41FA5}">
-                      <a16:colId xmlns="" xmlns:a16="http://schemas.microsoft.com/office/drawing/2014/main" val="3331563236"/>
+                      <a16:colId xmlns:a16="http://schemas.microsoft.com/office/drawing/2014/main" xmlns="" val="3331563236"/>
                     </a:ext>
                   </a:extLst>
                 </a:gridCol>
                 <a:gridCol w="146471">
                   <a:extLst>
                     <a:ext uri="{9D8B030D-6E8A-4147-A177-3AD203B41FA5}">
-                      <a16:colId xmlns="" xmlns:a16="http://schemas.microsoft.com/office/drawing/2014/main" val="1862912922"/>
+                      <a16:colId xmlns:a16="http://schemas.microsoft.com/office/drawing/2014/main" xmlns="" val="1862912922"/>
                     </a:ext>
                   </a:extLst>
                 </a:gridCol>
                 <a:gridCol w="146471">
                   <a:extLst>
                     <a:ext uri="{9D8B030D-6E8A-4147-A177-3AD203B41FA5}">
-                      <a16:colId xmlns="" xmlns:a16="http://schemas.microsoft.com/office/drawing/2014/main" val="1803571372"/>
+                      <a16:colId xmlns:a16="http://schemas.microsoft.com/office/drawing/2014/main" xmlns="" val="1803571372"/>
                     </a:ext>
                   </a:extLst>
                 </a:gridCol>
                 <a:gridCol w="146471">
                   <a:extLst>
                     <a:ext uri="{9D8B030D-6E8A-4147-A177-3AD203B41FA5}">
-                      <a16:colId xmlns="" xmlns:a16="http://schemas.microsoft.com/office/drawing/2014/main" val="134947292"/>
+                      <a16:colId xmlns:a16="http://schemas.microsoft.com/office/drawing/2014/main" xmlns="" val="134947292"/>
                     </a:ext>
                   </a:extLst>
                 </a:gridCol>
@@ -30300,7 +30300,7 @@
                 </a:tc>
                 <a:extLst>
                   <a:ext uri="{0D108BD9-81ED-4DB2-BD59-A6C34878D82A}">
-                    <a16:rowId xmlns="" xmlns:a16="http://schemas.microsoft.com/office/drawing/2014/main" val="815588539"/>
+                    <a16:rowId xmlns:a16="http://schemas.microsoft.com/office/drawing/2014/main" xmlns="" val="815588539"/>
                   </a:ext>
                 </a:extLst>
               </a:tr>
@@ -31361,7 +31361,7 @@
                 </a:tc>
                 <a:extLst>
                   <a:ext uri="{0D108BD9-81ED-4DB2-BD59-A6C34878D82A}">
-                    <a16:rowId xmlns="" xmlns:a16="http://schemas.microsoft.com/office/drawing/2014/main" val="2900542627"/>
+                    <a16:rowId xmlns:a16="http://schemas.microsoft.com/office/drawing/2014/main" xmlns="" val="2900542627"/>
                   </a:ext>
                 </a:extLst>
               </a:tr>
@@ -31374,7 +31374,7 @@
           <p:cNvPr id="85" name="TextBox 84">
             <a:extLst>
               <a:ext uri="{FF2B5EF4-FFF2-40B4-BE49-F238E27FC236}">
-                <a16:creationId xmlns="" xmlns:a16="http://schemas.microsoft.com/office/drawing/2014/main" id="{AF3BF56E-9858-B45F-FC33-94568389F1D8}"/>
+                <a16:creationId xmlns:a16="http://schemas.microsoft.com/office/drawing/2014/main" xmlns="" id="{AF3BF56E-9858-B45F-FC33-94568389F1D8}"/>
               </a:ext>
             </a:extLst>
           </p:cNvPr>
@@ -31426,7 +31426,7 @@
           <p:cNvPr id="86" name="TextBox 85">
             <a:extLst>
               <a:ext uri="{FF2B5EF4-FFF2-40B4-BE49-F238E27FC236}">
-                <a16:creationId xmlns="" xmlns:a16="http://schemas.microsoft.com/office/drawing/2014/main" id="{DEE26486-0B45-6F3E-5DD0-64DCB7987316}"/>
+                <a16:creationId xmlns:a16="http://schemas.microsoft.com/office/drawing/2014/main" xmlns="" id="{DEE26486-0B45-6F3E-5DD0-64DCB7987316}"/>
               </a:ext>
             </a:extLst>
           </p:cNvPr>
@@ -31462,7 +31462,7 @@
           <p:cNvPr id="87" name="Table 6">
             <a:extLst>
               <a:ext uri="{FF2B5EF4-FFF2-40B4-BE49-F238E27FC236}">
-                <a16:creationId xmlns="" xmlns:a16="http://schemas.microsoft.com/office/drawing/2014/main" id="{39C4A189-6D9C-F4B1-2961-80CC2F382533}"/>
+                <a16:creationId xmlns:a16="http://schemas.microsoft.com/office/drawing/2014/main" xmlns="" id="{39C4A189-6D9C-F4B1-2961-80CC2F382533}"/>
               </a:ext>
             </a:extLst>
           </p:cNvPr>
@@ -31472,7 +31472,7 @@
           <p:nvPr>
             <p:extLst>
               <p:ext uri="{D42A27DB-BD31-4B8C-83A1-F6EECF244321}">
-                <p14:modId xmlns="" xmlns:p14="http://schemas.microsoft.com/office/powerpoint/2010/main" val="3556357613"/>
+                <p14:modId xmlns:p14="http://schemas.microsoft.com/office/powerpoint/2010/main" xmlns="" val="3556357613"/>
               </p:ext>
             </p:extLst>
           </p:nvPr>
@@ -31491,112 +31491,112 @@
                 <a:gridCol w="146471">
                   <a:extLst>
                     <a:ext uri="{9D8B030D-6E8A-4147-A177-3AD203B41FA5}">
-                      <a16:colId xmlns="" xmlns:a16="http://schemas.microsoft.com/office/drawing/2014/main" val="1596807211"/>
+                      <a16:colId xmlns:a16="http://schemas.microsoft.com/office/drawing/2014/main" xmlns="" val="1596807211"/>
                     </a:ext>
                   </a:extLst>
                 </a:gridCol>
                 <a:gridCol w="146471">
                   <a:extLst>
                     <a:ext uri="{9D8B030D-6E8A-4147-A177-3AD203B41FA5}">
-                      <a16:colId xmlns="" xmlns:a16="http://schemas.microsoft.com/office/drawing/2014/main" val="2333902748"/>
+                      <a16:colId xmlns:a16="http://schemas.microsoft.com/office/drawing/2014/main" xmlns="" val="2333902748"/>
                     </a:ext>
                   </a:extLst>
                 </a:gridCol>
                 <a:gridCol w="146471">
                   <a:extLst>
                     <a:ext uri="{9D8B030D-6E8A-4147-A177-3AD203B41FA5}">
-                      <a16:colId xmlns="" xmlns:a16="http://schemas.microsoft.com/office/drawing/2014/main" val="4158973136"/>
+                      <a16:colId xmlns:a16="http://schemas.microsoft.com/office/drawing/2014/main" xmlns="" val="4158973136"/>
                     </a:ext>
                   </a:extLst>
                 </a:gridCol>
                 <a:gridCol w="146471">
                   <a:extLst>
                     <a:ext uri="{9D8B030D-6E8A-4147-A177-3AD203B41FA5}">
-                      <a16:colId xmlns="" xmlns:a16="http://schemas.microsoft.com/office/drawing/2014/main" val="2956168261"/>
+                      <a16:colId xmlns:a16="http://schemas.microsoft.com/office/drawing/2014/main" xmlns="" val="2956168261"/>
                     </a:ext>
                   </a:extLst>
                 </a:gridCol>
                 <a:gridCol w="146471">
                   <a:extLst>
                     <a:ext uri="{9D8B030D-6E8A-4147-A177-3AD203B41FA5}">
-                      <a16:colId xmlns="" xmlns:a16="http://schemas.microsoft.com/office/drawing/2014/main" val="3020465944"/>
+                      <a16:colId xmlns:a16="http://schemas.microsoft.com/office/drawing/2014/main" xmlns="" val="3020465944"/>
                     </a:ext>
                   </a:extLst>
                 </a:gridCol>
                 <a:gridCol w="146471">
                   <a:extLst>
                     <a:ext uri="{9D8B030D-6E8A-4147-A177-3AD203B41FA5}">
-                      <a16:colId xmlns="" xmlns:a16="http://schemas.microsoft.com/office/drawing/2014/main" val="2708855996"/>
+                      <a16:colId xmlns:a16="http://schemas.microsoft.com/office/drawing/2014/main" xmlns="" val="2708855996"/>
                     </a:ext>
                   </a:extLst>
                 </a:gridCol>
                 <a:gridCol w="146471">
                   <a:extLst>
                     <a:ext uri="{9D8B030D-6E8A-4147-A177-3AD203B41FA5}">
-                      <a16:colId xmlns="" xmlns:a16="http://schemas.microsoft.com/office/drawing/2014/main" val="414118707"/>
+                      <a16:colId xmlns:a16="http://schemas.microsoft.com/office/drawing/2014/main" xmlns="" val="414118707"/>
                     </a:ext>
                   </a:extLst>
                 </a:gridCol>
                 <a:gridCol w="146471">
                   <a:extLst>
                     <a:ext uri="{9D8B030D-6E8A-4147-A177-3AD203B41FA5}">
-                      <a16:colId xmlns="" xmlns:a16="http://schemas.microsoft.com/office/drawing/2014/main" val="698481345"/>
+                      <a16:colId xmlns:a16="http://schemas.microsoft.com/office/drawing/2014/main" xmlns="" val="698481345"/>
                     </a:ext>
                   </a:extLst>
                 </a:gridCol>
                 <a:gridCol w="146471">
                   <a:extLst>
                     <a:ext uri="{9D8B030D-6E8A-4147-A177-3AD203B41FA5}">
-                      <a16:colId xmlns="" xmlns:a16="http://schemas.microsoft.com/office/drawing/2014/main" val="234257500"/>
+                      <a16:colId xmlns:a16="http://schemas.microsoft.com/office/drawing/2014/main" xmlns="" val="234257500"/>
                     </a:ext>
                   </a:extLst>
                 </a:gridCol>
                 <a:gridCol w="146471">
                   <a:extLst>
                     <a:ext uri="{9D8B030D-6E8A-4147-A177-3AD203B41FA5}">
-                      <a16:colId xmlns="" xmlns:a16="http://schemas.microsoft.com/office/drawing/2014/main" val="3467964161"/>
+                      <a16:colId xmlns:a16="http://schemas.microsoft.com/office/drawing/2014/main" xmlns="" val="3467964161"/>
                     </a:ext>
                   </a:extLst>
                 </a:gridCol>
                 <a:gridCol w="146471">
                   <a:extLst>
                     <a:ext uri="{9D8B030D-6E8A-4147-A177-3AD203B41FA5}">
-                      <a16:colId xmlns="" xmlns:a16="http://schemas.microsoft.com/office/drawing/2014/main" val="448163374"/>
+                      <a16:colId xmlns:a16="http://schemas.microsoft.com/office/drawing/2014/main" xmlns="" val="448163374"/>
                     </a:ext>
                   </a:extLst>
                 </a:gridCol>
                 <a:gridCol w="146471">
                   <a:extLst>
                     <a:ext uri="{9D8B030D-6E8A-4147-A177-3AD203B41FA5}">
-                      <a16:colId xmlns="" xmlns:a16="http://schemas.microsoft.com/office/drawing/2014/main" val="680087072"/>
+                      <a16:colId xmlns:a16="http://schemas.microsoft.com/office/drawing/2014/main" xmlns="" val="680087072"/>
                     </a:ext>
                   </a:extLst>
                 </a:gridCol>
                 <a:gridCol w="146471">
                   <a:extLst>
                     <a:ext uri="{9D8B030D-6E8A-4147-A177-3AD203B41FA5}">
-                      <a16:colId xmlns="" xmlns:a16="http://schemas.microsoft.com/office/drawing/2014/main" val="3331563236"/>
+                      <a16:colId xmlns:a16="http://schemas.microsoft.com/office/drawing/2014/main" xmlns="" val="3331563236"/>
                     </a:ext>
                   </a:extLst>
                 </a:gridCol>
                 <a:gridCol w="146471">
                   <a:extLst>
                     <a:ext uri="{9D8B030D-6E8A-4147-A177-3AD203B41FA5}">
-                      <a16:colId xmlns="" xmlns:a16="http://schemas.microsoft.com/office/drawing/2014/main" val="1862912922"/>
+                      <a16:colId xmlns:a16="http://schemas.microsoft.com/office/drawing/2014/main" xmlns="" val="1862912922"/>
                     </a:ext>
                   </a:extLst>
                 </a:gridCol>
                 <a:gridCol w="146471">
                   <a:extLst>
                     <a:ext uri="{9D8B030D-6E8A-4147-A177-3AD203B41FA5}">
-                      <a16:colId xmlns="" xmlns:a16="http://schemas.microsoft.com/office/drawing/2014/main" val="1803571372"/>
+                      <a16:colId xmlns:a16="http://schemas.microsoft.com/office/drawing/2014/main" xmlns="" val="1803571372"/>
                     </a:ext>
                   </a:extLst>
                 </a:gridCol>
                 <a:gridCol w="146471">
                   <a:extLst>
                     <a:ext uri="{9D8B030D-6E8A-4147-A177-3AD203B41FA5}">
-                      <a16:colId xmlns="" xmlns:a16="http://schemas.microsoft.com/office/drawing/2014/main" val="134947292"/>
+                      <a16:colId xmlns:a16="http://schemas.microsoft.com/office/drawing/2014/main" xmlns="" val="134947292"/>
                     </a:ext>
                   </a:extLst>
                 </a:gridCol>
@@ -32738,7 +32738,7 @@
                 </a:tc>
                 <a:extLst>
                   <a:ext uri="{0D108BD9-81ED-4DB2-BD59-A6C34878D82A}">
-                    <a16:rowId xmlns="" xmlns:a16="http://schemas.microsoft.com/office/drawing/2014/main" val="815588539"/>
+                    <a16:rowId xmlns:a16="http://schemas.microsoft.com/office/drawing/2014/main" xmlns="" val="815588539"/>
                   </a:ext>
                 </a:extLst>
               </a:tr>
@@ -33799,7 +33799,7 @@
                 </a:tc>
                 <a:extLst>
                   <a:ext uri="{0D108BD9-81ED-4DB2-BD59-A6C34878D82A}">
-                    <a16:rowId xmlns="" xmlns:a16="http://schemas.microsoft.com/office/drawing/2014/main" val="2900542627"/>
+                    <a16:rowId xmlns:a16="http://schemas.microsoft.com/office/drawing/2014/main" xmlns="" val="2900542627"/>
                   </a:ext>
                 </a:extLst>
               </a:tr>
@@ -33812,7 +33812,7 @@
           <p:cNvPr id="88" name="TextBox 87">
             <a:extLst>
               <a:ext uri="{FF2B5EF4-FFF2-40B4-BE49-F238E27FC236}">
-                <a16:creationId xmlns="" xmlns:a16="http://schemas.microsoft.com/office/drawing/2014/main" id="{7BEB999F-1401-FE1F-921C-D907B4B08B99}"/>
+                <a16:creationId xmlns:a16="http://schemas.microsoft.com/office/drawing/2014/main" xmlns="" id="{7BEB999F-1401-FE1F-921C-D907B4B08B99}"/>
               </a:ext>
             </a:extLst>
           </p:cNvPr>
@@ -33860,7 +33860,7 @@
           <p:cNvPr id="89" name="Table 6">
             <a:extLst>
               <a:ext uri="{FF2B5EF4-FFF2-40B4-BE49-F238E27FC236}">
-                <a16:creationId xmlns="" xmlns:a16="http://schemas.microsoft.com/office/drawing/2014/main" id="{E736582F-E8E7-20AE-F11F-61A22EF2356C}"/>
+                <a16:creationId xmlns:a16="http://schemas.microsoft.com/office/drawing/2014/main" xmlns="" id="{E736582F-E8E7-20AE-F11F-61A22EF2356C}"/>
               </a:ext>
             </a:extLst>
           </p:cNvPr>
@@ -33870,7 +33870,7 @@
           <p:nvPr>
             <p:extLst>
               <p:ext uri="{D42A27DB-BD31-4B8C-83A1-F6EECF244321}">
-                <p14:modId xmlns="" xmlns:p14="http://schemas.microsoft.com/office/powerpoint/2010/main" val="3621316576"/>
+                <p14:modId xmlns:p14="http://schemas.microsoft.com/office/powerpoint/2010/main" xmlns="" val="3621316576"/>
               </p:ext>
             </p:extLst>
           </p:nvPr>
@@ -33889,112 +33889,112 @@
                 <a:gridCol w="146471">
                   <a:extLst>
                     <a:ext uri="{9D8B030D-6E8A-4147-A177-3AD203B41FA5}">
-                      <a16:colId xmlns="" xmlns:a16="http://schemas.microsoft.com/office/drawing/2014/main" val="1596807211"/>
+                      <a16:colId xmlns:a16="http://schemas.microsoft.com/office/drawing/2014/main" xmlns="" val="1596807211"/>
                     </a:ext>
                   </a:extLst>
                 </a:gridCol>
                 <a:gridCol w="146471">
                   <a:extLst>
                     <a:ext uri="{9D8B030D-6E8A-4147-A177-3AD203B41FA5}">
-                      <a16:colId xmlns="" xmlns:a16="http://schemas.microsoft.com/office/drawing/2014/main" val="2333902748"/>
+                      <a16:colId xmlns:a16="http://schemas.microsoft.com/office/drawing/2014/main" xmlns="" val="2333902748"/>
                     </a:ext>
                   </a:extLst>
                 </a:gridCol>
                 <a:gridCol w="146471">
                   <a:extLst>
                     <a:ext uri="{9D8B030D-6E8A-4147-A177-3AD203B41FA5}">
-                      <a16:colId xmlns="" xmlns:a16="http://schemas.microsoft.com/office/drawing/2014/main" val="4158973136"/>
+                      <a16:colId xmlns:a16="http://schemas.microsoft.com/office/drawing/2014/main" xmlns="" val="4158973136"/>
                     </a:ext>
                   </a:extLst>
                 </a:gridCol>
                 <a:gridCol w="146471">
                   <a:extLst>
                     <a:ext uri="{9D8B030D-6E8A-4147-A177-3AD203B41FA5}">
-                      <a16:colId xmlns="" xmlns:a16="http://schemas.microsoft.com/office/drawing/2014/main" val="2956168261"/>
+                      <a16:colId xmlns:a16="http://schemas.microsoft.com/office/drawing/2014/main" xmlns="" val="2956168261"/>
                     </a:ext>
                   </a:extLst>
                 </a:gridCol>
                 <a:gridCol w="146471">
                   <a:extLst>
                     <a:ext uri="{9D8B030D-6E8A-4147-A177-3AD203B41FA5}">
-                      <a16:colId xmlns="" xmlns:a16="http://schemas.microsoft.com/office/drawing/2014/main" val="3020465944"/>
+                      <a16:colId xmlns:a16="http://schemas.microsoft.com/office/drawing/2014/main" xmlns="" val="3020465944"/>
                     </a:ext>
                   </a:extLst>
                 </a:gridCol>
                 <a:gridCol w="146471">
                   <a:extLst>
                     <a:ext uri="{9D8B030D-6E8A-4147-A177-3AD203B41FA5}">
-                      <a16:colId xmlns="" xmlns:a16="http://schemas.microsoft.com/office/drawing/2014/main" val="2708855996"/>
+                      <a16:colId xmlns:a16="http://schemas.microsoft.com/office/drawing/2014/main" xmlns="" val="2708855996"/>
                     </a:ext>
                   </a:extLst>
                 </a:gridCol>
                 <a:gridCol w="146471">
                   <a:extLst>
                     <a:ext uri="{9D8B030D-6E8A-4147-A177-3AD203B41FA5}">
-                      <a16:colId xmlns="" xmlns:a16="http://schemas.microsoft.com/office/drawing/2014/main" val="414118707"/>
+                      <a16:colId xmlns:a16="http://schemas.microsoft.com/office/drawing/2014/main" xmlns="" val="414118707"/>
                     </a:ext>
                   </a:extLst>
                 </a:gridCol>
                 <a:gridCol w="146471">
                   <a:extLst>
                     <a:ext uri="{9D8B030D-6E8A-4147-A177-3AD203B41FA5}">
-                      <a16:colId xmlns="" xmlns:a16="http://schemas.microsoft.com/office/drawing/2014/main" val="698481345"/>
+                      <a16:colId xmlns:a16="http://schemas.microsoft.com/office/drawing/2014/main" xmlns="" val="698481345"/>
                     </a:ext>
                   </a:extLst>
                 </a:gridCol>
                 <a:gridCol w="146471">
                   <a:extLst>
                     <a:ext uri="{9D8B030D-6E8A-4147-A177-3AD203B41FA5}">
-                      <a16:colId xmlns="" xmlns:a16="http://schemas.microsoft.com/office/drawing/2014/main" val="234257500"/>
+                      <a16:colId xmlns:a16="http://schemas.microsoft.com/office/drawing/2014/main" xmlns="" val="234257500"/>
                     </a:ext>
                   </a:extLst>
                 </a:gridCol>
                 <a:gridCol w="146471">
                   <a:extLst>
                     <a:ext uri="{9D8B030D-6E8A-4147-A177-3AD203B41FA5}">
-                      <a16:colId xmlns="" xmlns:a16="http://schemas.microsoft.com/office/drawing/2014/main" val="3467964161"/>
+                      <a16:colId xmlns:a16="http://schemas.microsoft.com/office/drawing/2014/main" xmlns="" val="3467964161"/>
                     </a:ext>
                   </a:extLst>
                 </a:gridCol>
                 <a:gridCol w="146471">
                   <a:extLst>
                     <a:ext uri="{9D8B030D-6E8A-4147-A177-3AD203B41FA5}">
-                      <a16:colId xmlns="" xmlns:a16="http://schemas.microsoft.com/office/drawing/2014/main" val="448163374"/>
+                      <a16:colId xmlns:a16="http://schemas.microsoft.com/office/drawing/2014/main" xmlns="" val="448163374"/>
                     </a:ext>
                   </a:extLst>
                 </a:gridCol>
                 <a:gridCol w="146471">
                   <a:extLst>
                     <a:ext uri="{9D8B030D-6E8A-4147-A177-3AD203B41FA5}">
-                      <a16:colId xmlns="" xmlns:a16="http://schemas.microsoft.com/office/drawing/2014/main" val="680087072"/>
+                      <a16:colId xmlns:a16="http://schemas.microsoft.com/office/drawing/2014/main" xmlns="" val="680087072"/>
                     </a:ext>
                   </a:extLst>
                 </a:gridCol>
                 <a:gridCol w="146471">
                   <a:extLst>
                     <a:ext uri="{9D8B030D-6E8A-4147-A177-3AD203B41FA5}">
-                      <a16:colId xmlns="" xmlns:a16="http://schemas.microsoft.com/office/drawing/2014/main" val="3331563236"/>
+                      <a16:colId xmlns:a16="http://schemas.microsoft.com/office/drawing/2014/main" xmlns="" val="3331563236"/>
                     </a:ext>
                   </a:extLst>
                 </a:gridCol>
                 <a:gridCol w="146471">
                   <a:extLst>
                     <a:ext uri="{9D8B030D-6E8A-4147-A177-3AD203B41FA5}">
-                      <a16:colId xmlns="" xmlns:a16="http://schemas.microsoft.com/office/drawing/2014/main" val="1862912922"/>
+                      <a16:colId xmlns:a16="http://schemas.microsoft.com/office/drawing/2014/main" xmlns="" val="1862912922"/>
                     </a:ext>
                   </a:extLst>
                 </a:gridCol>
                 <a:gridCol w="146471">
                   <a:extLst>
                     <a:ext uri="{9D8B030D-6E8A-4147-A177-3AD203B41FA5}">
-                      <a16:colId xmlns="" xmlns:a16="http://schemas.microsoft.com/office/drawing/2014/main" val="1803571372"/>
+                      <a16:colId xmlns:a16="http://schemas.microsoft.com/office/drawing/2014/main" xmlns="" val="1803571372"/>
                     </a:ext>
                   </a:extLst>
                 </a:gridCol>
                 <a:gridCol w="146471">
                   <a:extLst>
                     <a:ext uri="{9D8B030D-6E8A-4147-A177-3AD203B41FA5}">
-                      <a16:colId xmlns="" xmlns:a16="http://schemas.microsoft.com/office/drawing/2014/main" val="134947292"/>
+                      <a16:colId xmlns:a16="http://schemas.microsoft.com/office/drawing/2014/main" xmlns="" val="134947292"/>
                     </a:ext>
                   </a:extLst>
                 </a:gridCol>
@@ -35152,7 +35152,7 @@
                 </a:tc>
                 <a:extLst>
                   <a:ext uri="{0D108BD9-81ED-4DB2-BD59-A6C34878D82A}">
-                    <a16:rowId xmlns="" xmlns:a16="http://schemas.microsoft.com/office/drawing/2014/main" val="815588539"/>
+                    <a16:rowId xmlns:a16="http://schemas.microsoft.com/office/drawing/2014/main" xmlns="" val="815588539"/>
                   </a:ext>
                 </a:extLst>
               </a:tr>
@@ -36213,7 +36213,7 @@
                 </a:tc>
                 <a:extLst>
                   <a:ext uri="{0D108BD9-81ED-4DB2-BD59-A6C34878D82A}">
-                    <a16:rowId xmlns="" xmlns:a16="http://schemas.microsoft.com/office/drawing/2014/main" val="2900542627"/>
+                    <a16:rowId xmlns:a16="http://schemas.microsoft.com/office/drawing/2014/main" xmlns="" val="2900542627"/>
                   </a:ext>
                 </a:extLst>
               </a:tr>
@@ -36226,7 +36226,7 @@
           <p:cNvPr id="90" name="TextBox 89">
             <a:extLst>
               <a:ext uri="{FF2B5EF4-FFF2-40B4-BE49-F238E27FC236}">
-                <a16:creationId xmlns="" xmlns:a16="http://schemas.microsoft.com/office/drawing/2014/main" id="{D8384D42-4CB7-A152-EC9F-DBAD7437DB72}"/>
+                <a16:creationId xmlns:a16="http://schemas.microsoft.com/office/drawing/2014/main" xmlns="" id="{D8384D42-4CB7-A152-EC9F-DBAD7437DB72}"/>
               </a:ext>
             </a:extLst>
           </p:cNvPr>
@@ -36282,7 +36282,7 @@
           <p:cNvPr id="93" name="Table 7">
             <a:extLst>
               <a:ext uri="{FF2B5EF4-FFF2-40B4-BE49-F238E27FC236}">
-                <a16:creationId xmlns="" xmlns:a16="http://schemas.microsoft.com/office/drawing/2014/main" id="{142D1F46-75F4-1C83-2945-C91AC652647B}"/>
+                <a16:creationId xmlns:a16="http://schemas.microsoft.com/office/drawing/2014/main" xmlns="" id="{142D1F46-75F4-1C83-2945-C91AC652647B}"/>
               </a:ext>
             </a:extLst>
           </p:cNvPr>
@@ -36292,13 +36292,13 @@
           <p:nvPr>
             <p:extLst>
               <p:ext uri="{D42A27DB-BD31-4B8C-83A1-F6EECF244321}">
-                <p14:modId xmlns="" xmlns:p14="http://schemas.microsoft.com/office/powerpoint/2010/main" val="697455859"/>
+                <p14:modId xmlns:p14="http://schemas.microsoft.com/office/powerpoint/2010/main" xmlns="" val="697455859"/>
               </p:ext>
             </p:extLst>
           </p:nvPr>
         </p:nvGraphicFramePr>
         <p:xfrm>
-          <a:off x="5570523" y="5342714"/>
+          <a:off x="5570523" y="5179876"/>
           <a:ext cx="144000" cy="180000"/>
         </p:xfrm>
         <a:graphic>
@@ -36311,7 +36311,7 @@
                 <a:gridCol w="144000">
                   <a:extLst>
                     <a:ext uri="{9D8B030D-6E8A-4147-A177-3AD203B41FA5}">
-                      <a16:colId xmlns="" xmlns:a16="http://schemas.microsoft.com/office/drawing/2014/main" val="3021301464"/>
+                      <a16:colId xmlns:a16="http://schemas.microsoft.com/office/drawing/2014/main" xmlns="" val="3021301464"/>
                     </a:ext>
                   </a:extLst>
                 </a:gridCol>
@@ -36347,7 +36347,7 @@
                 </a:tc>
                 <a:extLst>
                   <a:ext uri="{0D108BD9-81ED-4DB2-BD59-A6C34878D82A}">
-                    <a16:rowId xmlns="" xmlns:a16="http://schemas.microsoft.com/office/drawing/2014/main" val="3351181703"/>
+                    <a16:rowId xmlns:a16="http://schemas.microsoft.com/office/drawing/2014/main" xmlns="" val="3351181703"/>
                   </a:ext>
                 </a:extLst>
               </a:tr>
@@ -36360,7 +36360,7 @@
           <p:cNvPr id="94" name="Table 7">
             <a:extLst>
               <a:ext uri="{FF2B5EF4-FFF2-40B4-BE49-F238E27FC236}">
-                <a16:creationId xmlns="" xmlns:a16="http://schemas.microsoft.com/office/drawing/2014/main" id="{DB1DACF9-57B0-88C9-2195-80F0F26BD185}"/>
+                <a16:creationId xmlns:a16="http://schemas.microsoft.com/office/drawing/2014/main" xmlns="" id="{DB1DACF9-57B0-88C9-2195-80F0F26BD185}"/>
               </a:ext>
             </a:extLst>
           </p:cNvPr>
@@ -36370,13 +36370,13 @@
           <p:nvPr>
             <p:extLst>
               <p:ext uri="{D42A27DB-BD31-4B8C-83A1-F6EECF244321}">
-                <p14:modId xmlns="" xmlns:p14="http://schemas.microsoft.com/office/powerpoint/2010/main" val="2372940019"/>
+                <p14:modId xmlns:p14="http://schemas.microsoft.com/office/powerpoint/2010/main" xmlns="" val="2372940019"/>
               </p:ext>
             </p:extLst>
           </p:nvPr>
         </p:nvGraphicFramePr>
         <p:xfrm>
-          <a:off x="5570574" y="5555254"/>
+          <a:off x="5570574" y="5392416"/>
           <a:ext cx="144000" cy="180000"/>
         </p:xfrm>
         <a:graphic>
@@ -36389,7 +36389,7 @@
                 <a:gridCol w="144000">
                   <a:extLst>
                     <a:ext uri="{9D8B030D-6E8A-4147-A177-3AD203B41FA5}">
-                      <a16:colId xmlns="" xmlns:a16="http://schemas.microsoft.com/office/drawing/2014/main" val="3021301464"/>
+                      <a16:colId xmlns:a16="http://schemas.microsoft.com/office/drawing/2014/main" xmlns="" val="3021301464"/>
                     </a:ext>
                   </a:extLst>
                 </a:gridCol>
@@ -36425,7 +36425,7 @@
                 </a:tc>
                 <a:extLst>
                   <a:ext uri="{0D108BD9-81ED-4DB2-BD59-A6C34878D82A}">
-                    <a16:rowId xmlns="" xmlns:a16="http://schemas.microsoft.com/office/drawing/2014/main" val="3351181703"/>
+                    <a16:rowId xmlns:a16="http://schemas.microsoft.com/office/drawing/2014/main" xmlns="" val="3351181703"/>
                   </a:ext>
                 </a:extLst>
               </a:tr>
@@ -36438,7 +36438,7 @@
           <p:cNvPr id="95" name="Table 7">
             <a:extLst>
               <a:ext uri="{FF2B5EF4-FFF2-40B4-BE49-F238E27FC236}">
-                <a16:creationId xmlns="" xmlns:a16="http://schemas.microsoft.com/office/drawing/2014/main" id="{28A31018-8A6C-F48F-6730-07B6FE6F57CD}"/>
+                <a16:creationId xmlns:a16="http://schemas.microsoft.com/office/drawing/2014/main" xmlns="" id="{28A31018-8A6C-F48F-6730-07B6FE6F57CD}"/>
               </a:ext>
             </a:extLst>
           </p:cNvPr>
@@ -36448,13 +36448,13 @@
           <p:nvPr>
             <p:extLst>
               <p:ext uri="{D42A27DB-BD31-4B8C-83A1-F6EECF244321}">
-                <p14:modId xmlns="" xmlns:p14="http://schemas.microsoft.com/office/powerpoint/2010/main" val="2351572648"/>
+                <p14:modId xmlns:p14="http://schemas.microsoft.com/office/powerpoint/2010/main" xmlns="" val="2351572648"/>
               </p:ext>
             </p:extLst>
           </p:nvPr>
         </p:nvGraphicFramePr>
         <p:xfrm>
-          <a:off x="6009158" y="5766270"/>
+          <a:off x="6009158" y="5603432"/>
           <a:ext cx="144000" cy="180000"/>
         </p:xfrm>
         <a:graphic>
@@ -36467,7 +36467,7 @@
                 <a:gridCol w="144000">
                   <a:extLst>
                     <a:ext uri="{9D8B030D-6E8A-4147-A177-3AD203B41FA5}">
-                      <a16:colId xmlns="" xmlns:a16="http://schemas.microsoft.com/office/drawing/2014/main" val="3021301464"/>
+                      <a16:colId xmlns:a16="http://schemas.microsoft.com/office/drawing/2014/main" xmlns="" val="3021301464"/>
                     </a:ext>
                   </a:extLst>
                 </a:gridCol>
@@ -36479,12 +36479,12 @@
                     <a:lstStyle/>
                     <a:p>
                       <a:r>
-                        <a:rPr lang="en-US" sz="1000" b="1" dirty="0">
+                        <a:rPr lang="en-US" sz="1000" b="1" dirty="0" smtClean="0">
                           <a:solidFill>
                             <a:schemeClr val="bg1"/>
                           </a:solidFill>
                         </a:rPr>
-                        <a:t>?</a:t>
+                        <a:t>-</a:t>
                       </a:r>
                       <a:endParaRPr lang="x-none" sz="1000" b="1" dirty="0">
                         <a:solidFill>
@@ -36503,7 +36503,7 @@
                 </a:tc>
                 <a:extLst>
                   <a:ext uri="{0D108BD9-81ED-4DB2-BD59-A6C34878D82A}">
-                    <a16:rowId xmlns="" xmlns:a16="http://schemas.microsoft.com/office/drawing/2014/main" val="3351181703"/>
+                    <a16:rowId xmlns:a16="http://schemas.microsoft.com/office/drawing/2014/main" xmlns="" val="3351181703"/>
                   </a:ext>
                 </a:extLst>
               </a:tr>
@@ -36516,7 +36516,7 @@
           <p:cNvPr id="96" name="Table 7">
             <a:extLst>
               <a:ext uri="{FF2B5EF4-FFF2-40B4-BE49-F238E27FC236}">
-                <a16:creationId xmlns="" xmlns:a16="http://schemas.microsoft.com/office/drawing/2014/main" id="{649CB95B-D3FF-4FC1-B2F8-9F39AABE7FFD}"/>
+                <a16:creationId xmlns:a16="http://schemas.microsoft.com/office/drawing/2014/main" xmlns="" id="{649CB95B-D3FF-4FC1-B2F8-9F39AABE7FFD}"/>
               </a:ext>
             </a:extLst>
           </p:cNvPr>
@@ -36526,13 +36526,13 @@
           <p:nvPr>
             <p:extLst>
               <p:ext uri="{D42A27DB-BD31-4B8C-83A1-F6EECF244321}">
-                <p14:modId xmlns="" xmlns:p14="http://schemas.microsoft.com/office/powerpoint/2010/main" val="2259467365"/>
+                <p14:modId xmlns:p14="http://schemas.microsoft.com/office/powerpoint/2010/main" xmlns="" val="2259467365"/>
               </p:ext>
             </p:extLst>
           </p:nvPr>
         </p:nvGraphicFramePr>
         <p:xfrm>
-          <a:off x="5714523" y="5342714"/>
+          <a:off x="5714523" y="5179876"/>
           <a:ext cx="144000" cy="180000"/>
         </p:xfrm>
         <a:graphic>
@@ -36545,7 +36545,7 @@
                 <a:gridCol w="144000">
                   <a:extLst>
                     <a:ext uri="{9D8B030D-6E8A-4147-A177-3AD203B41FA5}">
-                      <a16:colId xmlns="" xmlns:a16="http://schemas.microsoft.com/office/drawing/2014/main" val="3021301464"/>
+                      <a16:colId xmlns:a16="http://schemas.microsoft.com/office/drawing/2014/main" xmlns="" val="3021301464"/>
                     </a:ext>
                   </a:extLst>
                 </a:gridCol>
@@ -36581,7 +36581,7 @@
                 </a:tc>
                 <a:extLst>
                   <a:ext uri="{0D108BD9-81ED-4DB2-BD59-A6C34878D82A}">
-                    <a16:rowId xmlns="" xmlns:a16="http://schemas.microsoft.com/office/drawing/2014/main" val="3351181703"/>
+                    <a16:rowId xmlns:a16="http://schemas.microsoft.com/office/drawing/2014/main" xmlns="" val="3351181703"/>
                   </a:ext>
                 </a:extLst>
               </a:tr>
@@ -36594,7 +36594,7 @@
           <p:cNvPr id="97" name="Table 7">
             <a:extLst>
               <a:ext uri="{FF2B5EF4-FFF2-40B4-BE49-F238E27FC236}">
-                <a16:creationId xmlns="" xmlns:a16="http://schemas.microsoft.com/office/drawing/2014/main" id="{36176C9E-92B5-9D7A-AE5D-36A192FF7870}"/>
+                <a16:creationId xmlns:a16="http://schemas.microsoft.com/office/drawing/2014/main" xmlns="" id="{36176C9E-92B5-9D7A-AE5D-36A192FF7870}"/>
               </a:ext>
             </a:extLst>
           </p:cNvPr>
@@ -36604,13 +36604,13 @@
           <p:nvPr>
             <p:extLst>
               <p:ext uri="{D42A27DB-BD31-4B8C-83A1-F6EECF244321}">
-                <p14:modId xmlns="" xmlns:p14="http://schemas.microsoft.com/office/powerpoint/2010/main" val="2623632159"/>
+                <p14:modId xmlns:p14="http://schemas.microsoft.com/office/powerpoint/2010/main" xmlns="" val="2623632159"/>
               </p:ext>
             </p:extLst>
           </p:nvPr>
         </p:nvGraphicFramePr>
         <p:xfrm>
-          <a:off x="6008177" y="5344238"/>
+          <a:off x="6008177" y="5181400"/>
           <a:ext cx="144000" cy="180000"/>
         </p:xfrm>
         <a:graphic>
@@ -36623,7 +36623,7 @@
                 <a:gridCol w="144000">
                   <a:extLst>
                     <a:ext uri="{9D8B030D-6E8A-4147-A177-3AD203B41FA5}">
-                      <a16:colId xmlns="" xmlns:a16="http://schemas.microsoft.com/office/drawing/2014/main" val="3021301464"/>
+                      <a16:colId xmlns:a16="http://schemas.microsoft.com/office/drawing/2014/main" xmlns="" val="3021301464"/>
                     </a:ext>
                   </a:extLst>
                 </a:gridCol>
@@ -36659,7 +36659,7 @@
                 </a:tc>
                 <a:extLst>
                   <a:ext uri="{0D108BD9-81ED-4DB2-BD59-A6C34878D82A}">
-                    <a16:rowId xmlns="" xmlns:a16="http://schemas.microsoft.com/office/drawing/2014/main" val="3351181703"/>
+                    <a16:rowId xmlns:a16="http://schemas.microsoft.com/office/drawing/2014/main" xmlns="" val="3351181703"/>
                   </a:ext>
                 </a:extLst>
               </a:tr>
@@ -36672,7 +36672,7 @@
           <p:cNvPr id="98" name="Table 7">
             <a:extLst>
               <a:ext uri="{FF2B5EF4-FFF2-40B4-BE49-F238E27FC236}">
-                <a16:creationId xmlns="" xmlns:a16="http://schemas.microsoft.com/office/drawing/2014/main" id="{F07D1E8F-C763-1161-B0BF-BE0AE361E7F9}"/>
+                <a16:creationId xmlns:a16="http://schemas.microsoft.com/office/drawing/2014/main" xmlns="" id="{F07D1E8F-C763-1161-B0BF-BE0AE361E7F9}"/>
               </a:ext>
             </a:extLst>
           </p:cNvPr>
@@ -36682,13 +36682,13 @@
           <p:nvPr>
             <p:extLst>
               <p:ext uri="{D42A27DB-BD31-4B8C-83A1-F6EECF244321}">
-                <p14:modId xmlns="" xmlns:p14="http://schemas.microsoft.com/office/powerpoint/2010/main" val="4182391433"/>
+                <p14:modId xmlns:p14="http://schemas.microsoft.com/office/powerpoint/2010/main" xmlns="" val="4182391433"/>
               </p:ext>
             </p:extLst>
           </p:nvPr>
         </p:nvGraphicFramePr>
         <p:xfrm>
-          <a:off x="6152177" y="5342304"/>
+          <a:off x="6152177" y="5179466"/>
           <a:ext cx="144000" cy="180000"/>
         </p:xfrm>
         <a:graphic>
@@ -36701,7 +36701,7 @@
                 <a:gridCol w="144000">
                   <a:extLst>
                     <a:ext uri="{9D8B030D-6E8A-4147-A177-3AD203B41FA5}">
-                      <a16:colId xmlns="" xmlns:a16="http://schemas.microsoft.com/office/drawing/2014/main" val="3021301464"/>
+                      <a16:colId xmlns:a16="http://schemas.microsoft.com/office/drawing/2014/main" xmlns="" val="3021301464"/>
                     </a:ext>
                   </a:extLst>
                 </a:gridCol>
@@ -36737,7 +36737,7 @@
                 </a:tc>
                 <a:extLst>
                   <a:ext uri="{0D108BD9-81ED-4DB2-BD59-A6C34878D82A}">
-                    <a16:rowId xmlns="" xmlns:a16="http://schemas.microsoft.com/office/drawing/2014/main" val="3351181703"/>
+                    <a16:rowId xmlns:a16="http://schemas.microsoft.com/office/drawing/2014/main" xmlns="" val="3351181703"/>
                   </a:ext>
                 </a:extLst>
               </a:tr>
@@ -36750,7 +36750,7 @@
           <p:cNvPr id="99" name="Table 7">
             <a:extLst>
               <a:ext uri="{FF2B5EF4-FFF2-40B4-BE49-F238E27FC236}">
-                <a16:creationId xmlns="" xmlns:a16="http://schemas.microsoft.com/office/drawing/2014/main" id="{13DD3876-5087-3DF3-5F55-B12149593166}"/>
+                <a16:creationId xmlns:a16="http://schemas.microsoft.com/office/drawing/2014/main" xmlns="" id="{13DD3876-5087-3DF3-5F55-B12149593166}"/>
               </a:ext>
             </a:extLst>
           </p:cNvPr>
@@ -36760,13 +36760,13 @@
           <p:nvPr>
             <p:extLst>
               <p:ext uri="{D42A27DB-BD31-4B8C-83A1-F6EECF244321}">
-                <p14:modId xmlns="" xmlns:p14="http://schemas.microsoft.com/office/powerpoint/2010/main" val="1526090598"/>
+                <p14:modId xmlns:p14="http://schemas.microsoft.com/office/powerpoint/2010/main" xmlns="" val="1526090598"/>
               </p:ext>
             </p:extLst>
           </p:nvPr>
         </p:nvGraphicFramePr>
         <p:xfrm>
-          <a:off x="5711228" y="5555254"/>
+          <a:off x="5711228" y="5392416"/>
           <a:ext cx="144000" cy="180000"/>
         </p:xfrm>
         <a:graphic>
@@ -36779,7 +36779,7 @@
                 <a:gridCol w="144000">
                   <a:extLst>
                     <a:ext uri="{9D8B030D-6E8A-4147-A177-3AD203B41FA5}">
-                      <a16:colId xmlns="" xmlns:a16="http://schemas.microsoft.com/office/drawing/2014/main" val="3021301464"/>
+                      <a16:colId xmlns:a16="http://schemas.microsoft.com/office/drawing/2014/main" xmlns="" val="3021301464"/>
                     </a:ext>
                   </a:extLst>
                 </a:gridCol>
@@ -36815,7 +36815,7 @@
                 </a:tc>
                 <a:extLst>
                   <a:ext uri="{0D108BD9-81ED-4DB2-BD59-A6C34878D82A}">
-                    <a16:rowId xmlns="" xmlns:a16="http://schemas.microsoft.com/office/drawing/2014/main" val="3351181703"/>
+                    <a16:rowId xmlns:a16="http://schemas.microsoft.com/office/drawing/2014/main" xmlns="" val="3351181703"/>
                   </a:ext>
                 </a:extLst>
               </a:tr>
@@ -36828,7 +36828,7 @@
           <p:cNvPr id="100" name="Table 7">
             <a:extLst>
               <a:ext uri="{FF2B5EF4-FFF2-40B4-BE49-F238E27FC236}">
-                <a16:creationId xmlns="" xmlns:a16="http://schemas.microsoft.com/office/drawing/2014/main" id="{57653986-5EDC-B943-11E8-3C87D17901DA}"/>
+                <a16:creationId xmlns:a16="http://schemas.microsoft.com/office/drawing/2014/main" xmlns="" id="{57653986-5EDC-B943-11E8-3C87D17901DA}"/>
               </a:ext>
             </a:extLst>
           </p:cNvPr>
@@ -36838,13 +36838,13 @@
           <p:nvPr>
             <p:extLst>
               <p:ext uri="{D42A27DB-BD31-4B8C-83A1-F6EECF244321}">
-                <p14:modId xmlns="" xmlns:p14="http://schemas.microsoft.com/office/powerpoint/2010/main" val="2189245943"/>
+                <p14:modId xmlns:p14="http://schemas.microsoft.com/office/powerpoint/2010/main" xmlns="" val="2189245943"/>
               </p:ext>
             </p:extLst>
           </p:nvPr>
         </p:nvGraphicFramePr>
         <p:xfrm>
-          <a:off x="6004789" y="5555254"/>
+          <a:off x="6004789" y="5392416"/>
           <a:ext cx="144000" cy="180000"/>
         </p:xfrm>
         <a:graphic>
@@ -36857,7 +36857,7 @@
                 <a:gridCol w="144000">
                   <a:extLst>
                     <a:ext uri="{9D8B030D-6E8A-4147-A177-3AD203B41FA5}">
-                      <a16:colId xmlns="" xmlns:a16="http://schemas.microsoft.com/office/drawing/2014/main" val="3021301464"/>
+                      <a16:colId xmlns:a16="http://schemas.microsoft.com/office/drawing/2014/main" xmlns="" val="3021301464"/>
                     </a:ext>
                   </a:extLst>
                 </a:gridCol>
@@ -36893,7 +36893,7 @@
                 </a:tc>
                 <a:extLst>
                   <a:ext uri="{0D108BD9-81ED-4DB2-BD59-A6C34878D82A}">
-                    <a16:rowId xmlns="" xmlns:a16="http://schemas.microsoft.com/office/drawing/2014/main" val="3351181703"/>
+                    <a16:rowId xmlns:a16="http://schemas.microsoft.com/office/drawing/2014/main" xmlns="" val="3351181703"/>
                   </a:ext>
                 </a:extLst>
               </a:tr>
@@ -36906,7 +36906,7 @@
           <p:cNvPr id="101" name="Table 7">
             <a:extLst>
               <a:ext uri="{FF2B5EF4-FFF2-40B4-BE49-F238E27FC236}">
-                <a16:creationId xmlns="" xmlns:a16="http://schemas.microsoft.com/office/drawing/2014/main" id="{817D89DD-5599-E7DC-78E5-67D5BA52B2A4}"/>
+                <a16:creationId xmlns:a16="http://schemas.microsoft.com/office/drawing/2014/main" xmlns="" id="{817D89DD-5599-E7DC-78E5-67D5BA52B2A4}"/>
               </a:ext>
             </a:extLst>
           </p:cNvPr>
@@ -36916,13 +36916,13 @@
           <p:nvPr>
             <p:extLst>
               <p:ext uri="{D42A27DB-BD31-4B8C-83A1-F6EECF244321}">
-                <p14:modId xmlns="" xmlns:p14="http://schemas.microsoft.com/office/powerpoint/2010/main" val="484539680"/>
+                <p14:modId xmlns:p14="http://schemas.microsoft.com/office/powerpoint/2010/main" xmlns="" val="484539680"/>
               </p:ext>
             </p:extLst>
           </p:nvPr>
         </p:nvGraphicFramePr>
         <p:xfrm>
-          <a:off x="6152177" y="5555254"/>
+          <a:off x="6152177" y="5392416"/>
           <a:ext cx="144000" cy="180000"/>
         </p:xfrm>
         <a:graphic>
@@ -36935,7 +36935,7 @@
                 <a:gridCol w="144000">
                   <a:extLst>
                     <a:ext uri="{9D8B030D-6E8A-4147-A177-3AD203B41FA5}">
-                      <a16:colId xmlns="" xmlns:a16="http://schemas.microsoft.com/office/drawing/2014/main" val="3021301464"/>
+                      <a16:colId xmlns:a16="http://schemas.microsoft.com/office/drawing/2014/main" xmlns="" val="3021301464"/>
                     </a:ext>
                   </a:extLst>
                 </a:gridCol>
@@ -36971,7 +36971,7 @@
                 </a:tc>
                 <a:extLst>
                   <a:ext uri="{0D108BD9-81ED-4DB2-BD59-A6C34878D82A}">
-                    <a16:rowId xmlns="" xmlns:a16="http://schemas.microsoft.com/office/drawing/2014/main" val="3351181703"/>
+                    <a16:rowId xmlns:a16="http://schemas.microsoft.com/office/drawing/2014/main" xmlns="" val="3351181703"/>
                   </a:ext>
                 </a:extLst>
               </a:tr>
@@ -36984,7 +36984,7 @@
           <p:cNvPr id="102" name="TextBox 101">
             <a:extLst>
               <a:ext uri="{FF2B5EF4-FFF2-40B4-BE49-F238E27FC236}">
-                <a16:creationId xmlns="" xmlns:a16="http://schemas.microsoft.com/office/drawing/2014/main" id="{C482307F-595D-EAA7-5203-921ECA3F42DD}"/>
+                <a16:creationId xmlns:a16="http://schemas.microsoft.com/office/drawing/2014/main" xmlns="" id="{C482307F-595D-EAA7-5203-921ECA3F42DD}"/>
               </a:ext>
             </a:extLst>
           </p:cNvPr>
@@ -36993,7 +36993,7 @@
         </p:nvSpPr>
         <p:spPr>
           <a:xfrm>
-            <a:off x="6440177" y="5295943"/>
+            <a:off x="6440177" y="5133105"/>
             <a:ext cx="1000595" cy="246221"/>
           </a:xfrm>
           <a:prstGeom prst="rect">
@@ -37032,7 +37032,7 @@
           <p:cNvPr id="103" name="TextBox 102">
             <a:extLst>
               <a:ext uri="{FF2B5EF4-FFF2-40B4-BE49-F238E27FC236}">
-                <a16:creationId xmlns="" xmlns:a16="http://schemas.microsoft.com/office/drawing/2014/main" id="{ABAA9A2C-D4B2-6C63-A5E3-1B7605D4B871}"/>
+                <a16:creationId xmlns:a16="http://schemas.microsoft.com/office/drawing/2014/main" xmlns="" id="{ABAA9A2C-D4B2-6C63-A5E3-1B7605D4B871}"/>
               </a:ext>
             </a:extLst>
           </p:cNvPr>
@@ -37041,7 +37041,7 @@
         </p:nvSpPr>
         <p:spPr>
           <a:xfrm>
-            <a:off x="6440177" y="5505863"/>
+            <a:off x="6440177" y="5343025"/>
             <a:ext cx="986167" cy="246221"/>
           </a:xfrm>
           <a:prstGeom prst="rect">
@@ -37076,7 +37076,7 @@
           <p:cNvPr id="104" name="TextBox 103">
             <a:extLst>
               <a:ext uri="{FF2B5EF4-FFF2-40B4-BE49-F238E27FC236}">
-                <a16:creationId xmlns="" xmlns:a16="http://schemas.microsoft.com/office/drawing/2014/main" id="{E5CD5CAC-6855-62C4-793C-DA27D34F6A5D}"/>
+                <a16:creationId xmlns:a16="http://schemas.microsoft.com/office/drawing/2014/main" xmlns="" id="{E5CD5CAC-6855-62C4-793C-DA27D34F6A5D}"/>
               </a:ext>
             </a:extLst>
           </p:cNvPr>
@@ -37085,7 +37085,7 @@
         </p:nvSpPr>
         <p:spPr>
           <a:xfrm>
-            <a:off x="6440177" y="5708346"/>
+            <a:off x="6440177" y="5545508"/>
             <a:ext cx="2513830" cy="246221"/>
           </a:xfrm>
           <a:prstGeom prst="rect">
@@ -37132,7 +37132,7 @@
           <p:cNvPr id="105" name="Table 7">
             <a:extLst>
               <a:ext uri="{FF2B5EF4-FFF2-40B4-BE49-F238E27FC236}">
-                <a16:creationId xmlns="" xmlns:a16="http://schemas.microsoft.com/office/drawing/2014/main" id="{27CA5F2E-41A0-7C5E-15AF-C5839533B351}"/>
+                <a16:creationId xmlns:a16="http://schemas.microsoft.com/office/drawing/2014/main" xmlns="" id="{27CA5F2E-41A0-7C5E-15AF-C5839533B351}"/>
               </a:ext>
             </a:extLst>
           </p:cNvPr>
@@ -37142,13 +37142,13 @@
           <p:nvPr>
             <p:extLst>
               <p:ext uri="{D42A27DB-BD31-4B8C-83A1-F6EECF244321}">
-                <p14:modId xmlns="" xmlns:p14="http://schemas.microsoft.com/office/powerpoint/2010/main" val="2131929167"/>
+                <p14:modId xmlns:p14="http://schemas.microsoft.com/office/powerpoint/2010/main" xmlns="" val="2131929167"/>
               </p:ext>
             </p:extLst>
           </p:nvPr>
         </p:nvGraphicFramePr>
         <p:xfrm>
-          <a:off x="6156310" y="5766270"/>
+          <a:off x="6156310" y="5603432"/>
           <a:ext cx="144000" cy="180000"/>
         </p:xfrm>
         <a:graphic>
@@ -37161,7 +37161,7 @@
                 <a:gridCol w="144000">
                   <a:extLst>
                     <a:ext uri="{9D8B030D-6E8A-4147-A177-3AD203B41FA5}">
-                      <a16:colId xmlns="" xmlns:a16="http://schemas.microsoft.com/office/drawing/2014/main" val="3021301464"/>
+                      <a16:colId xmlns:a16="http://schemas.microsoft.com/office/drawing/2014/main" xmlns="" val="3021301464"/>
                     </a:ext>
                   </a:extLst>
                 </a:gridCol>
@@ -37197,7 +37197,7 @@
                 </a:tc>
                 <a:extLst>
                   <a:ext uri="{0D108BD9-81ED-4DB2-BD59-A6C34878D82A}">
-                    <a16:rowId xmlns="" xmlns:a16="http://schemas.microsoft.com/office/drawing/2014/main" val="3351181703"/>
+                    <a16:rowId xmlns:a16="http://schemas.microsoft.com/office/drawing/2014/main" xmlns="" val="3351181703"/>
                   </a:ext>
                 </a:extLst>
               </a:tr>
@@ -37210,7 +37210,7 @@
           <p:cNvPr id="106" name="Table 7">
             <a:extLst>
               <a:ext uri="{FF2B5EF4-FFF2-40B4-BE49-F238E27FC236}">
-                <a16:creationId xmlns="" xmlns:a16="http://schemas.microsoft.com/office/drawing/2014/main" id="{03CF6CE4-1008-E49A-2173-9E7A507F3EDB}"/>
+                <a16:creationId xmlns:a16="http://schemas.microsoft.com/office/drawing/2014/main" xmlns="" id="{03CF6CE4-1008-E49A-2173-9E7A507F3EDB}"/>
               </a:ext>
             </a:extLst>
           </p:cNvPr>
@@ -37220,13 +37220,13 @@
           <p:nvPr>
             <p:extLst>
               <p:ext uri="{D42A27DB-BD31-4B8C-83A1-F6EECF244321}">
-                <p14:modId xmlns="" xmlns:p14="http://schemas.microsoft.com/office/powerpoint/2010/main" val="3343733790"/>
+                <p14:modId xmlns:p14="http://schemas.microsoft.com/office/powerpoint/2010/main" xmlns="" val="3343733790"/>
               </p:ext>
             </p:extLst>
           </p:nvPr>
         </p:nvGraphicFramePr>
         <p:xfrm>
-          <a:off x="5570692" y="5766270"/>
+          <a:off x="5570692" y="5603432"/>
           <a:ext cx="144000" cy="180000"/>
         </p:xfrm>
         <a:graphic>
@@ -37239,7 +37239,7 @@
                 <a:gridCol w="144000">
                   <a:extLst>
                     <a:ext uri="{9D8B030D-6E8A-4147-A177-3AD203B41FA5}">
-                      <a16:colId xmlns="" xmlns:a16="http://schemas.microsoft.com/office/drawing/2014/main" val="3021301464"/>
+                      <a16:colId xmlns:a16="http://schemas.microsoft.com/office/drawing/2014/main" xmlns="" val="3021301464"/>
                     </a:ext>
                   </a:extLst>
                 </a:gridCol>
@@ -37275,7 +37275,7 @@
                 </a:tc>
                 <a:extLst>
                   <a:ext uri="{0D108BD9-81ED-4DB2-BD59-A6C34878D82A}">
-                    <a16:rowId xmlns="" xmlns:a16="http://schemas.microsoft.com/office/drawing/2014/main" val="3351181703"/>
+                    <a16:rowId xmlns:a16="http://schemas.microsoft.com/office/drawing/2014/main" xmlns="" val="3351181703"/>
                   </a:ext>
                 </a:extLst>
               </a:tr>
@@ -37288,7 +37288,7 @@
           <p:cNvPr id="107" name="Table 7">
             <a:extLst>
               <a:ext uri="{FF2B5EF4-FFF2-40B4-BE49-F238E27FC236}">
-                <a16:creationId xmlns="" xmlns:a16="http://schemas.microsoft.com/office/drawing/2014/main" id="{E69A5B2D-5EDA-EF7B-2A6E-2BC0C7AF292B}"/>
+                <a16:creationId xmlns:a16="http://schemas.microsoft.com/office/drawing/2014/main" xmlns="" id="{E69A5B2D-5EDA-EF7B-2A6E-2BC0C7AF292B}"/>
               </a:ext>
             </a:extLst>
           </p:cNvPr>
@@ -37298,13 +37298,13 @@
           <p:nvPr>
             <p:extLst>
               <p:ext uri="{D42A27DB-BD31-4B8C-83A1-F6EECF244321}">
-                <p14:modId xmlns="" xmlns:p14="http://schemas.microsoft.com/office/powerpoint/2010/main" val="3905174155"/>
+                <p14:modId xmlns:p14="http://schemas.microsoft.com/office/powerpoint/2010/main" xmlns="" val="3905174155"/>
               </p:ext>
             </p:extLst>
           </p:nvPr>
         </p:nvGraphicFramePr>
         <p:xfrm>
-          <a:off x="5720812" y="5766270"/>
+          <a:off x="5720812" y="5603432"/>
           <a:ext cx="144000" cy="180000"/>
         </p:xfrm>
         <a:graphic>
@@ -37317,7 +37317,7 @@
                 <a:gridCol w="144000">
                   <a:extLst>
                     <a:ext uri="{9D8B030D-6E8A-4147-A177-3AD203B41FA5}">
-                      <a16:colId xmlns="" xmlns:a16="http://schemas.microsoft.com/office/drawing/2014/main" val="3021301464"/>
+                      <a16:colId xmlns:a16="http://schemas.microsoft.com/office/drawing/2014/main" xmlns="" val="3021301464"/>
                     </a:ext>
                   </a:extLst>
                 </a:gridCol>
@@ -37329,12 +37329,12 @@
                     <a:lstStyle/>
                     <a:p>
                       <a:r>
-                        <a:rPr lang="en-US" sz="1000" b="1" dirty="0">
+                        <a:rPr lang="en-US" sz="1000" b="1" dirty="0" smtClean="0">
                           <a:solidFill>
                             <a:schemeClr val="bg1"/>
                           </a:solidFill>
                         </a:rPr>
-                        <a:t>?</a:t>
+                        <a:t>-</a:t>
                       </a:r>
                       <a:endParaRPr lang="x-none" sz="1000" b="1" dirty="0">
                         <a:solidFill>
@@ -37353,7 +37353,7 @@
                 </a:tc>
                 <a:extLst>
                   <a:ext uri="{0D108BD9-81ED-4DB2-BD59-A6C34878D82A}">
-                    <a16:rowId xmlns="" xmlns:a16="http://schemas.microsoft.com/office/drawing/2014/main" val="3351181703"/>
+                    <a16:rowId xmlns:a16="http://schemas.microsoft.com/office/drawing/2014/main" xmlns="" val="3351181703"/>
                   </a:ext>
                 </a:extLst>
               </a:tr>
@@ -37366,7 +37366,7 @@
           <p:cNvPr id="108" name="TextBox 107">
             <a:extLst>
               <a:ext uri="{FF2B5EF4-FFF2-40B4-BE49-F238E27FC236}">
-                <a16:creationId xmlns="" xmlns:a16="http://schemas.microsoft.com/office/drawing/2014/main" id="{776C9AEF-3310-6FD9-013B-679E9C83988C}"/>
+                <a16:creationId xmlns:a16="http://schemas.microsoft.com/office/drawing/2014/main" xmlns="" id="{776C9AEF-3310-6FD9-013B-679E9C83988C}"/>
               </a:ext>
             </a:extLst>
           </p:cNvPr>
@@ -37375,7 +37375,7 @@
         </p:nvSpPr>
         <p:spPr>
           <a:xfrm>
-            <a:off x="5466650" y="4893008"/>
+            <a:off x="5466650" y="4730170"/>
             <a:ext cx="1548950" cy="338554"/>
           </a:xfrm>
           <a:prstGeom prst="rect">
@@ -37402,7 +37402,7 @@
           <p:cNvPr id="109" name="Table 7">
             <a:extLst>
               <a:ext uri="{FF2B5EF4-FFF2-40B4-BE49-F238E27FC236}">
-                <a16:creationId xmlns="" xmlns:a16="http://schemas.microsoft.com/office/drawing/2014/main" id="{4381C1A7-399A-01DF-DAFC-0AE06D5401A3}"/>
+                <a16:creationId xmlns:a16="http://schemas.microsoft.com/office/drawing/2014/main" xmlns="" id="{4381C1A7-399A-01DF-DAFC-0AE06D5401A3}"/>
               </a:ext>
             </a:extLst>
           </p:cNvPr>
@@ -37412,7 +37412,7 @@
           <p:nvPr>
             <p:extLst>
               <p:ext uri="{D42A27DB-BD31-4B8C-83A1-F6EECF244321}">
-                <p14:modId xmlns="" xmlns:p14="http://schemas.microsoft.com/office/powerpoint/2010/main" val="3482510081"/>
+                <p14:modId xmlns:p14="http://schemas.microsoft.com/office/powerpoint/2010/main" xmlns="" val="3482510081"/>
               </p:ext>
             </p:extLst>
           </p:nvPr>
@@ -37431,7 +37431,7 @@
                 <a:gridCol w="144000">
                   <a:extLst>
                     <a:ext uri="{9D8B030D-6E8A-4147-A177-3AD203B41FA5}">
-                      <a16:colId xmlns="" xmlns:a16="http://schemas.microsoft.com/office/drawing/2014/main" val="3021301464"/>
+                      <a16:colId xmlns:a16="http://schemas.microsoft.com/office/drawing/2014/main" xmlns="" val="3021301464"/>
                     </a:ext>
                   </a:extLst>
                 </a:gridCol>
@@ -37457,7 +37457,7 @@
                 </a:tc>
                 <a:extLst>
                   <a:ext uri="{0D108BD9-81ED-4DB2-BD59-A6C34878D82A}">
-                    <a16:rowId xmlns="" xmlns:a16="http://schemas.microsoft.com/office/drawing/2014/main" val="3351181703"/>
+                    <a16:rowId xmlns:a16="http://schemas.microsoft.com/office/drawing/2014/main" xmlns="" val="3351181703"/>
                   </a:ext>
                 </a:extLst>
               </a:tr>
@@ -37470,7 +37470,7 @@
           <p:cNvPr id="110" name="TextBox 109">
             <a:extLst>
               <a:ext uri="{FF2B5EF4-FFF2-40B4-BE49-F238E27FC236}">
-                <a16:creationId xmlns="" xmlns:a16="http://schemas.microsoft.com/office/drawing/2014/main" id="{7546F492-2399-D2F0-ED11-3F3D7D228F48}"/>
+                <a16:creationId xmlns:a16="http://schemas.microsoft.com/office/drawing/2014/main" xmlns="" id="{7546F492-2399-D2F0-ED11-3F3D7D228F48}"/>
               </a:ext>
             </a:extLst>
           </p:cNvPr>
@@ -37526,7 +37526,7 @@
           <p:cNvPr id="111" name="Table 7">
             <a:extLst>
               <a:ext uri="{FF2B5EF4-FFF2-40B4-BE49-F238E27FC236}">
-                <a16:creationId xmlns="" xmlns:a16="http://schemas.microsoft.com/office/drawing/2014/main" id="{7AE91769-15D9-97F6-72AB-7FEF0B1053BE}"/>
+                <a16:creationId xmlns:a16="http://schemas.microsoft.com/office/drawing/2014/main" xmlns="" id="{7AE91769-15D9-97F6-72AB-7FEF0B1053BE}"/>
               </a:ext>
             </a:extLst>
           </p:cNvPr>
@@ -37536,7 +37536,7 @@
           <p:nvPr>
             <p:extLst>
               <p:ext uri="{D42A27DB-BD31-4B8C-83A1-F6EECF244321}">
-                <p14:modId xmlns="" xmlns:p14="http://schemas.microsoft.com/office/powerpoint/2010/main" val="3529314178"/>
+                <p14:modId xmlns:p14="http://schemas.microsoft.com/office/powerpoint/2010/main" xmlns="" val="3529314178"/>
               </p:ext>
             </p:extLst>
           </p:nvPr>
@@ -37555,7 +37555,7 @@
                 <a:gridCol w="144000">
                   <a:extLst>
                     <a:ext uri="{9D8B030D-6E8A-4147-A177-3AD203B41FA5}">
-                      <a16:colId xmlns="" xmlns:a16="http://schemas.microsoft.com/office/drawing/2014/main" val="3021301464"/>
+                      <a16:colId xmlns:a16="http://schemas.microsoft.com/office/drawing/2014/main" xmlns="" val="3021301464"/>
                     </a:ext>
                   </a:extLst>
                 </a:gridCol>
@@ -37581,7 +37581,7 @@
                 </a:tc>
                 <a:extLst>
                   <a:ext uri="{0D108BD9-81ED-4DB2-BD59-A6C34878D82A}">
-                    <a16:rowId xmlns="" xmlns:a16="http://schemas.microsoft.com/office/drawing/2014/main" val="3351181703"/>
+                    <a16:rowId xmlns:a16="http://schemas.microsoft.com/office/drawing/2014/main" xmlns="" val="3351181703"/>
                   </a:ext>
                 </a:extLst>
               </a:tr>
@@ -37594,7 +37594,7 @@
           <p:cNvPr id="112" name="TextBox 111">
             <a:extLst>
               <a:ext uri="{FF2B5EF4-FFF2-40B4-BE49-F238E27FC236}">
-                <a16:creationId xmlns="" xmlns:a16="http://schemas.microsoft.com/office/drawing/2014/main" id="{77A221C2-AAE5-16F4-33F1-3C76FD236AD9}"/>
+                <a16:creationId xmlns:a16="http://schemas.microsoft.com/office/drawing/2014/main" xmlns="" id="{77A221C2-AAE5-16F4-33F1-3C76FD236AD9}"/>
               </a:ext>
             </a:extLst>
           </p:cNvPr>
@@ -37630,7 +37630,7 @@
           <p:cNvPr id="113" name="TextBox 112">
             <a:extLst>
               <a:ext uri="{FF2B5EF4-FFF2-40B4-BE49-F238E27FC236}">
-                <a16:creationId xmlns="" xmlns:a16="http://schemas.microsoft.com/office/drawing/2014/main" id="{FAE0B069-1979-F2A0-96C4-CE1BA392376B}"/>
+                <a16:creationId xmlns:a16="http://schemas.microsoft.com/office/drawing/2014/main" xmlns="" id="{FAE0B069-1979-F2A0-96C4-CE1BA392376B}"/>
               </a:ext>
             </a:extLst>
           </p:cNvPr>
@@ -37667,7 +37667,11 @@
             </a:r>
             <a:r>
               <a:rPr lang="en-US" sz="800" dirty="0"/>
-              <a:t> 1.0</a:t>
+              <a:t> </a:t>
+            </a:r>
+            <a:r>
+              <a:rPr lang="en-US" sz="800" dirty="0" smtClean="0"/>
+              <a:t>1.1</a:t>
             </a:r>
             <a:endParaRPr lang="x-none" sz="800" dirty="0"/>
           </a:p>
@@ -37678,7 +37682,7 @@
           <p:cNvPr id="2" name="Table 7">
             <a:extLst>
               <a:ext uri="{FF2B5EF4-FFF2-40B4-BE49-F238E27FC236}">
-                <a16:creationId xmlns="" xmlns:a16="http://schemas.microsoft.com/office/drawing/2014/main" id="{CCEDE79E-CE5B-FDCB-80F1-7F31EED5CB6C}"/>
+                <a16:creationId xmlns:a16="http://schemas.microsoft.com/office/drawing/2014/main" xmlns="" id="{CCEDE79E-CE5B-FDCB-80F1-7F31EED5CB6C}"/>
               </a:ext>
             </a:extLst>
           </p:cNvPr>
@@ -37688,7 +37692,7 @@
           <p:nvPr>
             <p:extLst>
               <p:ext uri="{D42A27DB-BD31-4B8C-83A1-F6EECF244321}">
-                <p14:modId xmlns="" xmlns:p14="http://schemas.microsoft.com/office/powerpoint/2010/main" val="2602867934"/>
+                <p14:modId xmlns:p14="http://schemas.microsoft.com/office/powerpoint/2010/main" xmlns="" val="2602867934"/>
               </p:ext>
             </p:extLst>
           </p:nvPr>
@@ -37707,7 +37711,7 @@
                 <a:gridCol w="144000">
                   <a:extLst>
                     <a:ext uri="{9D8B030D-6E8A-4147-A177-3AD203B41FA5}">
-                      <a16:colId xmlns="" xmlns:a16="http://schemas.microsoft.com/office/drawing/2014/main" val="3021301464"/>
+                      <a16:colId xmlns:a16="http://schemas.microsoft.com/office/drawing/2014/main" xmlns="" val="3021301464"/>
                     </a:ext>
                   </a:extLst>
                 </a:gridCol>
@@ -37733,7 +37737,7 @@
                 </a:tc>
                 <a:extLst>
                   <a:ext uri="{0D108BD9-81ED-4DB2-BD59-A6C34878D82A}">
-                    <a16:rowId xmlns="" xmlns:a16="http://schemas.microsoft.com/office/drawing/2014/main" val="3351181703"/>
+                    <a16:rowId xmlns:a16="http://schemas.microsoft.com/office/drawing/2014/main" xmlns="" val="3351181703"/>
                   </a:ext>
                 </a:extLst>
               </a:tr>
@@ -37746,7 +37750,7 @@
           <p:cNvPr id="3" name="Table 7">
             <a:extLst>
               <a:ext uri="{FF2B5EF4-FFF2-40B4-BE49-F238E27FC236}">
-                <a16:creationId xmlns="" xmlns:a16="http://schemas.microsoft.com/office/drawing/2014/main" id="{24337D12-8ECE-6B61-6EDC-2C911AF8F66D}"/>
+                <a16:creationId xmlns:a16="http://schemas.microsoft.com/office/drawing/2014/main" xmlns="" id="{24337D12-8ECE-6B61-6EDC-2C911AF8F66D}"/>
               </a:ext>
             </a:extLst>
           </p:cNvPr>
@@ -37756,7 +37760,7 @@
           <p:nvPr>
             <p:extLst>
               <p:ext uri="{D42A27DB-BD31-4B8C-83A1-F6EECF244321}">
-                <p14:modId xmlns="" xmlns:p14="http://schemas.microsoft.com/office/powerpoint/2010/main" val="3727811388"/>
+                <p14:modId xmlns:p14="http://schemas.microsoft.com/office/powerpoint/2010/main" xmlns="" val="3727811388"/>
               </p:ext>
             </p:extLst>
           </p:nvPr>
@@ -37775,7 +37779,7 @@
                 <a:gridCol w="144000">
                   <a:extLst>
                     <a:ext uri="{9D8B030D-6E8A-4147-A177-3AD203B41FA5}">
-                      <a16:colId xmlns="" xmlns:a16="http://schemas.microsoft.com/office/drawing/2014/main" val="3021301464"/>
+                      <a16:colId xmlns:a16="http://schemas.microsoft.com/office/drawing/2014/main" xmlns="" val="3021301464"/>
                     </a:ext>
                   </a:extLst>
                 </a:gridCol>
@@ -37801,7 +37805,7 @@
                 </a:tc>
                 <a:extLst>
                   <a:ext uri="{0D108BD9-81ED-4DB2-BD59-A6C34878D82A}">
-                    <a16:rowId xmlns="" xmlns:a16="http://schemas.microsoft.com/office/drawing/2014/main" val="3351181703"/>
+                    <a16:rowId xmlns:a16="http://schemas.microsoft.com/office/drawing/2014/main" xmlns="" val="3351181703"/>
                   </a:ext>
                 </a:extLst>
               </a:tr>
@@ -37814,7 +37818,7 @@
           <p:cNvPr id="4" name="Table 7">
             <a:extLst>
               <a:ext uri="{FF2B5EF4-FFF2-40B4-BE49-F238E27FC236}">
-                <a16:creationId xmlns="" xmlns:a16="http://schemas.microsoft.com/office/drawing/2014/main" id="{8F229768-D99B-8B6E-DD7D-5940521E9378}"/>
+                <a16:creationId xmlns:a16="http://schemas.microsoft.com/office/drawing/2014/main" xmlns="" id="{8F229768-D99B-8B6E-DD7D-5940521E9378}"/>
               </a:ext>
             </a:extLst>
           </p:cNvPr>
@@ -37824,7 +37828,7 @@
           <p:nvPr>
             <p:extLst>
               <p:ext uri="{D42A27DB-BD31-4B8C-83A1-F6EECF244321}">
-                <p14:modId xmlns="" xmlns:p14="http://schemas.microsoft.com/office/powerpoint/2010/main" val="1501189728"/>
+                <p14:modId xmlns:p14="http://schemas.microsoft.com/office/powerpoint/2010/main" xmlns="" val="1501189728"/>
               </p:ext>
             </p:extLst>
           </p:nvPr>
@@ -37843,7 +37847,7 @@
                 <a:gridCol w="144000">
                   <a:extLst>
                     <a:ext uri="{9D8B030D-6E8A-4147-A177-3AD203B41FA5}">
-                      <a16:colId xmlns="" xmlns:a16="http://schemas.microsoft.com/office/drawing/2014/main" val="3021301464"/>
+                      <a16:colId xmlns:a16="http://schemas.microsoft.com/office/drawing/2014/main" xmlns="" val="3021301464"/>
                     </a:ext>
                   </a:extLst>
                 </a:gridCol>
@@ -37869,7 +37873,7 @@
                 </a:tc>
                 <a:extLst>
                   <a:ext uri="{0D108BD9-81ED-4DB2-BD59-A6C34878D82A}">
-                    <a16:rowId xmlns="" xmlns:a16="http://schemas.microsoft.com/office/drawing/2014/main" val="3351181703"/>
+                    <a16:rowId xmlns:a16="http://schemas.microsoft.com/office/drawing/2014/main" xmlns="" val="3351181703"/>
                   </a:ext>
                 </a:extLst>
               </a:tr>
@@ -37882,7 +37886,7 @@
           <p:cNvPr id="5" name="Table 7">
             <a:extLst>
               <a:ext uri="{FF2B5EF4-FFF2-40B4-BE49-F238E27FC236}">
-                <a16:creationId xmlns="" xmlns:a16="http://schemas.microsoft.com/office/drawing/2014/main" id="{5F3CC08F-5B22-5F56-DDE9-7A27AA26C5B6}"/>
+                <a16:creationId xmlns:a16="http://schemas.microsoft.com/office/drawing/2014/main" xmlns="" id="{5F3CC08F-5B22-5F56-DDE9-7A27AA26C5B6}"/>
               </a:ext>
             </a:extLst>
           </p:cNvPr>
@@ -37892,7 +37896,7 @@
           <p:nvPr>
             <p:extLst>
               <p:ext uri="{D42A27DB-BD31-4B8C-83A1-F6EECF244321}">
-                <p14:modId xmlns="" xmlns:p14="http://schemas.microsoft.com/office/powerpoint/2010/main" val="3745266418"/>
+                <p14:modId xmlns:p14="http://schemas.microsoft.com/office/powerpoint/2010/main" xmlns="" val="3745266418"/>
               </p:ext>
             </p:extLst>
           </p:nvPr>
@@ -37911,7 +37915,7 @@
                 <a:gridCol w="144000">
                   <a:extLst>
                     <a:ext uri="{9D8B030D-6E8A-4147-A177-3AD203B41FA5}">
-                      <a16:colId xmlns="" xmlns:a16="http://schemas.microsoft.com/office/drawing/2014/main" val="3021301464"/>
+                      <a16:colId xmlns:a16="http://schemas.microsoft.com/office/drawing/2014/main" xmlns="" val="3021301464"/>
                     </a:ext>
                   </a:extLst>
                 </a:gridCol>
@@ -37937,7 +37941,7 @@
                 </a:tc>
                 <a:extLst>
                   <a:ext uri="{0D108BD9-81ED-4DB2-BD59-A6C34878D82A}">
-                    <a16:rowId xmlns="" xmlns:a16="http://schemas.microsoft.com/office/drawing/2014/main" val="3351181703"/>
+                    <a16:rowId xmlns:a16="http://schemas.microsoft.com/office/drawing/2014/main" xmlns="" val="3351181703"/>
                   </a:ext>
                 </a:extLst>
               </a:tr>
@@ -37950,7 +37954,7 @@
           <p:cNvPr id="10" name="TextBox 9">
             <a:extLst>
               <a:ext uri="{FF2B5EF4-FFF2-40B4-BE49-F238E27FC236}">
-                <a16:creationId xmlns="" xmlns:a16="http://schemas.microsoft.com/office/drawing/2014/main" id="{9C0C536E-82C8-A630-AE57-782AA3E385EB}"/>
+                <a16:creationId xmlns:a16="http://schemas.microsoft.com/office/drawing/2014/main" xmlns="" id="{9C0C536E-82C8-A630-AE57-782AA3E385EB}"/>
               </a:ext>
             </a:extLst>
           </p:cNvPr>
@@ -37981,10 +37985,378 @@
           </a:p>
         </p:txBody>
       </p:sp>
+      <p:graphicFrame>
+        <p:nvGraphicFramePr>
+          <p:cNvPr id="114" name="Table 7">
+            <a:extLst>
+              <a:ext uri="{FF2B5EF4-FFF2-40B4-BE49-F238E27FC236}">
+                <a16:creationId xmlns:a16="http://schemas.microsoft.com/office/drawing/2014/main" xmlns="" id="{28A31018-8A6C-F48F-6730-07B6FE6F57CD}"/>
+              </a:ext>
+            </a:extLst>
+          </p:cNvPr>
+          <p:cNvGraphicFramePr>
+            <a:graphicFrameLocks noGrp="1"/>
+          </p:cNvGraphicFramePr>
+          <p:nvPr>
+            <p:extLst>
+              <p:ext uri="{D42A27DB-BD31-4B8C-83A1-F6EECF244321}">
+                <p14:modId xmlns:p14="http://schemas.microsoft.com/office/powerpoint/2010/main" xmlns="" val="2351572648"/>
+              </p:ext>
+            </p:extLst>
+          </p:nvPr>
+        </p:nvGraphicFramePr>
+        <p:xfrm>
+          <a:off x="6011159" y="5809807"/>
+          <a:ext cx="144000" cy="180000"/>
+        </p:xfrm>
+        <a:graphic>
+          <a:graphicData uri="http://schemas.openxmlformats.org/drawingml/2006/table">
+            <a:tbl>
+              <a:tblPr firstRow="1" bandRow="1">
+                <a:tableStyleId>{5C22544A-7EE6-4342-B048-85BDC9FD1C3A}</a:tableStyleId>
+              </a:tblPr>
+              <a:tblGrid>
+                <a:gridCol w="144000">
+                  <a:extLst>
+                    <a:ext uri="{9D8B030D-6E8A-4147-A177-3AD203B41FA5}">
+                      <a16:colId xmlns:a16="http://schemas.microsoft.com/office/drawing/2014/main" xmlns="" val="3021301464"/>
+                    </a:ext>
+                  </a:extLst>
+                </a:gridCol>
+              </a:tblGrid>
+              <a:tr h="180000">
+                <a:tc>
+                  <a:txBody>
+                    <a:bodyPr/>
+                    <a:lstStyle/>
+                    <a:p>
+                      <a:r>
+                        <a:rPr lang="en-US" sz="1000" b="1" dirty="0">
+                          <a:solidFill>
+                            <a:schemeClr val="bg1"/>
+                          </a:solidFill>
+                        </a:rPr>
+                        <a:t>?</a:t>
+                      </a:r>
+                      <a:endParaRPr lang="x-none" sz="1000" b="1" dirty="0">
+                        <a:solidFill>
+                          <a:schemeClr val="bg1"/>
+                        </a:solidFill>
+                      </a:endParaRPr>
+                    </a:p>
+                  </a:txBody>
+                  <a:tcPr marL="36000" marR="0" marT="0" marB="0">
+                    <a:solidFill>
+                      <a:schemeClr val="accent1">
+                        <a:lumMod val="75000"/>
+                      </a:schemeClr>
+                    </a:solidFill>
+                  </a:tcPr>
+                </a:tc>
+                <a:extLst>
+                  <a:ext uri="{0D108BD9-81ED-4DB2-BD59-A6C34878D82A}">
+                    <a16:rowId xmlns:a16="http://schemas.microsoft.com/office/drawing/2014/main" xmlns="" val="3351181703"/>
+                  </a:ext>
+                </a:extLst>
+              </a:tr>
+            </a:tbl>
+          </a:graphicData>
+        </a:graphic>
+      </p:graphicFrame>
+      <p:sp>
+        <p:nvSpPr>
+          <p:cNvPr id="115" name="TextBox 103">
+            <a:extLst>
+              <a:ext uri="{FF2B5EF4-FFF2-40B4-BE49-F238E27FC236}">
+                <a16:creationId xmlns:a16="http://schemas.microsoft.com/office/drawing/2014/main" xmlns="" id="{E5CD5CAC-6855-62C4-793C-DA27D34F6A5D}"/>
+              </a:ext>
+            </a:extLst>
+          </p:cNvPr>
+          <p:cNvSpPr txBox="1"/>
+          <p:nvPr/>
+        </p:nvSpPr>
+        <p:spPr>
+          <a:xfrm>
+            <a:off x="6442178" y="5751883"/>
+            <a:ext cx="1821332" cy="246221"/>
+          </a:xfrm>
+          <a:prstGeom prst="rect">
+            <a:avLst/>
+          </a:prstGeom>
+          <a:noFill/>
+        </p:spPr>
+        <p:txBody>
+          <a:bodyPr wrap="none" rtlCol="0">
+            <a:spAutoFit/>
+          </a:bodyPr>
+          <a:lstStyle/>
+          <a:p>
+            <a:r>
+              <a:rPr lang="en-US" sz="1000" dirty="0"/>
+              <a:t>= </a:t>
+            </a:r>
+            <a:r>
+              <a:rPr lang="en-US" sz="1000" dirty="0" smtClean="0"/>
+              <a:t>TAM </a:t>
+            </a:r>
+            <a:r>
+              <a:rPr lang="en-US" sz="1000" dirty="0" err="1" smtClean="0"/>
+              <a:t>skickad</a:t>
+            </a:r>
+            <a:r>
+              <a:rPr lang="en-US" sz="1000" dirty="0" smtClean="0"/>
+              <a:t> </a:t>
+            </a:r>
+            <a:r>
+              <a:rPr lang="en-US" sz="1000" dirty="0"/>
+              <a:t>till </a:t>
+            </a:r>
+            <a:r>
+              <a:rPr lang="en-US" sz="1000" dirty="0" err="1"/>
+              <a:t>motstationen</a:t>
+            </a:r>
+            <a:endParaRPr lang="x-none" sz="1000" dirty="0"/>
+          </a:p>
+        </p:txBody>
+      </p:sp>
+      <p:graphicFrame>
+        <p:nvGraphicFramePr>
+          <p:cNvPr id="116" name="Table 7">
+            <a:extLst>
+              <a:ext uri="{FF2B5EF4-FFF2-40B4-BE49-F238E27FC236}">
+                <a16:creationId xmlns:a16="http://schemas.microsoft.com/office/drawing/2014/main" xmlns="" id="{27CA5F2E-41A0-7C5E-15AF-C5839533B351}"/>
+              </a:ext>
+            </a:extLst>
+          </p:cNvPr>
+          <p:cNvGraphicFramePr>
+            <a:graphicFrameLocks noGrp="1"/>
+          </p:cNvGraphicFramePr>
+          <p:nvPr>
+            <p:extLst>
+              <p:ext uri="{D42A27DB-BD31-4B8C-83A1-F6EECF244321}">
+                <p14:modId xmlns:p14="http://schemas.microsoft.com/office/powerpoint/2010/main" xmlns="" val="2131929167"/>
+              </p:ext>
+            </p:extLst>
+          </p:nvPr>
+        </p:nvGraphicFramePr>
+        <p:xfrm>
+          <a:off x="6158311" y="5809807"/>
+          <a:ext cx="144000" cy="180000"/>
+        </p:xfrm>
+        <a:graphic>
+          <a:graphicData uri="http://schemas.openxmlformats.org/drawingml/2006/table">
+            <a:tbl>
+              <a:tblPr firstRow="1" bandRow="1">
+                <a:tableStyleId>{5C22544A-7EE6-4342-B048-85BDC9FD1C3A}</a:tableStyleId>
+              </a:tblPr>
+              <a:tblGrid>
+                <a:gridCol w="144000">
+                  <a:extLst>
+                    <a:ext uri="{9D8B030D-6E8A-4147-A177-3AD203B41FA5}">
+                      <a16:colId xmlns:a16="http://schemas.microsoft.com/office/drawing/2014/main" xmlns="" val="3021301464"/>
+                    </a:ext>
+                  </a:extLst>
+                </a:gridCol>
+              </a:tblGrid>
+              <a:tr h="180000">
+                <a:tc>
+                  <a:txBody>
+                    <a:bodyPr/>
+                    <a:lstStyle/>
+                    <a:p>
+                      <a:r>
+                        <a:rPr lang="en-US" sz="1000" b="1" dirty="0">
+                          <a:solidFill>
+                            <a:schemeClr val="bg1"/>
+                          </a:solidFill>
+                        </a:rPr>
+                        <a:t>B</a:t>
+                      </a:r>
+                      <a:endParaRPr lang="x-none" sz="1000" b="1" dirty="0">
+                        <a:solidFill>
+                          <a:schemeClr val="bg1"/>
+                        </a:solidFill>
+                      </a:endParaRPr>
+                    </a:p>
+                  </a:txBody>
+                  <a:tcPr marL="36000" marR="0" marT="0" marB="0">
+                    <a:solidFill>
+                      <a:schemeClr val="accent1">
+                        <a:lumMod val="75000"/>
+                      </a:schemeClr>
+                    </a:solidFill>
+                  </a:tcPr>
+                </a:tc>
+                <a:extLst>
+                  <a:ext uri="{0D108BD9-81ED-4DB2-BD59-A6C34878D82A}">
+                    <a16:rowId xmlns:a16="http://schemas.microsoft.com/office/drawing/2014/main" xmlns="" val="3351181703"/>
+                  </a:ext>
+                </a:extLst>
+              </a:tr>
+            </a:tbl>
+          </a:graphicData>
+        </a:graphic>
+      </p:graphicFrame>
+      <p:graphicFrame>
+        <p:nvGraphicFramePr>
+          <p:cNvPr id="117" name="Table 7">
+            <a:extLst>
+              <a:ext uri="{FF2B5EF4-FFF2-40B4-BE49-F238E27FC236}">
+                <a16:creationId xmlns:a16="http://schemas.microsoft.com/office/drawing/2014/main" xmlns="" id="{03CF6CE4-1008-E49A-2173-9E7A507F3EDB}"/>
+              </a:ext>
+            </a:extLst>
+          </p:cNvPr>
+          <p:cNvGraphicFramePr>
+            <a:graphicFrameLocks noGrp="1"/>
+          </p:cNvGraphicFramePr>
+          <p:nvPr>
+            <p:extLst>
+              <p:ext uri="{D42A27DB-BD31-4B8C-83A1-F6EECF244321}">
+                <p14:modId xmlns:p14="http://schemas.microsoft.com/office/powerpoint/2010/main" xmlns="" val="3343733790"/>
+              </p:ext>
+            </p:extLst>
+          </p:nvPr>
+        </p:nvGraphicFramePr>
+        <p:xfrm>
+          <a:off x="5572693" y="5809807"/>
+          <a:ext cx="144000" cy="180000"/>
+        </p:xfrm>
+        <a:graphic>
+          <a:graphicData uri="http://schemas.openxmlformats.org/drawingml/2006/table">
+            <a:tbl>
+              <a:tblPr firstRow="1" bandRow="1">
+                <a:tableStyleId>{5C22544A-7EE6-4342-B048-85BDC9FD1C3A}</a:tableStyleId>
+              </a:tblPr>
+              <a:tblGrid>
+                <a:gridCol w="144000">
+                  <a:extLst>
+                    <a:ext uri="{9D8B030D-6E8A-4147-A177-3AD203B41FA5}">
+                      <a16:colId xmlns:a16="http://schemas.microsoft.com/office/drawing/2014/main" xmlns="" val="3021301464"/>
+                    </a:ext>
+                  </a:extLst>
+                </a:gridCol>
+              </a:tblGrid>
+              <a:tr h="180000">
+                <a:tc>
+                  <a:txBody>
+                    <a:bodyPr/>
+                    <a:lstStyle/>
+                    <a:p>
+                      <a:r>
+                        <a:rPr lang="en-US" sz="1000" b="1" dirty="0">
+                          <a:solidFill>
+                            <a:schemeClr val="bg1"/>
+                          </a:solidFill>
+                        </a:rPr>
+                        <a:t>A</a:t>
+                      </a:r>
+                      <a:endParaRPr lang="x-none" sz="1000" b="1" dirty="0">
+                        <a:solidFill>
+                          <a:schemeClr val="bg1"/>
+                        </a:solidFill>
+                      </a:endParaRPr>
+                    </a:p>
+                  </a:txBody>
+                  <a:tcPr marL="36000" marR="0" marT="0" marB="0">
+                    <a:solidFill>
+                      <a:schemeClr val="accent1">
+                        <a:lumMod val="75000"/>
+                      </a:schemeClr>
+                    </a:solidFill>
+                  </a:tcPr>
+                </a:tc>
+                <a:extLst>
+                  <a:ext uri="{0D108BD9-81ED-4DB2-BD59-A6C34878D82A}">
+                    <a16:rowId xmlns:a16="http://schemas.microsoft.com/office/drawing/2014/main" xmlns="" val="3351181703"/>
+                  </a:ext>
+                </a:extLst>
+              </a:tr>
+            </a:tbl>
+          </a:graphicData>
+        </a:graphic>
+      </p:graphicFrame>
+      <p:graphicFrame>
+        <p:nvGraphicFramePr>
+          <p:cNvPr id="118" name="Table 7">
+            <a:extLst>
+              <a:ext uri="{FF2B5EF4-FFF2-40B4-BE49-F238E27FC236}">
+                <a16:creationId xmlns:a16="http://schemas.microsoft.com/office/drawing/2014/main" xmlns="" id="{E69A5B2D-5EDA-EF7B-2A6E-2BC0C7AF292B}"/>
+              </a:ext>
+            </a:extLst>
+          </p:cNvPr>
+          <p:cNvGraphicFramePr>
+            <a:graphicFrameLocks noGrp="1"/>
+          </p:cNvGraphicFramePr>
+          <p:nvPr>
+            <p:extLst>
+              <p:ext uri="{D42A27DB-BD31-4B8C-83A1-F6EECF244321}">
+                <p14:modId xmlns:p14="http://schemas.microsoft.com/office/powerpoint/2010/main" xmlns="" val="3905174155"/>
+              </p:ext>
+            </p:extLst>
+          </p:nvPr>
+        </p:nvGraphicFramePr>
+        <p:xfrm>
+          <a:off x="5722813" y="5809807"/>
+          <a:ext cx="144000" cy="180000"/>
+        </p:xfrm>
+        <a:graphic>
+          <a:graphicData uri="http://schemas.openxmlformats.org/drawingml/2006/table">
+            <a:tbl>
+              <a:tblPr firstRow="1" bandRow="1">
+                <a:tableStyleId>{5C22544A-7EE6-4342-B048-85BDC9FD1C3A}</a:tableStyleId>
+              </a:tblPr>
+              <a:tblGrid>
+                <a:gridCol w="144000">
+                  <a:extLst>
+                    <a:ext uri="{9D8B030D-6E8A-4147-A177-3AD203B41FA5}">
+                      <a16:colId xmlns:a16="http://schemas.microsoft.com/office/drawing/2014/main" xmlns="" val="3021301464"/>
+                    </a:ext>
+                  </a:extLst>
+                </a:gridCol>
+              </a:tblGrid>
+              <a:tr h="180000">
+                <a:tc>
+                  <a:txBody>
+                    <a:bodyPr/>
+                    <a:lstStyle/>
+                    <a:p>
+                      <a:r>
+                        <a:rPr lang="en-US" sz="1000" b="1" dirty="0">
+                          <a:solidFill>
+                            <a:schemeClr val="bg1"/>
+                          </a:solidFill>
+                        </a:rPr>
+                        <a:t>?</a:t>
+                      </a:r>
+                      <a:endParaRPr lang="x-none" sz="1000" b="1" dirty="0">
+                        <a:solidFill>
+                          <a:schemeClr val="bg1"/>
+                        </a:solidFill>
+                      </a:endParaRPr>
+                    </a:p>
+                  </a:txBody>
+                  <a:tcPr marL="36000" marR="0" marT="0" marB="0">
+                    <a:solidFill>
+                      <a:schemeClr val="accent1">
+                        <a:lumMod val="75000"/>
+                      </a:schemeClr>
+                    </a:solidFill>
+                  </a:tcPr>
+                </a:tc>
+                <a:extLst>
+                  <a:ext uri="{0D108BD9-81ED-4DB2-BD59-A6C34878D82A}">
+                    <a16:rowId xmlns:a16="http://schemas.microsoft.com/office/drawing/2014/main" xmlns="" val="3351181703"/>
+                  </a:ext>
+                </a:extLst>
+              </a:tr>
+            </a:tbl>
+          </a:graphicData>
+        </a:graphic>
+      </p:graphicFrame>
     </p:spTree>
     <p:extLst>
       <p:ext uri="{BB962C8B-B14F-4D97-AF65-F5344CB8AC3E}">
-        <p14:creationId xmlns="" xmlns:p14="http://schemas.microsoft.com/office/powerpoint/2010/main" val="1303760016"/>
+        <p14:creationId xmlns:p14="http://schemas.microsoft.com/office/powerpoint/2010/main" xmlns="" val="1303760016"/>
       </p:ext>
     </p:extLst>
   </p:cSld>
@@ -38249,7 +38621,7 @@
   <a:extraClrSchemeLst/>
   <a:extLst>
     <a:ext uri="{05A4C25C-085E-4340-85A3-A5531E510DB2}">
-      <thm15:themeFamily xmlns="" xmlns:thm15="http://schemas.microsoft.com/office/thememl/2012/main" name="Office Theme" id="{62F939B6-93AF-4DB8-9C6B-D6C7DFDC589F}" vid="{4A3C46E8-61CC-4603-A589-7422A47A8E4A}"/>
+      <thm15:themeFamily xmlns:thm15="http://schemas.microsoft.com/office/thememl/2012/main" xmlns="" name="Office Theme" id="{62F939B6-93AF-4DB8-9C6B-D6C7DFDC589F}" vid="{4A3C46E8-61CC-4603-A589-7422A47A8E4A}"/>
     </a:ext>
   </a:extLst>
 </a:theme>
